--- a/正威国际集团V1.0.pptx
+++ b/正威国际集团V1.0.pptx
@@ -5,7 +5,7 @@
     <p:sldMasterId id="2147483648" r:id="rId1"/>
   </p:sldMasterIdLst>
   <p:notesMasterIdLst>
-    <p:notesMasterId r:id="rId18"/>
+    <p:notesMasterId r:id="rId27"/>
   </p:notesMasterIdLst>
   <p:sldIdLst>
     <p:sldId id="256" r:id="rId2"/>
@@ -21,9 +21,18 @@
     <p:sldId id="266" r:id="rId12"/>
     <p:sldId id="267" r:id="rId13"/>
     <p:sldId id="268" r:id="rId14"/>
-    <p:sldId id="269" r:id="rId15"/>
-    <p:sldId id="270" r:id="rId16"/>
-    <p:sldId id="271" r:id="rId17"/>
+    <p:sldId id="273" r:id="rId15"/>
+    <p:sldId id="269" r:id="rId16"/>
+    <p:sldId id="275" r:id="rId17"/>
+    <p:sldId id="270" r:id="rId18"/>
+    <p:sldId id="272" r:id="rId19"/>
+    <p:sldId id="274" r:id="rId20"/>
+    <p:sldId id="271" r:id="rId21"/>
+    <p:sldId id="276" r:id="rId22"/>
+    <p:sldId id="277" r:id="rId23"/>
+    <p:sldId id="279" r:id="rId24"/>
+    <p:sldId id="280" r:id="rId25"/>
+    <p:sldId id="281" r:id="rId26"/>
   </p:sldIdLst>
   <p:sldSz cx="13004800" cy="9753600"/>
   <p:notesSz cx="6858000" cy="9144000"/>
@@ -361,25 +370,22 @@
       </a:defRPr>
     </a:lvl9pPr>
   </p:defaultTextStyle>
+  <p:extLst>
+    <p:ext uri="{EFAFB233-063F-42B5-8137-9DF3F51BA10A}">
+      <p15:sldGuideLst xmlns:p15="http://schemas.microsoft.com/office/powerpoint/2012/main"/>
+    </p:ext>
+  </p:extLst>
 </p:presentation>
 </file>
 
 <file path=ppt/commentAuthors.xml><?xml version="1.0" encoding="utf-8"?>
 <p:cmAuthorLst xmlns:a="http://schemas.openxmlformats.org/drawingml/2006/main" xmlns:r="http://schemas.openxmlformats.org/officeDocument/2006/relationships" xmlns:p="http://schemas.openxmlformats.org/presentationml/2006/main">
   <p:cmAuthor id="0" name="张磊" initials="张" lastIdx="4" clrIdx="0"/>
-  <p:cmAuthor id="1" name="Lei Zhang" initials="LZ" lastIdx="1" clrIdx="1">
-    <p:extLst>
-      <p:ext uri="{19B8F6BF-5375-455C-9EA6-DF929625EA0E}">
-        <p15:presenceInfo xmlns:p15="http://schemas.microsoft.com/office/powerpoint/2012/main" userId="" providerId=""/>
-      </p:ext>
-    </p:extLst>
+  <p:cmAuthor id="1" name="Lei Zhang" initials="LZ" lastIdx="13" clrIdx="1">
+    <p:extLst/>
   </p:cmAuthor>
   <p:cmAuthor id="2" name="Lei Zhang" initials="LZ [2]" lastIdx="1" clrIdx="2">
-    <p:extLst>
-      <p:ext uri="{19B8F6BF-5375-455C-9EA6-DF929625EA0E}">
-        <p15:presenceInfo xmlns:p15="http://schemas.microsoft.com/office/powerpoint/2012/main" userId="" providerId=""/>
-      </p:ext>
-    </p:extLst>
+    <p:extLst/>
   </p:cmAuthor>
 </p:cmAuthorLst>
 </file>
@@ -440,6 +446,22 @@
             <a:r>
               <a:rPr lang="zh-CN" altLang="en-US" dirty="0" smtClean="0"/>
               <a:t> 百万美元</a:t>
+            </a:r>
+            <a:r>
+              <a:rPr lang="en-US" altLang="zh-CN" dirty="0" smtClean="0"/>
+              <a:t>, </a:t>
+            </a:r>
+            <a:r>
+              <a:rPr lang="zh-CN" altLang="en-US" dirty="0" smtClean="0"/>
+              <a:t>附</a:t>
+            </a:r>
+            <a:r>
+              <a:rPr lang="en-US" altLang="zh-CN" dirty="0" smtClean="0"/>
+              <a:t>500</a:t>
+            </a:r>
+            <a:r>
+              <a:rPr lang="zh-CN" altLang="en-US" dirty="0" smtClean="0"/>
+              <a:t>强排名</a:t>
             </a:r>
             <a:r>
               <a:rPr lang="en-US" altLang="zh-CN" dirty="0" smtClean="0"/>
@@ -963,12 +985,12 @@
         </c:dLbls>
         <c:gapWidth val="65"/>
         <c:shape val="box"/>
-        <c:axId val="1528378944"/>
-        <c:axId val="1531465696"/>
+        <c:axId val="-1686947824"/>
+        <c:axId val="-1279665504"/>
         <c:axId val="0"/>
       </c:bar3DChart>
       <c:catAx>
-        <c:axId val="1528378944"/>
+        <c:axId val="-1686947824"/>
         <c:scaling>
           <c:orientation val="minMax"/>
         </c:scaling>
@@ -1011,7 +1033,7 @@
             <a:endParaRPr lang="zh-CN"/>
           </a:p>
         </c:txPr>
-        <c:crossAx val="1531465696"/>
+        <c:crossAx val="-1279665504"/>
         <c:crosses val="autoZero"/>
         <c:auto val="1"/>
         <c:lblAlgn val="ctr"/>
@@ -1019,7 +1041,7 @@
         <c:noMultiLvlLbl val="0"/>
       </c:catAx>
       <c:valAx>
-        <c:axId val="1531465696"/>
+        <c:axId val="-1279665504"/>
         <c:scaling>
           <c:orientation val="minMax"/>
         </c:scaling>
@@ -1039,6 +1061,7 @@
             <a:effectLst/>
           </c:spPr>
         </c:majorGridlines>
+        <c:numFmt formatCode="General" sourceLinked="0"/>
         <c:majorTickMark val="none"/>
         <c:minorTickMark val="none"/>
         <c:tickLblPos val="nextTo"/>
@@ -1069,7 +1092,7 @@
             <a:endParaRPr lang="zh-CN"/>
           </a:p>
         </c:txPr>
-        <c:crossAx val="1528378944"/>
+        <c:crossAx val="-1686947824"/>
         <c:crosses val="autoZero"/>
         <c:crossBetween val="between"/>
       </c:valAx>
@@ -1188,7 +1211,657 @@
   </mc:AlternateContent>
   <c:chart>
     <c:title>
+      <c:tx>
+        <c:rich>
+          <a:bodyPr rot="0" spcFirstLastPara="1" vertOverflow="ellipsis" vert="horz" wrap="square" anchor="ctr" anchorCtr="1"/>
+          <a:lstStyle/>
+          <a:p>
+            <a:pPr>
+              <a:defRPr sz="2200" b="1" i="0" u="none" strike="noStrike" kern="1200" baseline="0">
+                <a:solidFill>
+                  <a:schemeClr val="dk1">
+                    <a:lumMod val="75000"/>
+                    <a:lumOff val="25000"/>
+                  </a:schemeClr>
+                </a:solidFill>
+                <a:latin typeface="DengXian" charset="-122"/>
+                <a:ea typeface="DengXian" charset="-122"/>
+                <a:cs typeface="DengXian" charset="-122"/>
+              </a:defRPr>
+            </a:pPr>
+            <a:r>
+              <a:rPr lang="zh-CN" dirty="0"/>
+              <a:t>正威国际集团资产</a:t>
+            </a:r>
+            <a:r>
+              <a:rPr lang="en-US" dirty="0" smtClean="0"/>
+              <a:t>(</a:t>
+            </a:r>
+            <a:r>
+              <a:rPr lang="zh-CN" altLang="en-US" dirty="0" smtClean="0"/>
+              <a:t>单位</a:t>
+            </a:r>
+            <a:r>
+              <a:rPr lang="en-US" altLang="zh-CN" dirty="0" smtClean="0"/>
+              <a:t>:</a:t>
+            </a:r>
+            <a:r>
+              <a:rPr lang="zh-CN" dirty="0" smtClean="0"/>
+              <a:t>百万</a:t>
+            </a:r>
+            <a:r>
+              <a:rPr lang="zh-CN" dirty="0"/>
+              <a:t>美元</a:t>
+            </a:r>
+            <a:r>
+              <a:rPr lang="en-US" dirty="0"/>
+              <a:t>)</a:t>
+            </a:r>
+            <a:r>
+              <a:rPr lang="zh-CN" dirty="0"/>
+              <a:t>和资产收益率</a:t>
+            </a:r>
+          </a:p>
+        </c:rich>
+      </c:tx>
       <c:layout/>
+      <c:overlay val="0"/>
+      <c:spPr>
+        <a:noFill/>
+        <a:ln>
+          <a:noFill/>
+        </a:ln>
+        <a:effectLst/>
+      </c:spPr>
+    </c:title>
+    <c:autoTitleDeleted val="0"/>
+    <c:view3D>
+      <c:rotX val="0"/>
+      <c:rotY val="0"/>
+      <c:depthPercent val="60"/>
+      <c:rAngAx val="0"/>
+      <c:perspective val="100"/>
+    </c:view3D>
+    <c:floor>
+      <c:thickness val="0"/>
+      <c:spPr>
+        <a:solidFill>
+          <a:schemeClr val="lt1">
+            <a:lumMod val="95000"/>
+          </a:schemeClr>
+        </a:solidFill>
+        <a:ln>
+          <a:noFill/>
+        </a:ln>
+        <a:effectLst/>
+        <a:sp3d/>
+      </c:spPr>
+    </c:floor>
+    <c:sideWall>
+      <c:thickness val="0"/>
+      <c:spPr>
+        <a:noFill/>
+        <a:ln>
+          <a:noFill/>
+        </a:ln>
+        <a:effectLst/>
+        <a:sp3d/>
+      </c:spPr>
+    </c:sideWall>
+    <c:backWall>
+      <c:thickness val="0"/>
+      <c:spPr>
+        <a:noFill/>
+        <a:ln>
+          <a:noFill/>
+        </a:ln>
+        <a:effectLst/>
+        <a:sp3d/>
+      </c:spPr>
+    </c:backWall>
+    <c:plotArea>
+      <c:layout/>
+      <c:bar3DChart>
+        <c:barDir val="col"/>
+        <c:grouping val="clustered"/>
+        <c:varyColors val="0"/>
+        <c:ser>
+          <c:idx val="0"/>
+          <c:order val="0"/>
+          <c:tx>
+            <c:strRef>
+              <c:f>工作表1!$B$1</c:f>
+              <c:strCache>
+                <c:ptCount val="1"/>
+                <c:pt idx="0">
+                  <c:v>资产</c:v>
+                </c:pt>
+              </c:strCache>
+            </c:strRef>
+          </c:tx>
+          <c:spPr>
+            <a:solidFill>
+              <a:schemeClr val="accent1">
+                <a:alpha val="85000"/>
+              </a:schemeClr>
+            </a:solidFill>
+            <a:ln w="9525" cap="flat" cmpd="sng" algn="ctr">
+              <a:solidFill>
+                <a:schemeClr val="accent1">
+                  <a:lumMod val="75000"/>
+                </a:schemeClr>
+              </a:solidFill>
+              <a:round/>
+            </a:ln>
+            <a:effectLst/>
+            <a:sp3d contourW="9525">
+              <a:contourClr>
+                <a:schemeClr val="accent1">
+                  <a:lumMod val="75000"/>
+                </a:schemeClr>
+              </a:contourClr>
+            </a:sp3d>
+          </c:spPr>
+          <c:invertIfNegative val="0"/>
+          <c:dLbls>
+            <c:spPr>
+              <a:solidFill>
+                <a:schemeClr val="accent1"/>
+              </a:solidFill>
+              <a:ln w="25400" cap="flat" cmpd="sng" algn="ctr">
+                <a:solidFill>
+                  <a:schemeClr val="accent1">
+                    <a:shade val="50000"/>
+                  </a:schemeClr>
+                </a:solidFill>
+                <a:prstDash val="solid"/>
+              </a:ln>
+              <a:effectLst/>
+            </c:spPr>
+            <c:txPr>
+              <a:bodyPr rot="0" spcFirstLastPara="1" vertOverflow="ellipsis" vert="horz" wrap="square" lIns="38100" tIns="19050" rIns="38100" bIns="19050" anchor="ctr" anchorCtr="1">
+                <a:spAutoFit/>
+              </a:bodyPr>
+              <a:lstStyle/>
+              <a:p>
+                <a:pPr>
+                  <a:defRPr sz="1197" b="0" i="0" u="none" strike="noStrike" kern="1200" baseline="0">
+                    <a:solidFill>
+                      <a:schemeClr val="lt1"/>
+                    </a:solidFill>
+                    <a:latin typeface="+mn-lt"/>
+                    <a:ea typeface="+mn-ea"/>
+                    <a:cs typeface="+mn-cs"/>
+                  </a:defRPr>
+                </a:pPr>
+                <a:endParaRPr lang="zh-CN"/>
+              </a:p>
+            </c:txPr>
+            <c:showLegendKey val="0"/>
+            <c:showVal val="1"/>
+            <c:showCatName val="0"/>
+            <c:showSerName val="0"/>
+            <c:showPercent val="0"/>
+            <c:showBubbleSize val="0"/>
+            <c:showLeaderLines val="0"/>
+            <c:extLst>
+              <c:ext xmlns:c15="http://schemas.microsoft.com/office/drawing/2012/chart" uri="{CE6537A1-D6FC-4f65-9D91-7224C49458BB}">
+                <c15:layout/>
+                <c15:showLeaderLines val="1"/>
+                <c15:leaderLines>
+                  <c:spPr>
+                    <a:ln w="9525">
+                      <a:solidFill>
+                        <a:schemeClr val="dk1">
+                          <a:lumMod val="50000"/>
+                          <a:lumOff val="50000"/>
+                        </a:schemeClr>
+                      </a:solidFill>
+                    </a:ln>
+                    <a:effectLst/>
+                  </c:spPr>
+                </c15:leaderLines>
+              </c:ext>
+            </c:extLst>
+          </c:dLbls>
+          <c:cat>
+            <c:numRef>
+              <c:f>工作表1!$A$2:$A$6</c:f>
+              <c:numCache>
+                <c:formatCode>General</c:formatCode>
+                <c:ptCount val="5"/>
+                <c:pt idx="0">
+                  <c:v>2013.0</c:v>
+                </c:pt>
+                <c:pt idx="1">
+                  <c:v>2014.0</c:v>
+                </c:pt>
+                <c:pt idx="2">
+                  <c:v>2015.0</c:v>
+                </c:pt>
+                <c:pt idx="3">
+                  <c:v>2016.0</c:v>
+                </c:pt>
+                <c:pt idx="4">
+                  <c:v>2017.0</c:v>
+                </c:pt>
+              </c:numCache>
+            </c:numRef>
+          </c:cat>
+          <c:val>
+            <c:numRef>
+              <c:f>工作表1!$B$2:$B$6</c:f>
+              <c:numCache>
+                <c:formatCode>General</c:formatCode>
+                <c:ptCount val="5"/>
+                <c:pt idx="0">
+                  <c:v>13914.0</c:v>
+                </c:pt>
+                <c:pt idx="1">
+                  <c:v>17142.8</c:v>
+                </c:pt>
+                <c:pt idx="2">
+                  <c:v>18655.0</c:v>
+                </c:pt>
+                <c:pt idx="3">
+                  <c:v>18559.4</c:v>
+                </c:pt>
+                <c:pt idx="4">
+                  <c:v>18404.9</c:v>
+                </c:pt>
+              </c:numCache>
+            </c:numRef>
+          </c:val>
+        </c:ser>
+        <c:ser>
+          <c:idx val="1"/>
+          <c:order val="1"/>
+          <c:tx>
+            <c:strRef>
+              <c:f>工作表1!$C$1</c:f>
+              <c:strCache>
+                <c:ptCount val="1"/>
+                <c:pt idx="0">
+                  <c:v>资产收益率</c:v>
+                </c:pt>
+              </c:strCache>
+            </c:strRef>
+          </c:tx>
+          <c:spPr>
+            <a:solidFill>
+              <a:schemeClr val="accent2">
+                <a:alpha val="85000"/>
+              </a:schemeClr>
+            </a:solidFill>
+            <a:ln w="9525" cap="flat" cmpd="sng" algn="ctr">
+              <a:solidFill>
+                <a:schemeClr val="accent2">
+                  <a:lumMod val="75000"/>
+                </a:schemeClr>
+              </a:solidFill>
+              <a:round/>
+            </a:ln>
+            <a:effectLst/>
+            <a:sp3d contourW="9525">
+              <a:contourClr>
+                <a:schemeClr val="accent2">
+                  <a:lumMod val="75000"/>
+                </a:schemeClr>
+              </a:contourClr>
+            </a:sp3d>
+          </c:spPr>
+          <c:invertIfNegative val="0"/>
+          <c:dLbls>
+            <c:spPr>
+              <a:solidFill>
+                <a:schemeClr val="accent2"/>
+              </a:solidFill>
+              <a:ln w="25400" cap="flat" cmpd="sng" algn="ctr">
+                <a:solidFill>
+                  <a:schemeClr val="accent2">
+                    <a:shade val="50000"/>
+                  </a:schemeClr>
+                </a:solidFill>
+                <a:prstDash val="solid"/>
+              </a:ln>
+              <a:effectLst/>
+            </c:spPr>
+            <c:txPr>
+              <a:bodyPr rot="0" spcFirstLastPara="1" vertOverflow="ellipsis" vert="horz" wrap="square" lIns="38100" tIns="19050" rIns="38100" bIns="612000" anchor="ctr" anchorCtr="1">
+                <a:spAutoFit/>
+              </a:bodyPr>
+              <a:lstStyle/>
+              <a:p>
+                <a:pPr>
+                  <a:defRPr sz="1197" b="0" i="0" u="none" strike="noStrike" kern="1200" baseline="0">
+                    <a:solidFill>
+                      <a:schemeClr val="lt1"/>
+                    </a:solidFill>
+                    <a:latin typeface="+mn-lt"/>
+                    <a:ea typeface="+mn-ea"/>
+                    <a:cs typeface="+mn-cs"/>
+                  </a:defRPr>
+                </a:pPr>
+                <a:endParaRPr lang="zh-CN"/>
+              </a:p>
+            </c:txPr>
+            <c:showLegendKey val="0"/>
+            <c:showVal val="1"/>
+            <c:showCatName val="0"/>
+            <c:showSerName val="0"/>
+            <c:showPercent val="0"/>
+            <c:showBubbleSize val="0"/>
+            <c:showLeaderLines val="0"/>
+            <c:extLst>
+              <c:ext xmlns:c15="http://schemas.microsoft.com/office/drawing/2012/chart" uri="{CE6537A1-D6FC-4f65-9D91-7224C49458BB}">
+                <c15:spPr xmlns:c15="http://schemas.microsoft.com/office/drawing/2012/chart">
+                  <a:prstGeom prst="rect">
+                    <a:avLst/>
+                  </a:prstGeom>
+                </c15:spPr>
+                <c15:layout/>
+                <c15:showLeaderLines val="1"/>
+                <c15:leaderLines>
+                  <c:spPr>
+                    <a:ln w="9525">
+                      <a:solidFill>
+                        <a:schemeClr val="dk1">
+                          <a:lumMod val="50000"/>
+                          <a:lumOff val="50000"/>
+                        </a:schemeClr>
+                      </a:solidFill>
+                    </a:ln>
+                    <a:effectLst/>
+                  </c:spPr>
+                </c15:leaderLines>
+              </c:ext>
+            </c:extLst>
+          </c:dLbls>
+          <c:cat>
+            <c:numRef>
+              <c:f>工作表1!$A$2:$A$6</c:f>
+              <c:numCache>
+                <c:formatCode>General</c:formatCode>
+                <c:ptCount val="5"/>
+                <c:pt idx="0">
+                  <c:v>2013.0</c:v>
+                </c:pt>
+                <c:pt idx="1">
+                  <c:v>2014.0</c:v>
+                </c:pt>
+                <c:pt idx="2">
+                  <c:v>2015.0</c:v>
+                </c:pt>
+                <c:pt idx="3">
+                  <c:v>2016.0</c:v>
+                </c:pt>
+                <c:pt idx="4">
+                  <c:v>2017.0</c:v>
+                </c:pt>
+              </c:numCache>
+            </c:numRef>
+          </c:cat>
+          <c:val>
+            <c:numRef>
+              <c:f>工作表1!$C$2:$C$6</c:f>
+              <c:numCache>
+                <c:formatCode>General</c:formatCode>
+                <c:ptCount val="5"/>
+                <c:pt idx="0">
+                  <c:v>4.1</c:v>
+                </c:pt>
+                <c:pt idx="1">
+                  <c:v>4.9</c:v>
+                </c:pt>
+                <c:pt idx="2">
+                  <c:v>5.1</c:v>
+                </c:pt>
+                <c:pt idx="3">
+                  <c:v>6.1</c:v>
+                </c:pt>
+                <c:pt idx="4">
+                  <c:v>6.5</c:v>
+                </c:pt>
+              </c:numCache>
+            </c:numRef>
+          </c:val>
+        </c:ser>
+        <c:dLbls>
+          <c:showLegendKey val="0"/>
+          <c:showVal val="1"/>
+          <c:showCatName val="0"/>
+          <c:showSerName val="0"/>
+          <c:showPercent val="0"/>
+          <c:showBubbleSize val="0"/>
+        </c:dLbls>
+        <c:gapWidth val="65"/>
+        <c:shape val="box"/>
+        <c:axId val="-1275492752"/>
+        <c:axId val="-1275490976"/>
+        <c:axId val="0"/>
+      </c:bar3DChart>
+      <c:catAx>
+        <c:axId val="-1275492752"/>
+        <c:scaling>
+          <c:orientation val="minMax"/>
+        </c:scaling>
+        <c:delete val="0"/>
+        <c:axPos val="b"/>
+        <c:numFmt formatCode="General" sourceLinked="1"/>
+        <c:majorTickMark val="none"/>
+        <c:minorTickMark val="none"/>
+        <c:tickLblPos val="nextTo"/>
+        <c:spPr>
+          <a:noFill/>
+          <a:ln w="19050" cap="flat" cmpd="sng" algn="ctr">
+            <a:solidFill>
+              <a:schemeClr val="dk1">
+                <a:lumMod val="75000"/>
+                <a:lumOff val="25000"/>
+              </a:schemeClr>
+            </a:solidFill>
+            <a:round/>
+          </a:ln>
+          <a:effectLst/>
+        </c:spPr>
+        <c:txPr>
+          <a:bodyPr rot="-60000000" spcFirstLastPara="1" vertOverflow="ellipsis" vert="horz" wrap="square" anchor="ctr" anchorCtr="1"/>
+          <a:lstStyle/>
+          <a:p>
+            <a:pPr>
+              <a:defRPr sz="1197" b="0" i="0" u="none" strike="noStrike" kern="1200" cap="all" baseline="0">
+                <a:solidFill>
+                  <a:schemeClr val="dk1">
+                    <a:lumMod val="75000"/>
+                    <a:lumOff val="25000"/>
+                  </a:schemeClr>
+                </a:solidFill>
+                <a:latin typeface="DengXian" charset="-122"/>
+                <a:ea typeface="DengXian" charset="-122"/>
+                <a:cs typeface="DengXian" charset="-122"/>
+              </a:defRPr>
+            </a:pPr>
+            <a:endParaRPr lang="zh-CN"/>
+          </a:p>
+        </c:txPr>
+        <c:crossAx val="-1275490976"/>
+        <c:crosses val="autoZero"/>
+        <c:auto val="1"/>
+        <c:lblAlgn val="ctr"/>
+        <c:lblOffset val="100"/>
+        <c:noMultiLvlLbl val="0"/>
+      </c:catAx>
+      <c:valAx>
+        <c:axId val="-1275490976"/>
+        <c:scaling>
+          <c:orientation val="minMax"/>
+        </c:scaling>
+        <c:delete val="0"/>
+        <c:axPos val="l"/>
+        <c:majorGridlines>
+          <c:spPr>
+            <a:ln w="9525" cap="flat" cmpd="sng" algn="ctr">
+              <a:solidFill>
+                <a:schemeClr val="dk1">
+                  <a:lumMod val="15000"/>
+                  <a:lumOff val="85000"/>
+                </a:schemeClr>
+              </a:solidFill>
+              <a:round/>
+            </a:ln>
+            <a:effectLst/>
+          </c:spPr>
+        </c:majorGridlines>
+        <c:numFmt formatCode="General" sourceLinked="0"/>
+        <c:majorTickMark val="none"/>
+        <c:minorTickMark val="none"/>
+        <c:tickLblPos val="nextTo"/>
+        <c:spPr>
+          <a:noFill/>
+          <a:ln>
+            <a:noFill/>
+          </a:ln>
+          <a:effectLst/>
+        </c:spPr>
+        <c:txPr>
+          <a:bodyPr rot="-60000000" spcFirstLastPara="1" vertOverflow="ellipsis" vert="horz" wrap="square" anchor="ctr" anchorCtr="1"/>
+          <a:lstStyle/>
+          <a:p>
+            <a:pPr>
+              <a:defRPr sz="1197" b="0" i="0" u="none" strike="noStrike" kern="1200" baseline="0">
+                <a:solidFill>
+                  <a:schemeClr val="dk1">
+                    <a:lumMod val="75000"/>
+                    <a:lumOff val="25000"/>
+                  </a:schemeClr>
+                </a:solidFill>
+                <a:latin typeface="DengXian" charset="-122"/>
+                <a:ea typeface="DengXian" charset="-122"/>
+                <a:cs typeface="DengXian" charset="-122"/>
+              </a:defRPr>
+            </a:pPr>
+            <a:endParaRPr lang="zh-CN"/>
+          </a:p>
+        </c:txPr>
+        <c:crossAx val="-1275492752"/>
+        <c:crosses val="autoZero"/>
+        <c:crossBetween val="between"/>
+      </c:valAx>
+      <c:spPr>
+        <a:noFill/>
+        <a:ln>
+          <a:noFill/>
+        </a:ln>
+        <a:effectLst/>
+      </c:spPr>
+    </c:plotArea>
+    <c:legend>
+      <c:legendPos val="b"/>
+      <c:layout/>
+      <c:overlay val="0"/>
+      <c:spPr>
+        <a:solidFill>
+          <a:schemeClr val="lt1">
+            <a:lumMod val="95000"/>
+            <a:alpha val="39000"/>
+          </a:schemeClr>
+        </a:solidFill>
+        <a:ln>
+          <a:noFill/>
+        </a:ln>
+        <a:effectLst/>
+      </c:spPr>
+      <c:txPr>
+        <a:bodyPr rot="0" spcFirstLastPara="1" vertOverflow="ellipsis" vert="horz" wrap="square" anchor="ctr" anchorCtr="1"/>
+        <a:lstStyle/>
+        <a:p>
+          <a:pPr>
+            <a:defRPr sz="1197" b="0" i="0" u="none" strike="noStrike" kern="1200" baseline="0">
+              <a:solidFill>
+                <a:schemeClr val="dk1">
+                  <a:lumMod val="75000"/>
+                  <a:lumOff val="25000"/>
+                </a:schemeClr>
+              </a:solidFill>
+              <a:latin typeface="DengXian" charset="-122"/>
+              <a:ea typeface="DengXian" charset="-122"/>
+              <a:cs typeface="DengXian" charset="-122"/>
+            </a:defRPr>
+          </a:pPr>
+          <a:endParaRPr lang="zh-CN"/>
+        </a:p>
+      </c:txPr>
+    </c:legend>
+    <c:plotVisOnly val="1"/>
+    <c:dispBlanksAs val="gap"/>
+    <c:showDLblsOverMax val="0"/>
+  </c:chart>
+  <c:spPr>
+    <a:gradFill flip="none" rotWithShape="1">
+      <a:gsLst>
+        <a:gs pos="0">
+          <a:schemeClr val="lt1"/>
+        </a:gs>
+        <a:gs pos="39000">
+          <a:schemeClr val="lt1"/>
+        </a:gs>
+        <a:gs pos="100000">
+          <a:schemeClr val="lt1">
+            <a:lumMod val="75000"/>
+          </a:schemeClr>
+        </a:gs>
+      </a:gsLst>
+      <a:path path="circle">
+        <a:fillToRect l="50000" t="-80000" r="50000" b="180000"/>
+      </a:path>
+      <a:tileRect/>
+    </a:gradFill>
+    <a:ln w="9525" cap="flat" cmpd="sng" algn="ctr">
+      <a:solidFill>
+        <a:schemeClr val="dk1">
+          <a:lumMod val="25000"/>
+          <a:lumOff val="75000"/>
+        </a:schemeClr>
+      </a:solidFill>
+      <a:round/>
+    </a:ln>
+    <a:effectLst/>
+  </c:spPr>
+  <c:txPr>
+    <a:bodyPr/>
+    <a:lstStyle/>
+    <a:p>
+      <a:pPr>
+        <a:defRPr>
+          <a:latin typeface="DengXian" charset="-122"/>
+          <a:ea typeface="DengXian" charset="-122"/>
+          <a:cs typeface="DengXian" charset="-122"/>
+        </a:defRPr>
+      </a:pPr>
+      <a:endParaRPr lang="zh-CN"/>
+    </a:p>
+  </c:txPr>
+  <c:externalData r:id="rId1">
+    <c:autoUpdate val="0"/>
+  </c:externalData>
+</c:chartSpace>
+</file>
+
+<file path=ppt/charts/chart3.xml><?xml version="1.0" encoding="utf-8"?>
+<c:chartSpace xmlns:c="http://schemas.openxmlformats.org/drawingml/2006/chart" xmlns:a="http://schemas.openxmlformats.org/drawingml/2006/main" xmlns:r="http://schemas.openxmlformats.org/officeDocument/2006/relationships">
+  <c:date1904 val="0"/>
+  <c:lang val="zh-CN"/>
+  <c:roundedCorners val="0"/>
+  <mc:AlternateContent xmlns:mc="http://schemas.openxmlformats.org/markup-compatibility/2006">
+    <mc:Choice xmlns:c14="http://schemas.microsoft.com/office/drawing/2007/8/2/chart" Requires="c14">
+      <c14:style val="102"/>
+    </mc:Choice>
+    <mc:Fallback>
+      <c:style val="2"/>
+    </mc:Fallback>
+  </mc:AlternateContent>
+  <c:chart>
+    <c:title>
       <c:overlay val="0"/>
       <c:spPr>
         <a:noFill/>
@@ -1503,9 +2176,7 @@
               </c:spPr>
             </c:leaderLines>
             <c:extLst>
-              <c:ext xmlns:c15="http://schemas.microsoft.com/office/drawing/2012/chart" uri="{CE6537A1-D6FC-4f65-9D91-7224C49458BB}">
-                <c15:layout/>
-              </c:ext>
+              <c:ext xmlns:c15="http://schemas.microsoft.com/office/drawing/2012/chart" uri="{CE6537A1-D6FC-4f65-9D91-7224C49458BB}"/>
             </c:extLst>
           </c:dLbls>
           <c:cat>
@@ -1614,7 +2285,6 @@
     </c:plotArea>
     <c:legend>
       <c:legendPos val="b"/>
-      <c:layout/>
       <c:overlay val="0"/>
       <c:spPr>
         <a:solidFill>
@@ -2884,6 +3554,140 @@
 </p:cmLst>
 </file>
 
+<file path=ppt/comments/comment10.xml><?xml version="1.0" encoding="utf-8"?>
+<p:cmLst xmlns:a="http://schemas.openxmlformats.org/drawingml/2006/main" xmlns:r="http://schemas.openxmlformats.org/officeDocument/2006/relationships" xmlns:p="http://schemas.openxmlformats.org/presentationml/2006/main">
+  <p:cm authorId="1" dt="2017-11-02T10:41:55.413" idx="2">
+    <p:pos x="1976" y="3544"/>
+    <p:text>数据来自天眼查的数据, 与企查查和启信宝进行整合去重之后的数据https://www.tianyancha.com/company/15100408</p:text>
+    <p:extLst>
+      <p:ext uri="{C676402C-5697-4E1C-873F-D02D1690AC5C}">
+        <p15:threadingInfo xmlns:p15="http://schemas.microsoft.com/office/powerpoint/2012/main" timeZoneBias="-480"/>
+      </p:ext>
+    </p:extLst>
+  </p:cm>
+  <p:cm authorId="1" dt="2017-11-02T10:50:03.576" idx="3">
+    <p:pos x="6856" y="4200"/>
+    <p:text>http://awinresource.com/zh-cn/index.php</p:text>
+    <p:extLst>
+      <p:ext uri="{C676402C-5697-4E1C-873F-D02D1690AC5C}">
+        <p15:threadingInfo xmlns:p15="http://schemas.microsoft.com/office/powerpoint/2012/main" timeZoneBias="-480"/>
+      </p:ext>
+    </p:extLst>
+  </p:cm>
+  <p:cm authorId="1" dt="2017-11-02T11:05:50.310" idx="4">
+    <p:pos x="1976" y="5048"/>
+    <p:text>数据来自官方网站http://en.amer.com.cn/About/GroupIntroduction.aspx</p:text>
+    <p:extLst>
+      <p:ext uri="{C676402C-5697-4E1C-873F-D02D1690AC5C}">
+        <p15:threadingInfo xmlns:p15="http://schemas.microsoft.com/office/powerpoint/2012/main" timeZoneBias="-480"/>
+      </p:ext>
+    </p:extLst>
+  </p:cm>
+</p:cmLst>
+</file>
+
+<file path=ppt/comments/comment11.xml><?xml version="1.0" encoding="utf-8"?>
+<p:cmLst xmlns:a="http://schemas.openxmlformats.org/drawingml/2006/main" xmlns:r="http://schemas.openxmlformats.org/officeDocument/2006/relationships" xmlns:p="http://schemas.openxmlformats.org/presentationml/2006/main">
+  <p:cm authorId="1" dt="2017-11-02T11:17:43.357" idx="5">
+    <p:pos x="10" y="10"/>
+    <p:text>数据来自财富杂志发布的世界500强排行榜上正威集团的数据.http://www.fortunechina.com/global500/617/2017
+</p:text>
+    <p:extLst>
+      <p:ext uri="{C676402C-5697-4E1C-873F-D02D1690AC5C}">
+        <p15:threadingInfo xmlns:p15="http://schemas.microsoft.com/office/powerpoint/2012/main" timeZoneBias="-480"/>
+      </p:ext>
+    </p:extLst>
+  </p:cm>
+</p:cmLst>
+</file>
+
+<file path=ppt/comments/comment12.xml><?xml version="1.0" encoding="utf-8"?>
+<p:cmLst xmlns:a="http://schemas.openxmlformats.org/drawingml/2006/main" xmlns:r="http://schemas.openxmlformats.org/officeDocument/2006/relationships" xmlns:p="http://schemas.openxmlformats.org/presentationml/2006/main">
+  <p:cm authorId="1" dt="2017-11-01T17:20:03.509" idx="1">
+    <p:pos x="8072" y="1230"/>
+    <p:text>数据来自美国地质调查局公布的Mineral Commodity Summaries 2017报告, 见附件.</p:text>
+    <p:extLst>
+      <p:ext uri="{C676402C-5697-4E1C-873F-D02D1690AC5C}">
+        <p15:threadingInfo xmlns:p15="http://schemas.microsoft.com/office/powerpoint/2012/main" timeZoneBias="-480"/>
+      </p:ext>
+    </p:extLst>
+  </p:cm>
+  <p:cm authorId="2" dt="2017-11-01T17:23:31.381" idx="1">
+    <p:pos x="2919" y="4398"/>
+    <p:text>数据来自维基百科王文银词条介绍: https://zh.wikipedia.org/wiki/%E7%8E%8B%E6%96%87%E9%93%B6</p:text>
+    <p:extLst>
+      <p:ext uri="{C676402C-5697-4E1C-873F-D02D1690AC5C}">
+        <p15:threadingInfo xmlns:p15="http://schemas.microsoft.com/office/powerpoint/2012/main" timeZoneBias="-480"/>
+      </p:ext>
+    </p:extLst>
+  </p:cm>
+</p:cmLst>
+</file>
+
+<file path=ppt/comments/comment13.xml><?xml version="1.0" encoding="utf-8"?>
+<p:cmLst xmlns:a="http://schemas.openxmlformats.org/drawingml/2006/main" xmlns:r="http://schemas.openxmlformats.org/officeDocument/2006/relationships" xmlns:p="http://schemas.openxmlformats.org/presentationml/2006/main">
+  <p:cm authorId="1" dt="2017-11-02T11:47:55.342" idx="8">
+    <p:pos x="4943" y="2278"/>
+    <p:text>企业未上市, 没有披露财务信息, 数据来自王文银的采访文章http://www.jiemian.com/article/1250463.html</p:text>
+    <p:extLst>
+      <p:ext uri="{C676402C-5697-4E1C-873F-D02D1690AC5C}">
+        <p15:threadingInfo xmlns:p15="http://schemas.microsoft.com/office/powerpoint/2012/main" timeZoneBias="-480"/>
+      </p:ext>
+    </p:extLst>
+  </p:cm>
+  <p:cm authorId="1" dt="2017-11-02T11:52:06.474" idx="9">
+    <p:pos x="4436" y="4032"/>
+    <p:text>http://www.nbd.com.cn/articles/2017-04-06/1091592.html</p:text>
+    <p:extLst>
+      <p:ext uri="{C676402C-5697-4E1C-873F-D02D1690AC5C}">
+        <p15:threadingInfo xmlns:p15="http://schemas.microsoft.com/office/powerpoint/2012/main" timeZoneBias="-480"/>
+      </p:ext>
+    </p:extLst>
+  </p:cm>
+  <p:cm authorId="1" dt="2017-11-02T13:20:12.388" idx="10">
+    <p:pos x="10" y="10"/>
+    <p:text>财富杂志与全球制造商集团都宣称以上一年度的营业收入作为衡量标准, 但是由于未上市企业, 例如正威国际集团并不需要公开财务信息, 所以数据上有所出入</p:text>
+    <p:extLst>
+      <p:ext uri="{C676402C-5697-4E1C-873F-D02D1690AC5C}">
+        <p15:threadingInfo xmlns:p15="http://schemas.microsoft.com/office/powerpoint/2012/main" timeZoneBias="-480"/>
+      </p:ext>
+    </p:extLst>
+  </p:cm>
+</p:cmLst>
+</file>
+
+<file path=ppt/comments/comment14.xml><?xml version="1.0" encoding="utf-8"?>
+<p:cmLst xmlns:a="http://schemas.openxmlformats.org/drawingml/2006/main" xmlns:r="http://schemas.openxmlformats.org/officeDocument/2006/relationships" xmlns:p="http://schemas.openxmlformats.org/presentationml/2006/main">
+  <p:cm authorId="1" dt="2017-11-02T13:34:01.152" idx="11">
+    <p:pos x="7591" y="266"/>
+    <p:text>营收数字来自全球制造500强https://www.kuangyibang.com/2017/08/23/2017%E5%B9%B4%E3%80%8A%E5%85%A8%E7%90%83%E5%88%B6%E9%80%A0500%E5%BC%BA%E3%80%8B%E6%A6%9C%E5%8D%95%E5%8F%91%E5%B8%83-%E7%9C%8B%E4%B8%AD%E5%9B%BD%E6%9C%89%E8%89%B2%E9%87%91%E5%B1%9E%E8%A1%8C%E4%B8%9A-2/</p:text>
+    <p:extLst>
+      <p:ext uri="{C676402C-5697-4E1C-873F-D02D1690AC5C}">
+        <p15:threadingInfo xmlns:p15="http://schemas.microsoft.com/office/powerpoint/2012/main" timeZoneBias="-480"/>
+      </p:ext>
+    </p:extLst>
+  </p:cm>
+  <p:cm authorId="1" dt="2017-11-02T14:51:03.434" idx="12">
+    <p:pos x="10" y="10"/>
+    <p:text>净利润数据来自世界500强数据http://www.fortunechina.com/global500/617/2017</p:text>
+    <p:extLst>
+      <p:ext uri="{C676402C-5697-4E1C-873F-D02D1690AC5C}">
+        <p15:threadingInfo xmlns:p15="http://schemas.microsoft.com/office/powerpoint/2012/main" timeZoneBias="-480"/>
+      </p:ext>
+    </p:extLst>
+  </p:cm>
+  <p:cm authorId="1" dt="2017-11-02T15:32:35.595" idx="13">
+    <p:pos x="146" y="146"/>
+    <p:text>中国铝业, 江西铜业, 铜陵有色, 紫金矿业和云南铜业这5家上市公司的营收和利润数据来自企业向证监局公开的财报.http://www.eastmoney.com/</p:text>
+    <p:extLst>
+      <p:ext uri="{C676402C-5697-4E1C-873F-D02D1690AC5C}">
+        <p15:threadingInfo xmlns:p15="http://schemas.microsoft.com/office/powerpoint/2012/main" timeZoneBias="-480"/>
+      </p:ext>
+    </p:extLst>
+  </p:cm>
+</p:cmLst>
+</file>
+
 <file path=ppt/comments/comment2.xml><?xml version="1.0" encoding="utf-8"?>
 <p:cmLst xmlns:a="http://schemas.openxmlformats.org/drawingml/2006/main" xmlns:r="http://schemas.openxmlformats.org/officeDocument/2006/relationships" xmlns:p="http://schemas.openxmlformats.org/presentationml/2006/main">
   <p:cm authorId="0" dt="2017-10-31T17:10:07.853" idx="3">
@@ -2987,11 +3791,19 @@
 
 <file path=ppt/comments/comment8.xml><?xml version="1.0" encoding="utf-8"?>
 <p:cmLst xmlns:a="http://schemas.openxmlformats.org/drawingml/2006/main" xmlns:r="http://schemas.openxmlformats.org/officeDocument/2006/relationships" xmlns:p="http://schemas.openxmlformats.org/presentationml/2006/main">
-  <p:cm authorId="0" dt="2017-10-31T17:32:53.856" idx="2">
-    <p:pos x="7470" y="337"/>
-    <p:text>数据来自财富杂志发布的世界500强排行榜上正威集团的数据.http://www.fortunechina.com/global500/617/2017
-</p:text>
-    <p:extLst mod="1">
+  <p:cm authorId="1" dt="2017-11-02T11:34:51.096" idx="6">
+    <p:pos x="4462" y="4324"/>
+    <p:text>全球制造500强由全球制造商集团编制发布, 数据来自http://www.bhi.com.cn/Sector/Detail.aspx?id=14833914</p:text>
+    <p:extLst>
+      <p:ext uri="{C676402C-5697-4E1C-873F-D02D1690AC5C}">
+        <p15:threadingInfo xmlns:p15="http://schemas.microsoft.com/office/powerpoint/2012/main" timeZoneBias="-480"/>
+      </p:ext>
+    </p:extLst>
+  </p:cm>
+  <p:cm authorId="1" dt="2017-11-02T11:36:51.977" idx="7">
+    <p:pos x="6826" y="2656"/>
+    <p:text>完整版名单地址http://www.fengup.com/news/67915.html</p:text>
+    <p:extLst>
       <p:ext uri="{C676402C-5697-4E1C-873F-D02D1690AC5C}">
         <p15:threadingInfo xmlns:p15="http://schemas.microsoft.com/office/powerpoint/2012/main" timeZoneBias="-480"/>
       </p:ext>
@@ -3002,19 +3814,11 @@
 
 <file path=ppt/comments/comment9.xml><?xml version="1.0" encoding="utf-8"?>
 <p:cmLst xmlns:a="http://schemas.openxmlformats.org/drawingml/2006/main" xmlns:r="http://schemas.openxmlformats.org/officeDocument/2006/relationships" xmlns:p="http://schemas.openxmlformats.org/presentationml/2006/main">
-  <p:cm authorId="1" dt="2017-11-01T17:20:03.509" idx="1">
-    <p:pos x="8072" y="1230"/>
-    <p:text>数据来自美国地质调查局公布的Mineral Commodity Summaries 2017报告, 见附件.</p:text>
-    <p:extLst>
-      <p:ext uri="{C676402C-5697-4E1C-873F-D02D1690AC5C}">
-        <p15:threadingInfo xmlns:p15="http://schemas.microsoft.com/office/powerpoint/2012/main" timeZoneBias="-480"/>
-      </p:ext>
-    </p:extLst>
-  </p:cm>
-  <p:cm authorId="2" dt="2017-11-01T17:23:31.381" idx="1">
-    <p:pos x="2919" y="4398"/>
-    <p:text>数据来自维基百科王文银词条介绍: https://zh.wikipedia.org/wiki/%E7%8E%8B%E6%96%87%E9%93%B6</p:text>
-    <p:extLst>
+  <p:cm authorId="0" dt="2017-10-31T17:32:53.856" idx="2">
+    <p:pos x="7470" y="337"/>
+    <p:text>数据来自财富杂志发布的世界500强排行榜上正威集团的数据.http://www.fortunechina.com/global500/617/2017
+</p:text>
+    <p:extLst mod="1">
       <p:ext uri="{C676402C-5697-4E1C-873F-D02D1690AC5C}">
         <p15:threadingInfo xmlns:p15="http://schemas.microsoft.com/office/powerpoint/2012/main" timeZoneBias="-480"/>
       </p:ext>
@@ -3408,166 +4212,6 @@
 
 <file path=ppt/slideLayouts/slideLayout10.xml><?xml version="1.0" encoding="utf-8"?>
 <p:sldLayout xmlns:a="http://schemas.openxmlformats.org/drawingml/2006/main" xmlns:r="http://schemas.openxmlformats.org/officeDocument/2006/relationships" xmlns:p="http://schemas.openxmlformats.org/presentationml/2006/main" type="tx">
-  <p:cSld name="引文">
-    <p:spTree>
-      <p:nvGrpSpPr>
-        <p:cNvPr id="1" name=""/>
-        <p:cNvGrpSpPr/>
-        <p:nvPr/>
-      </p:nvGrpSpPr>
-      <p:grpSpPr>
-        <a:xfrm>
-          <a:off x="0" y="0"/>
-          <a:ext cx="0" cy="0"/>
-          <a:chOff x="0" y="0"/>
-          <a:chExt cx="0" cy="0"/>
-        </a:xfrm>
-      </p:grpSpPr>
-      <p:sp>
-        <p:nvSpPr>
-          <p:cNvPr id="92" name="–Johnny Appleseed"/>
-          <p:cNvSpPr txBox="1">
-            <a:spLocks noGrp="1"/>
-          </p:cNvSpPr>
-          <p:nvPr>
-            <p:ph type="body" sz="quarter" idx="13"/>
-          </p:nvPr>
-        </p:nvSpPr>
-        <p:spPr>
-          <a:xfrm>
-            <a:off x="1270000" y="6362700"/>
-            <a:ext cx="10464800" cy="461366"/>
-          </a:xfrm>
-          <a:prstGeom prst="rect">
-            <a:avLst/>
-          </a:prstGeom>
-        </p:spPr>
-        <p:txBody>
-          <a:bodyPr anchor="t">
-            <a:spAutoFit/>
-          </a:bodyPr>
-          <a:lstStyle>
-            <a:lvl1pPr marL="0" indent="0" algn="ctr">
-              <a:spcBef>
-                <a:spcPts val="0"/>
-              </a:spcBef>
-              <a:buSzTx/>
-              <a:buNone/>
-              <a:defRPr sz="2400" i="1">
-                <a:solidFill>
-                  <a:srgbClr val="73BFFF"/>
-                </a:solidFill>
-                <a:effectLst>
-                  <a:outerShdw blurRad="38100" dist="36285" dir="2700000" rotWithShape="0">
-                    <a:srgbClr val="000000">
-                      <a:alpha val="48000"/>
-                    </a:srgbClr>
-                  </a:outerShdw>
-                </a:effectLst>
-                <a:latin typeface="Helvetica Neue"/>
-                <a:ea typeface="Helvetica Neue"/>
-                <a:cs typeface="Helvetica Neue"/>
-                <a:sym typeface="Helvetica Neue"/>
-              </a:defRPr>
-            </a:lvl1pPr>
-          </a:lstStyle>
-          <a:p>
-            <a:r>
-              <a:t>–Johnny Appleseed</a:t>
-            </a:r>
-          </a:p>
-        </p:txBody>
-      </p:sp>
-      <p:sp>
-        <p:nvSpPr>
-          <p:cNvPr id="93" name="“在此键入引文。”"/>
-          <p:cNvSpPr txBox="1">
-            <a:spLocks noGrp="1"/>
-          </p:cNvSpPr>
-          <p:nvPr>
-            <p:ph type="body" sz="quarter" idx="14"/>
-          </p:nvPr>
-        </p:nvSpPr>
-        <p:spPr>
-          <a:xfrm>
-            <a:off x="1270000" y="4222749"/>
-            <a:ext cx="10464800" cy="736601"/>
-          </a:xfrm>
-          <a:prstGeom prst="rect">
-            <a:avLst/>
-          </a:prstGeom>
-        </p:spPr>
-        <p:txBody>
-          <a:bodyPr>
-            <a:spAutoFit/>
-          </a:bodyPr>
-          <a:lstStyle>
-            <a:lvl1pPr marL="0" indent="0" algn="ctr">
-              <a:spcBef>
-                <a:spcPts val="0"/>
-              </a:spcBef>
-              <a:buSzTx/>
-              <a:buNone/>
-              <a:defRPr>
-                <a:effectLst>
-                  <a:outerShdw blurRad="38100" dist="54428" dir="2700000" rotWithShape="0">
-                    <a:srgbClr val="000000">
-                      <a:alpha val="48000"/>
-                    </a:srgbClr>
-                  </a:outerShdw>
-                </a:effectLst>
-              </a:defRPr>
-            </a:lvl1pPr>
-          </a:lstStyle>
-          <a:p>
-            <a:r>
-              <a:t>“在此键入引文。”</a:t>
-            </a:r>
-          </a:p>
-        </p:txBody>
-      </p:sp>
-      <p:sp>
-        <p:nvSpPr>
-          <p:cNvPr id="94" name="幻灯片编号"/>
-          <p:cNvSpPr txBox="1">
-            <a:spLocks noGrp="1"/>
-          </p:cNvSpPr>
-          <p:nvPr>
-            <p:ph type="sldNum" sz="quarter" idx="2"/>
-          </p:nvPr>
-        </p:nvSpPr>
-        <p:spPr>
-          <a:prstGeom prst="rect">
-            <a:avLst/>
-          </a:prstGeom>
-        </p:spPr>
-        <p:txBody>
-          <a:bodyPr/>
-          <a:lstStyle/>
-          <a:p>
-            <a:pPr>
-              <a:defRPr>
-                <a:effectLst/>
-              </a:defRPr>
-            </a:pPr>
-            <a:fld id="{86CB4B4D-7CA3-9044-876B-883B54F8677D}" type="slidenum">
-              <a:t>‹#›</a:t>
-            </a:fld>
-            <a:endParaRPr/>
-          </a:p>
-        </p:txBody>
-      </p:sp>
-    </p:spTree>
-  </p:cSld>
-  <p:clrMapOvr>
-    <a:masterClrMapping/>
-  </p:clrMapOvr>
-  <p:transition spd="med"/>
-</p:sldLayout>
-</file>
-
-<file path=ppt/slideLayouts/slideLayout11.xml><?xml version="1.0" encoding="utf-8"?>
-<p:sldLayout xmlns:a="http://schemas.openxmlformats.org/drawingml/2006/main" xmlns:r="http://schemas.openxmlformats.org/officeDocument/2006/relationships" xmlns:p="http://schemas.openxmlformats.org/presentationml/2006/main" type="tx">
   <p:cSld name="照片">
     <p:spTree>
       <p:nvGrpSpPr>
@@ -3652,7 +4296,7 @@
 </p:sldLayout>
 </file>
 
-<file path=ppt/slideLayouts/slideLayout12.xml><?xml version="1.0" encoding="utf-8"?>
+<file path=ppt/slideLayouts/slideLayout11.xml><?xml version="1.0" encoding="utf-8"?>
 <p:sldLayout xmlns:a="http://schemas.openxmlformats.org/drawingml/2006/main" xmlns:r="http://schemas.openxmlformats.org/officeDocument/2006/relationships" xmlns:p="http://schemas.openxmlformats.org/presentationml/2006/main" type="tx">
   <p:cSld name="空白">
     <p:spTree>
@@ -4876,7 +5520,7 @@
     <p:bg>
       <p:bgPr>
         <a:blipFill rotWithShape="1">
-          <a:blip r:embed="rId14"/>
+          <a:blip r:embed="rId13"/>
           <a:srcRect/>
           <a:stretch>
             <a:fillRect/>
@@ -4933,27 +5577,27 @@
           <a:lstStyle>
             <a:lvl1pPr>
               <a:buBlip>
-                <a:blip r:embed="rId15"/>
+                <a:blip r:embed="rId14"/>
               </a:buBlip>
             </a:lvl1pPr>
             <a:lvl2pPr>
               <a:buBlip>
-                <a:blip r:embed="rId15"/>
+                <a:blip r:embed="rId14"/>
               </a:buBlip>
             </a:lvl2pPr>
             <a:lvl3pPr>
               <a:buBlip>
-                <a:blip r:embed="rId15"/>
+                <a:blip r:embed="rId14"/>
               </a:buBlip>
             </a:lvl3pPr>
             <a:lvl4pPr>
               <a:buBlip>
-                <a:blip r:embed="rId15"/>
+                <a:blip r:embed="rId14"/>
               </a:buBlip>
             </a:lvl4pPr>
             <a:lvl5pPr>
               <a:buBlip>
-                <a:blip r:embed="rId15"/>
+                <a:blip r:embed="rId14"/>
               </a:buBlip>
             </a:lvl5pPr>
           </a:lstStyle>
@@ -5094,9 +5738,8 @@
     <p:sldLayoutId id="2147483655" r:id="rId7"/>
     <p:sldLayoutId id="2147483656" r:id="rId8"/>
     <p:sldLayoutId id="2147483657" r:id="rId9"/>
-    <p:sldLayoutId id="2147483658" r:id="rId10"/>
-    <p:sldLayoutId id="2147483659" r:id="rId11"/>
-    <p:sldLayoutId id="2147483660" r:id="rId12"/>
+    <p:sldLayoutId id="2147483659" r:id="rId10"/>
+    <p:sldLayoutId id="2147483660" r:id="rId11"/>
   </p:sldLayoutIdLst>
   <p:transition spd="med"/>
   <p:txStyles>
@@ -5423,7 +6066,7 @@
         <a:buSzPct val="30000"/>
         <a:buFontTx/>
         <a:buBlip>
-          <a:blip r:embed="rId15"/>
+          <a:blip r:embed="rId14"/>
         </a:buBlip>
         <a:tabLst/>
         <a:defRPr sz="3600" b="0" i="0" u="none" strike="noStrike" cap="none" spc="0" baseline="0">
@@ -5459,7 +6102,7 @@
         <a:buSzPct val="30000"/>
         <a:buFontTx/>
         <a:buBlip>
-          <a:blip r:embed="rId15"/>
+          <a:blip r:embed="rId14"/>
         </a:buBlip>
         <a:tabLst/>
         <a:defRPr sz="3600" b="0" i="0" u="none" strike="noStrike" cap="none" spc="0" baseline="0">
@@ -5495,7 +6138,7 @@
         <a:buSzPct val="30000"/>
         <a:buFontTx/>
         <a:buBlip>
-          <a:blip r:embed="rId15"/>
+          <a:blip r:embed="rId14"/>
         </a:buBlip>
         <a:tabLst/>
         <a:defRPr sz="3600" b="0" i="0" u="none" strike="noStrike" cap="none" spc="0" baseline="0">
@@ -5531,7 +6174,7 @@
         <a:buSzPct val="30000"/>
         <a:buFontTx/>
         <a:buBlip>
-          <a:blip r:embed="rId15"/>
+          <a:blip r:embed="rId14"/>
         </a:buBlip>
         <a:tabLst/>
         <a:defRPr sz="3600" b="0" i="0" u="none" strike="noStrike" cap="none" spc="0" baseline="0">
@@ -5567,7 +6210,7 @@
         <a:buSzPct val="30000"/>
         <a:buFontTx/>
         <a:buBlip>
-          <a:blip r:embed="rId15"/>
+          <a:blip r:embed="rId14"/>
         </a:buBlip>
         <a:tabLst/>
         <a:defRPr sz="3600" b="0" i="0" u="none" strike="noStrike" cap="none" spc="0" baseline="0">
@@ -5603,7 +6246,7 @@
         <a:buSzPct val="30000"/>
         <a:buFontTx/>
         <a:buBlip>
-          <a:blip r:embed="rId15"/>
+          <a:blip r:embed="rId14"/>
         </a:buBlip>
         <a:tabLst/>
         <a:defRPr sz="3600" b="0" i="0" u="none" strike="noStrike" cap="none" spc="0" baseline="0">
@@ -5639,7 +6282,7 @@
         <a:buSzPct val="30000"/>
         <a:buFontTx/>
         <a:buBlip>
-          <a:blip r:embed="rId15"/>
+          <a:blip r:embed="rId14"/>
         </a:buBlip>
         <a:tabLst/>
         <a:defRPr sz="3600" b="0" i="0" u="none" strike="noStrike" cap="none" spc="0" baseline="0">
@@ -5675,7 +6318,7 @@
         <a:buSzPct val="30000"/>
         <a:buFontTx/>
         <a:buBlip>
-          <a:blip r:embed="rId15"/>
+          <a:blip r:embed="rId14"/>
         </a:buBlip>
         <a:tabLst/>
         <a:defRPr sz="3600" b="0" i="0" u="none" strike="noStrike" cap="none" spc="0" baseline="0">
@@ -5711,7 +6354,7 @@
         <a:buSzPct val="30000"/>
         <a:buFontTx/>
         <a:buBlip>
-          <a:blip r:embed="rId15"/>
+          <a:blip r:embed="rId14"/>
         </a:buBlip>
         <a:tabLst/>
         <a:defRPr sz="3600" b="0" i="0" u="none" strike="noStrike" cap="none" spc="0" baseline="0">
@@ -6141,7 +6784,15 @@
                 <a:ea typeface="DengXian" charset="-122"/>
                 <a:cs typeface="DengXian" charset="-122"/>
               </a:rPr>
-              <a:t>正威集团三大业务板块</a:t>
+              <a:t>正威</a:t>
+            </a:r>
+            <a:r>
+              <a:rPr lang="zh-CN" altLang="en-US" dirty="0" smtClean="0">
+                <a:latin typeface="DengXian" charset="-122"/>
+                <a:ea typeface="DengXian" charset="-122"/>
+                <a:cs typeface="DengXian" charset="-122"/>
+              </a:rPr>
+              <a:t>集团共涉及七大产业</a:t>
             </a:r>
             <a:endParaRPr dirty="0">
               <a:latin typeface="DengXian" charset="-122"/>
@@ -6187,7 +6838,7 @@
                 <a:ea typeface="DengXian" charset="-122"/>
                 <a:cs typeface="DengXian" charset="-122"/>
               </a:rPr>
-              <a:t>有色金属</a:t>
+              <a:t>金属新材料</a:t>
             </a:r>
             <a:r>
               <a:rPr lang="en-US" altLang="zh-CN" dirty="0" smtClean="0">
@@ -6203,7 +6854,7 @@
                 <a:ea typeface="DengXian" charset="-122"/>
                 <a:cs typeface="DengXian" charset="-122"/>
               </a:rPr>
-              <a:t> 铜矿开采</a:t>
+              <a:t> 矿产业</a:t>
             </a:r>
             <a:r>
               <a:rPr lang="en-US" altLang="zh-CN" dirty="0" smtClean="0">
@@ -6235,7 +6886,23 @@
                 <a:ea typeface="DengXian" charset="-122"/>
                 <a:cs typeface="DengXian" charset="-122"/>
               </a:rPr>
-              <a:t> 精加工和铜贸易全产业链</a:t>
+              <a:t> 铜贸易</a:t>
+            </a:r>
+            <a:r>
+              <a:rPr lang="en-US" altLang="zh-CN" dirty="0" smtClean="0">
+                <a:latin typeface="DengXian" charset="-122"/>
+                <a:ea typeface="DengXian" charset="-122"/>
+                <a:cs typeface="DengXian" charset="-122"/>
+              </a:rPr>
+              <a:t>,</a:t>
+            </a:r>
+            <a:r>
+              <a:rPr lang="zh-CN" altLang="en-US" dirty="0" smtClean="0">
+                <a:latin typeface="DengXian" charset="-122"/>
+                <a:ea typeface="DengXian" charset="-122"/>
+                <a:cs typeface="DengXian" charset="-122"/>
+              </a:rPr>
+              <a:t> 铜精深加工</a:t>
             </a:r>
             <a:endParaRPr lang="en-US" altLang="zh-CN" dirty="0" smtClean="0">
               <a:latin typeface="DengXian" charset="-122"/>
@@ -6261,7 +6928,7 @@
                 <a:ea typeface="DengXian" charset="-122"/>
                 <a:cs typeface="DengXian" charset="-122"/>
               </a:rPr>
-              <a:t>高新科技</a:t>
+              <a:t>非金属新材料</a:t>
             </a:r>
             <a:r>
               <a:rPr lang="en-US" altLang="zh-CN" dirty="0" smtClean="0">
@@ -6277,7 +6944,7 @@
                 <a:ea typeface="DengXian" charset="-122"/>
                 <a:cs typeface="DengXian" charset="-122"/>
               </a:rPr>
-              <a:t> 半导体和高新材料</a:t>
+              <a:t> 以聚酰亚胺为主导的完整产业链和多元化产业群体</a:t>
             </a:r>
             <a:endParaRPr lang="en-US" altLang="zh-CN" dirty="0" smtClean="0">
               <a:latin typeface="DengXian" charset="-122"/>
@@ -6303,7 +6970,7 @@
                 <a:ea typeface="DengXian" charset="-122"/>
                 <a:cs typeface="DengXian" charset="-122"/>
               </a:rPr>
-              <a:t>文化创意</a:t>
+              <a:t>半导体和智能终端</a:t>
             </a:r>
             <a:r>
               <a:rPr lang="en-US" altLang="zh-CN" dirty="0" smtClean="0">
@@ -6319,7 +6986,7 @@
                 <a:ea typeface="DengXian" charset="-122"/>
                 <a:cs typeface="DengXian" charset="-122"/>
               </a:rPr>
-              <a:t> 汉玉</a:t>
+              <a:t> 半导体</a:t>
             </a:r>
             <a:r>
               <a:rPr lang="en-US" altLang="zh-CN" dirty="0" smtClean="0">
@@ -6335,7 +7002,270 @@
                 <a:ea typeface="DengXian" charset="-122"/>
                 <a:cs typeface="DengXian" charset="-122"/>
               </a:rPr>
-              <a:t> 红木和园林</a:t>
+              <a:t> 电子信息</a:t>
+            </a:r>
+            <a:endParaRPr lang="en-US" altLang="zh-CN" dirty="0" smtClean="0">
+              <a:latin typeface="DengXian" charset="-122"/>
+              <a:ea typeface="DengXian" charset="-122"/>
+              <a:cs typeface="DengXian" charset="-122"/>
+            </a:endParaRPr>
+          </a:p>
+          <a:p>
+            <a:pPr marL="373379" indent="-373379" defTabSz="490727">
+              <a:spcBef>
+                <a:spcPts val="3000"/>
+              </a:spcBef>
+              <a:buBlip>
+                <a:blip r:embed="rId2"/>
+              </a:buBlip>
+              <a:defRPr sz="3024">
+                <a:effectLst/>
+              </a:defRPr>
+            </a:pPr>
+            <a:r>
+              <a:rPr lang="zh-CN" altLang="en-US" dirty="0" smtClean="0">
+                <a:latin typeface="DengXian" charset="-122"/>
+                <a:ea typeface="DengXian" charset="-122"/>
+                <a:cs typeface="DengXian" charset="-122"/>
+              </a:rPr>
+              <a:t>金融和大宗商品交易中心</a:t>
+            </a:r>
+            <a:endParaRPr lang="en-US" altLang="zh-CN" dirty="0" smtClean="0">
+              <a:latin typeface="DengXian" charset="-122"/>
+              <a:ea typeface="DengXian" charset="-122"/>
+              <a:cs typeface="DengXian" charset="-122"/>
+            </a:endParaRPr>
+          </a:p>
+          <a:p>
+            <a:pPr marL="373379" indent="-373379" defTabSz="490727">
+              <a:spcBef>
+                <a:spcPts val="3000"/>
+              </a:spcBef>
+              <a:defRPr sz="3024">
+                <a:effectLst/>
+              </a:defRPr>
+            </a:pPr>
+            <a:r>
+              <a:rPr lang="zh-CN" altLang="en-US" dirty="0" smtClean="0">
+                <a:latin typeface="DengXian" charset="-122"/>
+                <a:ea typeface="DengXian" charset="-122"/>
+                <a:cs typeface="DengXian" charset="-122"/>
+              </a:rPr>
+              <a:t>大健康</a:t>
+            </a:r>
+            <a:r>
+              <a:rPr lang="en-US" altLang="zh-CN" dirty="0" smtClean="0">
+                <a:latin typeface="DengXian" charset="-122"/>
+                <a:ea typeface="DengXian" charset="-122"/>
+                <a:cs typeface="DengXian" charset="-122"/>
+              </a:rPr>
+              <a:t>:</a:t>
+            </a:r>
+            <a:r>
+              <a:rPr lang="zh-CN" altLang="en-US" dirty="0" smtClean="0">
+                <a:latin typeface="DengXian" charset="-122"/>
+                <a:ea typeface="DengXian" charset="-122"/>
+                <a:cs typeface="DengXian" charset="-122"/>
+              </a:rPr>
+              <a:t> 医疗事业</a:t>
+            </a:r>
+            <a:r>
+              <a:rPr lang="en-US" altLang="zh-CN" dirty="0" smtClean="0">
+                <a:latin typeface="DengXian" charset="-122"/>
+                <a:ea typeface="DengXian" charset="-122"/>
+                <a:cs typeface="DengXian" charset="-122"/>
+              </a:rPr>
+              <a:t>,</a:t>
+            </a:r>
+            <a:r>
+              <a:rPr lang="zh-CN" altLang="en-US" dirty="0" smtClean="0">
+                <a:latin typeface="DengXian" charset="-122"/>
+                <a:ea typeface="DengXian" charset="-122"/>
+                <a:cs typeface="DengXian" charset="-122"/>
+              </a:rPr>
+              <a:t> 养生养老</a:t>
+            </a:r>
+            <a:r>
+              <a:rPr lang="en-US" altLang="zh-CN" dirty="0" smtClean="0">
+                <a:latin typeface="DengXian" charset="-122"/>
+                <a:ea typeface="DengXian" charset="-122"/>
+                <a:cs typeface="DengXian" charset="-122"/>
+              </a:rPr>
+              <a:t>,</a:t>
+            </a:r>
+            <a:r>
+              <a:rPr lang="zh-CN" altLang="en-US" dirty="0" smtClean="0">
+                <a:latin typeface="DengXian" charset="-122"/>
+                <a:ea typeface="DengXian" charset="-122"/>
+                <a:cs typeface="DengXian" charset="-122"/>
+              </a:rPr>
+              <a:t> 教育培训</a:t>
+            </a:r>
+            <a:r>
+              <a:rPr lang="en-US" altLang="zh-CN" dirty="0" smtClean="0">
+                <a:latin typeface="DengXian" charset="-122"/>
+                <a:ea typeface="DengXian" charset="-122"/>
+                <a:cs typeface="DengXian" charset="-122"/>
+              </a:rPr>
+              <a:t>,</a:t>
+            </a:r>
+            <a:r>
+              <a:rPr lang="zh-CN" altLang="en-US" dirty="0" smtClean="0">
+                <a:latin typeface="DengXian" charset="-122"/>
+                <a:ea typeface="DengXian" charset="-122"/>
+                <a:cs typeface="DengXian" charset="-122"/>
+              </a:rPr>
+              <a:t> 科研</a:t>
+            </a:r>
+            <a:r>
+              <a:rPr lang="en-US" altLang="zh-CN" dirty="0" smtClean="0">
+                <a:latin typeface="DengXian" charset="-122"/>
+                <a:ea typeface="DengXian" charset="-122"/>
+                <a:cs typeface="DengXian" charset="-122"/>
+              </a:rPr>
+              <a:t>,</a:t>
+            </a:r>
+            <a:r>
+              <a:rPr lang="zh-CN" altLang="en-US" dirty="0">
+                <a:latin typeface="DengXian" charset="-122"/>
+                <a:ea typeface="DengXian" charset="-122"/>
+                <a:cs typeface="DengXian" charset="-122"/>
+              </a:rPr>
+              <a:t> 低氘水</a:t>
+            </a:r>
+            <a:r>
+              <a:rPr lang="zh-CN" altLang="en-US" dirty="0" smtClean="0">
+                <a:latin typeface="DengXian" charset="-122"/>
+                <a:ea typeface="DengXian" charset="-122"/>
+                <a:cs typeface="DengXian" charset="-122"/>
+              </a:rPr>
+              <a:t>项目</a:t>
+            </a:r>
+            <a:endParaRPr lang="en-US" altLang="zh-CN" dirty="0" smtClean="0">
+              <a:latin typeface="DengXian" charset="-122"/>
+              <a:ea typeface="DengXian" charset="-122"/>
+              <a:cs typeface="DengXian" charset="-122"/>
+            </a:endParaRPr>
+          </a:p>
+          <a:p>
+            <a:pPr marL="373379" indent="-373379" defTabSz="490727">
+              <a:spcBef>
+                <a:spcPts val="3000"/>
+              </a:spcBef>
+              <a:defRPr sz="3024">
+                <a:effectLst/>
+              </a:defRPr>
+            </a:pPr>
+            <a:r>
+              <a:rPr lang="zh-CN" altLang="en-US" dirty="0" smtClean="0">
+                <a:latin typeface="DengXian" charset="-122"/>
+                <a:ea typeface="DengXian" charset="-122"/>
+                <a:cs typeface="DengXian" charset="-122"/>
+              </a:rPr>
+              <a:t>大文化</a:t>
+            </a:r>
+            <a:r>
+              <a:rPr lang="en-US" altLang="zh-CN" dirty="0" smtClean="0">
+                <a:latin typeface="DengXian" charset="-122"/>
+                <a:ea typeface="DengXian" charset="-122"/>
+                <a:cs typeface="DengXian" charset="-122"/>
+              </a:rPr>
+              <a:t>:</a:t>
+            </a:r>
+            <a:r>
+              <a:rPr lang="zh-CN" altLang="en-US" dirty="0" smtClean="0">
+                <a:latin typeface="DengXian" charset="-122"/>
+                <a:ea typeface="DengXian" charset="-122"/>
+                <a:cs typeface="DengXian" charset="-122"/>
+              </a:rPr>
+              <a:t> 文化创意</a:t>
+            </a:r>
+            <a:r>
+              <a:rPr lang="en-US" altLang="zh-CN" dirty="0" smtClean="0">
+                <a:latin typeface="DengXian" charset="-122"/>
+                <a:ea typeface="DengXian" charset="-122"/>
+                <a:cs typeface="DengXian" charset="-122"/>
+              </a:rPr>
+              <a:t>,</a:t>
+            </a:r>
+            <a:r>
+              <a:rPr lang="zh-CN" altLang="en-US" dirty="0" smtClean="0">
+                <a:latin typeface="DengXian" charset="-122"/>
+                <a:ea typeface="DengXian" charset="-122"/>
+                <a:cs typeface="DengXian" charset="-122"/>
+              </a:rPr>
+              <a:t> 文化旅游</a:t>
+            </a:r>
+            <a:r>
+              <a:rPr lang="en-US" altLang="zh-CN" dirty="0" smtClean="0">
+                <a:latin typeface="DengXian" charset="-122"/>
+                <a:ea typeface="DengXian" charset="-122"/>
+                <a:cs typeface="DengXian" charset="-122"/>
+              </a:rPr>
+              <a:t>,</a:t>
+            </a:r>
+            <a:r>
+              <a:rPr lang="zh-CN" altLang="en-US" dirty="0" smtClean="0">
+                <a:latin typeface="DengXian" charset="-122"/>
+                <a:ea typeface="DengXian" charset="-122"/>
+                <a:cs typeface="DengXian" charset="-122"/>
+              </a:rPr>
+              <a:t> 文化传媒</a:t>
+            </a:r>
+            <a:r>
+              <a:rPr lang="en-US" altLang="zh-CN" dirty="0" smtClean="0">
+                <a:latin typeface="DengXian" charset="-122"/>
+                <a:ea typeface="DengXian" charset="-122"/>
+                <a:cs typeface="DengXian" charset="-122"/>
+              </a:rPr>
+              <a:t>,</a:t>
+            </a:r>
+            <a:r>
+              <a:rPr lang="zh-CN" altLang="en-US" dirty="0" smtClean="0">
+                <a:latin typeface="DengXian" charset="-122"/>
+                <a:ea typeface="DengXian" charset="-122"/>
+                <a:cs typeface="DengXian" charset="-122"/>
+              </a:rPr>
+              <a:t> 文化产业园区开发</a:t>
+            </a:r>
+            <a:endParaRPr lang="en-US" altLang="zh-CN" dirty="0" smtClean="0">
+              <a:latin typeface="DengXian" charset="-122"/>
+              <a:ea typeface="DengXian" charset="-122"/>
+              <a:cs typeface="DengXian" charset="-122"/>
+            </a:endParaRPr>
+          </a:p>
+          <a:p>
+            <a:pPr marL="373379" indent="-373379" defTabSz="490727">
+              <a:spcBef>
+                <a:spcPts val="3000"/>
+              </a:spcBef>
+              <a:defRPr sz="3024">
+                <a:effectLst/>
+              </a:defRPr>
+            </a:pPr>
+            <a:r>
+              <a:rPr lang="zh-CN" altLang="en-US" dirty="0" smtClean="0">
+                <a:latin typeface="DengXian" charset="-122"/>
+                <a:ea typeface="DengXian" charset="-122"/>
+                <a:cs typeface="DengXian" charset="-122"/>
+              </a:rPr>
+              <a:t>高端装备制造</a:t>
+            </a:r>
+            <a:r>
+              <a:rPr lang="en-US" altLang="zh-CN" dirty="0" smtClean="0">
+                <a:latin typeface="DengXian" charset="-122"/>
+                <a:ea typeface="DengXian" charset="-122"/>
+                <a:cs typeface="DengXian" charset="-122"/>
+              </a:rPr>
+              <a:t>:</a:t>
+            </a:r>
+            <a:r>
+              <a:rPr lang="zh-CN" altLang="en-US" dirty="0" smtClean="0">
+                <a:latin typeface="DengXian" charset="-122"/>
+                <a:ea typeface="DengXian" charset="-122"/>
+                <a:cs typeface="DengXian" charset="-122"/>
+              </a:rPr>
+              <a:t> 无人机</a:t>
             </a:r>
             <a:endParaRPr dirty="0">
               <a:latin typeface="DengXian" charset="-122"/>
@@ -6434,7 +7364,9 @@
           </a:prstGeom>
         </p:spPr>
         <p:txBody>
-          <a:bodyPr/>
+          <a:bodyPr>
+            <a:normAutofit fontScale="92500"/>
+          </a:bodyPr>
           <a:lstStyle/>
           <a:p>
             <a:pPr marL="373379" indent="-373379" defTabSz="490727">
@@ -6831,6 +7763,81 @@
                 <a:cs typeface="DengXian" charset="-122"/>
               </a:rPr>
               <a:t> 精加工和贸易的全产业链</a:t>
+            </a:r>
+            <a:r>
+              <a:rPr lang="en-US" altLang="zh-CN" dirty="0" smtClean="0">
+                <a:latin typeface="DengXian" charset="-122"/>
+                <a:ea typeface="DengXian" charset="-122"/>
+                <a:cs typeface="DengXian" charset="-122"/>
+              </a:rPr>
+              <a:t>.</a:t>
+            </a:r>
+          </a:p>
+          <a:p>
+            <a:pPr marL="373379" indent="-373379" defTabSz="490727">
+              <a:spcBef>
+                <a:spcPts val="3000"/>
+              </a:spcBef>
+              <a:buBlip>
+                <a:blip r:embed="rId2"/>
+              </a:buBlip>
+              <a:defRPr sz="3024">
+                <a:effectLst/>
+              </a:defRPr>
+            </a:pPr>
+            <a:r>
+              <a:rPr lang="zh-CN" altLang="en-US" dirty="0" smtClean="0">
+                <a:latin typeface="DengXian" charset="-122"/>
+                <a:ea typeface="DengXian" charset="-122"/>
+                <a:cs typeface="DengXian" charset="-122"/>
+              </a:rPr>
+              <a:t>根据一些公开的数据</a:t>
+            </a:r>
+            <a:r>
+              <a:rPr lang="en-US" altLang="zh-CN" dirty="0" smtClean="0">
+                <a:latin typeface="DengXian" charset="-122"/>
+                <a:ea typeface="DengXian" charset="-122"/>
+                <a:cs typeface="DengXian" charset="-122"/>
+              </a:rPr>
+              <a:t>,</a:t>
+            </a:r>
+            <a:r>
+              <a:rPr lang="zh-CN" altLang="en-US" dirty="0" smtClean="0">
+                <a:latin typeface="DengXian" charset="-122"/>
+                <a:ea typeface="DengXian" charset="-122"/>
+                <a:cs typeface="DengXian" charset="-122"/>
+              </a:rPr>
+              <a:t> 正威国际集团在全球拥有超过</a:t>
+            </a:r>
+            <a:r>
+              <a:rPr lang="en-US" altLang="zh-CN" dirty="0" smtClean="0">
+                <a:solidFill>
+                  <a:srgbClr val="FF0000"/>
+                </a:solidFill>
+                <a:latin typeface="DengXian" charset="-122"/>
+                <a:ea typeface="DengXian" charset="-122"/>
+                <a:cs typeface="DengXian" charset="-122"/>
+              </a:rPr>
+              <a:t>10</a:t>
+            </a:r>
+            <a:r>
+              <a:rPr lang="zh-CN" altLang="en-US" dirty="0" smtClean="0">
+                <a:solidFill>
+                  <a:srgbClr val="FF0000"/>
+                </a:solidFill>
+                <a:latin typeface="DengXian" charset="-122"/>
+                <a:ea typeface="DengXian" charset="-122"/>
+                <a:cs typeface="DengXian" charset="-122"/>
+              </a:rPr>
+              <a:t>座以上</a:t>
+            </a:r>
+            <a:r>
+              <a:rPr lang="zh-CN" altLang="en-US" dirty="0" smtClean="0">
+                <a:latin typeface="DengXian" charset="-122"/>
+                <a:ea typeface="DengXian" charset="-122"/>
+                <a:cs typeface="DengXian" charset="-122"/>
+              </a:rPr>
+              <a:t>的铜矿</a:t>
             </a:r>
             <a:r>
               <a:rPr lang="en-US" altLang="zh-CN" dirty="0" smtClean="0">
@@ -7100,7 +8107,7 @@
         </p:spPr>
         <p:txBody>
           <a:bodyPr>
-            <a:normAutofit fontScale="92500" lnSpcReduction="20000"/>
+            <a:normAutofit fontScale="85000" lnSpcReduction="20000"/>
           </a:bodyPr>
           <a:lstStyle/>
           <a:p>
@@ -7386,6 +8393,38 @@
                 <a:cs typeface="DengXian" charset="-122"/>
               </a:rPr>
               <a:t>万台智能手机项目正式下线</a:t>
+            </a:r>
+            <a:r>
+              <a:rPr lang="en-US" altLang="zh-CN" dirty="0" smtClean="0">
+                <a:latin typeface="DengXian" charset="-122"/>
+                <a:ea typeface="DengXian" charset="-122"/>
+                <a:cs typeface="DengXian" charset="-122"/>
+              </a:rPr>
+              <a:t>.</a:t>
+            </a:r>
+            <a:r>
+              <a:rPr lang="zh-CN" altLang="en-US" dirty="0" smtClean="0">
+                <a:latin typeface="DengXian" charset="-122"/>
+                <a:ea typeface="DengXian" charset="-122"/>
+                <a:cs typeface="DengXian" charset="-122"/>
+              </a:rPr>
+              <a:t> 产品主要面向巴基斯坦和印度这样的发展中国家</a:t>
+            </a:r>
+            <a:r>
+              <a:rPr lang="en-US" altLang="zh-CN" dirty="0" smtClean="0">
+                <a:latin typeface="DengXian" charset="-122"/>
+                <a:ea typeface="DengXian" charset="-122"/>
+                <a:cs typeface="DengXian" charset="-122"/>
+              </a:rPr>
+              <a:t>,</a:t>
+            </a:r>
+            <a:r>
+              <a:rPr lang="zh-CN" altLang="en-US" dirty="0" smtClean="0">
+                <a:latin typeface="DengXian" charset="-122"/>
+                <a:ea typeface="DengXian" charset="-122"/>
+                <a:cs typeface="DengXian" charset="-122"/>
+              </a:rPr>
+              <a:t> 合作方式为与国外运营商签订合约</a:t>
             </a:r>
             <a:r>
               <a:rPr lang="en-US" altLang="zh-CN" dirty="0" smtClean="0">
@@ -7533,8 +8572,8 @@
         </p:nvSpPr>
         <p:spPr>
           <a:xfrm>
-            <a:off x="787400" y="2768600"/>
-            <a:ext cx="11430000" cy="6239476"/>
+            <a:off x="787400" y="2184400"/>
+            <a:ext cx="11430000" cy="7315200"/>
           </a:xfrm>
           <a:prstGeom prst="rect">
             <a:avLst/>
@@ -7542,7 +8581,7 @@
         </p:spPr>
         <p:txBody>
           <a:bodyPr>
-            <a:normAutofit fontScale="92500" lnSpcReduction="20000"/>
+            <a:normAutofit lnSpcReduction="10000"/>
           </a:bodyPr>
           <a:lstStyle/>
           <a:p>
@@ -8322,11 +9361,6 @@
               </a:rPr>
               <a:t>.</a:t>
             </a:r>
-            <a:endParaRPr dirty="0">
-              <a:latin typeface="DengXian" charset="-122"/>
-              <a:ea typeface="DengXian" charset="-122"/>
-              <a:cs typeface="DengXian" charset="-122"/>
-            </a:endParaRPr>
           </a:p>
         </p:txBody>
       </p:sp>
@@ -8370,6 +9404,476 @@
       </p:grpSpPr>
       <p:sp>
         <p:nvSpPr>
+          <p:cNvPr id="2" name="标题 1"/>
+          <p:cNvSpPr>
+            <a:spLocks noGrp="1"/>
+          </p:cNvSpPr>
+          <p:nvPr>
+            <p:ph type="title"/>
+          </p:nvPr>
+        </p:nvSpPr>
+        <p:spPr/>
+        <p:txBody>
+          <a:bodyPr/>
+          <a:lstStyle/>
+          <a:p>
+            <a:r>
+              <a:rPr kumimoji="1" lang="zh-CN" altLang="en-US" dirty="0" smtClean="0">
+                <a:latin typeface="DengXian" charset="-122"/>
+                <a:ea typeface="DengXian" charset="-122"/>
+                <a:cs typeface="DengXian" charset="-122"/>
+              </a:rPr>
+              <a:t>其他业务</a:t>
+            </a:r>
+            <a:endParaRPr kumimoji="1" lang="zh-CN" altLang="en-US" dirty="0">
+              <a:latin typeface="DengXian" charset="-122"/>
+              <a:ea typeface="DengXian" charset="-122"/>
+              <a:cs typeface="DengXian" charset="-122"/>
+            </a:endParaRPr>
+          </a:p>
+        </p:txBody>
+      </p:sp>
+      <p:sp>
+        <p:nvSpPr>
+          <p:cNvPr id="3" name="文本占位符 2"/>
+          <p:cNvSpPr>
+            <a:spLocks noGrp="1"/>
+          </p:cNvSpPr>
+          <p:nvPr>
+            <p:ph type="body" idx="1"/>
+          </p:nvPr>
+        </p:nvSpPr>
+        <p:spPr>
+          <a:xfrm>
+            <a:off x="787400" y="2768600"/>
+            <a:ext cx="11430000" cy="6553200"/>
+          </a:xfrm>
+        </p:spPr>
+        <p:txBody>
+          <a:bodyPr>
+            <a:normAutofit fontScale="92500"/>
+          </a:bodyPr>
+          <a:lstStyle/>
+          <a:p>
+            <a:r>
+              <a:rPr kumimoji="1" lang="zh-CN" altLang="en-US" dirty="0" smtClean="0">
+                <a:latin typeface="DengXian" charset="-122"/>
+                <a:ea typeface="DengXian" charset="-122"/>
+                <a:cs typeface="DengXian" charset="-122"/>
+              </a:rPr>
+              <a:t>除了现有的有色金属</a:t>
+            </a:r>
+            <a:r>
+              <a:rPr kumimoji="1" lang="en-US" altLang="zh-CN" dirty="0" smtClean="0">
+                <a:latin typeface="DengXian" charset="-122"/>
+                <a:ea typeface="DengXian" charset="-122"/>
+                <a:cs typeface="DengXian" charset="-122"/>
+              </a:rPr>
+              <a:t>,</a:t>
+            </a:r>
+            <a:r>
+              <a:rPr kumimoji="1" lang="zh-CN" altLang="en-US" dirty="0" smtClean="0">
+                <a:latin typeface="DengXian" charset="-122"/>
+                <a:ea typeface="DengXian" charset="-122"/>
+                <a:cs typeface="DengXian" charset="-122"/>
+              </a:rPr>
+              <a:t> 高新科技和文化创意三大板块业务</a:t>
+            </a:r>
+            <a:r>
+              <a:rPr kumimoji="1" lang="en-US" altLang="zh-CN" dirty="0" smtClean="0">
+                <a:latin typeface="DengXian" charset="-122"/>
+                <a:ea typeface="DengXian" charset="-122"/>
+                <a:cs typeface="DengXian" charset="-122"/>
+              </a:rPr>
+              <a:t>.</a:t>
+            </a:r>
+            <a:r>
+              <a:rPr kumimoji="1" lang="zh-CN" altLang="en-US" dirty="0" smtClean="0">
+                <a:latin typeface="DengXian" charset="-122"/>
+                <a:ea typeface="DengXian" charset="-122"/>
+                <a:cs typeface="DengXian" charset="-122"/>
+              </a:rPr>
+              <a:t> 正威国际集团还涉足</a:t>
+            </a:r>
+            <a:r>
+              <a:rPr kumimoji="1" lang="zh-CN" altLang="en-US" dirty="0" smtClean="0">
+                <a:solidFill>
+                  <a:srgbClr val="FF0000"/>
+                </a:solidFill>
+                <a:latin typeface="DengXian" charset="-122"/>
+                <a:ea typeface="DengXian" charset="-122"/>
+                <a:cs typeface="DengXian" charset="-122"/>
+              </a:rPr>
+              <a:t>金融</a:t>
+            </a:r>
+            <a:r>
+              <a:rPr kumimoji="1" lang="en-US" altLang="zh-CN" dirty="0" smtClean="0">
+                <a:solidFill>
+                  <a:srgbClr val="FF0000"/>
+                </a:solidFill>
+                <a:latin typeface="DengXian" charset="-122"/>
+                <a:ea typeface="DengXian" charset="-122"/>
+                <a:cs typeface="DengXian" charset="-122"/>
+              </a:rPr>
+              <a:t>,</a:t>
+            </a:r>
+            <a:r>
+              <a:rPr kumimoji="1" lang="zh-CN" altLang="en-US" dirty="0" smtClean="0">
+                <a:solidFill>
+                  <a:srgbClr val="FF0000"/>
+                </a:solidFill>
+                <a:latin typeface="DengXian" charset="-122"/>
+                <a:ea typeface="DengXian" charset="-122"/>
+                <a:cs typeface="DengXian" charset="-122"/>
+              </a:rPr>
+              <a:t> 大</a:t>
+            </a:r>
+            <a:r>
+              <a:rPr kumimoji="1" lang="zh-CN" altLang="en-US" dirty="0" smtClean="0">
+                <a:solidFill>
+                  <a:srgbClr val="FF0000"/>
+                </a:solidFill>
+                <a:latin typeface="DengXian" charset="-122"/>
+                <a:ea typeface="DengXian" charset="-122"/>
+                <a:cs typeface="DengXian" charset="-122"/>
+              </a:rPr>
+              <a:t>健康</a:t>
+            </a:r>
+            <a:r>
+              <a:rPr kumimoji="1" lang="zh-CN" altLang="en-US" dirty="0" smtClean="0">
+                <a:latin typeface="DengXian" charset="-122"/>
+                <a:ea typeface="DengXian" charset="-122"/>
+                <a:cs typeface="DengXian" charset="-122"/>
+              </a:rPr>
+              <a:t>等</a:t>
+            </a:r>
+            <a:r>
+              <a:rPr kumimoji="1" lang="zh-CN" altLang="en-US" dirty="0" smtClean="0">
+                <a:latin typeface="DengXian" charset="-122"/>
+                <a:ea typeface="DengXian" charset="-122"/>
+                <a:cs typeface="DengXian" charset="-122"/>
+              </a:rPr>
+              <a:t>领域</a:t>
+            </a:r>
+            <a:r>
+              <a:rPr kumimoji="1" lang="en-US" altLang="zh-CN" dirty="0" smtClean="0">
+                <a:latin typeface="DengXian" charset="-122"/>
+                <a:ea typeface="DengXian" charset="-122"/>
+                <a:cs typeface="DengXian" charset="-122"/>
+              </a:rPr>
+              <a:t>.</a:t>
+            </a:r>
+          </a:p>
+          <a:p>
+            <a:r>
+              <a:rPr kumimoji="1" lang="zh-CN" altLang="en-US" dirty="0" smtClean="0">
+                <a:latin typeface="DengXian" charset="-122"/>
+                <a:ea typeface="DengXian" charset="-122"/>
+                <a:cs typeface="DengXian" charset="-122"/>
+              </a:rPr>
+              <a:t>正威国际集团旗下的几家贸易中心都已经拿到金融牌照</a:t>
+            </a:r>
+            <a:r>
+              <a:rPr kumimoji="1" lang="en-US" altLang="zh-CN" dirty="0" smtClean="0">
+                <a:latin typeface="DengXian" charset="-122"/>
+                <a:ea typeface="DengXian" charset="-122"/>
+                <a:cs typeface="DengXian" charset="-122"/>
+              </a:rPr>
+              <a:t>,</a:t>
+            </a:r>
+            <a:r>
+              <a:rPr kumimoji="1" lang="zh-CN" altLang="en-US" dirty="0" smtClean="0">
+                <a:latin typeface="DengXian" charset="-122"/>
+                <a:ea typeface="DengXian" charset="-122"/>
+                <a:cs typeface="DengXian" charset="-122"/>
+              </a:rPr>
+              <a:t> 除此之外</a:t>
+            </a:r>
+            <a:r>
+              <a:rPr kumimoji="1" lang="en-US" altLang="zh-CN" dirty="0" smtClean="0">
+                <a:latin typeface="DengXian" charset="-122"/>
+                <a:ea typeface="DengXian" charset="-122"/>
+                <a:cs typeface="DengXian" charset="-122"/>
+              </a:rPr>
+              <a:t>,</a:t>
+            </a:r>
+            <a:r>
+              <a:rPr kumimoji="1" lang="zh-CN" altLang="en-US" dirty="0" smtClean="0">
+                <a:latin typeface="DengXian" charset="-122"/>
+                <a:ea typeface="DengXian" charset="-122"/>
+                <a:cs typeface="DengXian" charset="-122"/>
+              </a:rPr>
+              <a:t> 集团还成立了深圳正威金融控股有限公司</a:t>
+            </a:r>
+            <a:r>
+              <a:rPr kumimoji="1" lang="en-US" altLang="zh-CN" dirty="0" smtClean="0">
+                <a:latin typeface="DengXian" charset="-122"/>
+                <a:ea typeface="DengXian" charset="-122"/>
+                <a:cs typeface="DengXian" charset="-122"/>
+              </a:rPr>
+              <a:t>,</a:t>
+            </a:r>
+            <a:r>
+              <a:rPr kumimoji="1" lang="zh-CN" altLang="en-US" dirty="0" smtClean="0">
+                <a:latin typeface="DengXian" charset="-122"/>
+                <a:ea typeface="DengXian" charset="-122"/>
+                <a:cs typeface="DengXian" charset="-122"/>
+              </a:rPr>
+              <a:t> 深圳晟融君威资产管理有限公司等多家全资金融和资产管理公司</a:t>
+            </a:r>
+            <a:r>
+              <a:rPr kumimoji="1" lang="en-US" altLang="zh-CN" dirty="0" smtClean="0">
+                <a:latin typeface="DengXian" charset="-122"/>
+                <a:ea typeface="DengXian" charset="-122"/>
+                <a:cs typeface="DengXian" charset="-122"/>
+              </a:rPr>
+              <a:t>.</a:t>
+            </a:r>
+          </a:p>
+          <a:p>
+            <a:r>
+              <a:rPr kumimoji="1" lang="zh-CN" altLang="en-US" dirty="0" smtClean="0">
+                <a:latin typeface="DengXian" charset="-122"/>
+                <a:ea typeface="DengXian" charset="-122"/>
+                <a:cs typeface="DengXian" charset="-122"/>
+              </a:rPr>
+              <a:t>正威国际集团在</a:t>
+            </a:r>
+            <a:r>
+              <a:rPr kumimoji="1" lang="en-US" altLang="zh-CN" dirty="0" smtClean="0">
+                <a:latin typeface="DengXian" charset="-122"/>
+                <a:ea typeface="DengXian" charset="-122"/>
+                <a:cs typeface="DengXian" charset="-122"/>
+              </a:rPr>
+              <a:t>2015</a:t>
+            </a:r>
+            <a:r>
+              <a:rPr kumimoji="1" lang="zh-CN" altLang="en-US" dirty="0" smtClean="0">
+                <a:latin typeface="DengXian" charset="-122"/>
+                <a:ea typeface="DengXian" charset="-122"/>
+                <a:cs typeface="DengXian" charset="-122"/>
+              </a:rPr>
+              <a:t>年投资成立了深圳正威健康产业投资有限公司</a:t>
+            </a:r>
+            <a:r>
+              <a:rPr kumimoji="1" lang="en-US" altLang="zh-CN" dirty="0" smtClean="0">
+                <a:latin typeface="DengXian" charset="-122"/>
+                <a:ea typeface="DengXian" charset="-122"/>
+                <a:cs typeface="DengXian" charset="-122"/>
+              </a:rPr>
+              <a:t>,</a:t>
+            </a:r>
+            <a:r>
+              <a:rPr kumimoji="1" lang="zh-CN" altLang="en-US" dirty="0" smtClean="0">
+                <a:latin typeface="DengXian" charset="-122"/>
+                <a:ea typeface="DengXian" charset="-122"/>
+                <a:cs typeface="DengXian" charset="-122"/>
+              </a:rPr>
+              <a:t> 并且投产了大健康产业园区</a:t>
+            </a:r>
+            <a:r>
+              <a:rPr kumimoji="1" lang="en-US" altLang="zh-CN" dirty="0" smtClean="0">
+                <a:latin typeface="DengXian" charset="-122"/>
+                <a:ea typeface="DengXian" charset="-122"/>
+                <a:cs typeface="DengXian" charset="-122"/>
+              </a:rPr>
+              <a:t>.</a:t>
+            </a:r>
+            <a:r>
+              <a:rPr kumimoji="1" lang="zh-CN" altLang="en-US" dirty="0" smtClean="0">
+                <a:latin typeface="DengXian" charset="-122"/>
+                <a:ea typeface="DengXian" charset="-122"/>
+                <a:cs typeface="DengXian" charset="-122"/>
+              </a:rPr>
+              <a:t> </a:t>
+            </a:r>
+            <a:r>
+              <a:rPr kumimoji="1" lang="en-US" altLang="zh-CN" dirty="0" smtClean="0">
+                <a:latin typeface="DengXian" charset="-122"/>
+                <a:ea typeface="DengXian" charset="-122"/>
+                <a:cs typeface="DengXian" charset="-122"/>
+              </a:rPr>
+              <a:t>2015</a:t>
+            </a:r>
+            <a:r>
+              <a:rPr kumimoji="1" lang="zh-CN" altLang="en-US" dirty="0" smtClean="0">
+                <a:latin typeface="DengXian" charset="-122"/>
+                <a:ea typeface="DengXian" charset="-122"/>
+                <a:cs typeface="DengXian" charset="-122"/>
+              </a:rPr>
+              <a:t>年</a:t>
+            </a:r>
+            <a:r>
+              <a:rPr kumimoji="1" lang="en-US" altLang="zh-CN" dirty="0" smtClean="0">
+                <a:latin typeface="DengXian" charset="-122"/>
+                <a:ea typeface="DengXian" charset="-122"/>
+                <a:cs typeface="DengXian" charset="-122"/>
+              </a:rPr>
+              <a:t>10</a:t>
+            </a:r>
+            <a:r>
+              <a:rPr kumimoji="1" lang="zh-CN" altLang="en-US" dirty="0" smtClean="0">
+                <a:latin typeface="DengXian" charset="-122"/>
+                <a:ea typeface="DengXian" charset="-122"/>
+                <a:cs typeface="DengXian" charset="-122"/>
+              </a:rPr>
+              <a:t>月</a:t>
+            </a:r>
+            <a:r>
+              <a:rPr kumimoji="1" lang="en-US" altLang="zh-CN" dirty="0" smtClean="0">
+                <a:latin typeface="DengXian" charset="-122"/>
+                <a:ea typeface="DengXian" charset="-122"/>
+                <a:cs typeface="DengXian" charset="-122"/>
+              </a:rPr>
+              <a:t>28</a:t>
+            </a:r>
+            <a:r>
+              <a:rPr kumimoji="1" lang="zh-CN" altLang="en-US" dirty="0" smtClean="0">
+                <a:latin typeface="DengXian" charset="-122"/>
+                <a:ea typeface="DengXian" charset="-122"/>
+                <a:cs typeface="DengXian" charset="-122"/>
+              </a:rPr>
+              <a:t>日</a:t>
+            </a:r>
+            <a:r>
+              <a:rPr kumimoji="1" lang="en-US" altLang="zh-CN" dirty="0" smtClean="0">
+                <a:latin typeface="DengXian" charset="-122"/>
+                <a:ea typeface="DengXian" charset="-122"/>
+                <a:cs typeface="DengXian" charset="-122"/>
+              </a:rPr>
+              <a:t>,</a:t>
+            </a:r>
+            <a:r>
+              <a:rPr kumimoji="1" lang="zh-CN" altLang="en-US" dirty="0">
+                <a:latin typeface="DengXian" charset="-122"/>
+                <a:ea typeface="DengXian" charset="-122"/>
+                <a:cs typeface="DengXian" charset="-122"/>
+              </a:rPr>
+              <a:t>由正威集团投资、德国汉诺威国际医学创新公司主导创立的深圳萨米国际医院项目正式</a:t>
+            </a:r>
+            <a:r>
+              <a:rPr kumimoji="1" lang="zh-CN" altLang="en-US" dirty="0" smtClean="0">
+                <a:latin typeface="DengXian" charset="-122"/>
+                <a:ea typeface="DengXian" charset="-122"/>
+                <a:cs typeface="DengXian" charset="-122"/>
+              </a:rPr>
+              <a:t>签约</a:t>
+            </a:r>
+            <a:r>
+              <a:rPr kumimoji="1" lang="en-US" altLang="zh-CN" dirty="0" smtClean="0">
+                <a:latin typeface="DengXian" charset="-122"/>
+                <a:ea typeface="DengXian" charset="-122"/>
+                <a:cs typeface="DengXian" charset="-122"/>
+              </a:rPr>
+              <a:t>.</a:t>
+            </a:r>
+          </a:p>
+          <a:p>
+            <a:r>
+              <a:rPr kumimoji="1" lang="zh-CN" altLang="en-US" dirty="0" smtClean="0">
+                <a:latin typeface="DengXian" charset="-122"/>
+                <a:ea typeface="DengXian" charset="-122"/>
+                <a:cs typeface="DengXian" charset="-122"/>
+              </a:rPr>
+              <a:t>同时</a:t>
+            </a:r>
+            <a:r>
+              <a:rPr kumimoji="1" lang="en-US" altLang="zh-CN" dirty="0" smtClean="0">
+                <a:latin typeface="DengXian" charset="-122"/>
+                <a:ea typeface="DengXian" charset="-122"/>
+                <a:cs typeface="DengXian" charset="-122"/>
+              </a:rPr>
+              <a:t>,</a:t>
+            </a:r>
+            <a:r>
+              <a:rPr kumimoji="1" lang="zh-CN" altLang="en-US" dirty="0" smtClean="0">
+                <a:latin typeface="DengXian" charset="-122"/>
+                <a:ea typeface="DengXian" charset="-122"/>
+                <a:cs typeface="DengXian" charset="-122"/>
+              </a:rPr>
+              <a:t> 正威国际集团还涉足了高端装备制造</a:t>
+            </a:r>
+            <a:r>
+              <a:rPr kumimoji="1" lang="en-US" altLang="zh-CN" dirty="0" smtClean="0">
+                <a:latin typeface="DengXian" charset="-122"/>
+                <a:ea typeface="DengXian" charset="-122"/>
+                <a:cs typeface="DengXian" charset="-122"/>
+              </a:rPr>
+              <a:t>(</a:t>
+            </a:r>
+            <a:r>
+              <a:rPr kumimoji="1" lang="zh-CN" altLang="en-US" dirty="0" smtClean="0">
+                <a:latin typeface="DengXian" charset="-122"/>
+                <a:ea typeface="DengXian" charset="-122"/>
+                <a:cs typeface="DengXian" charset="-122"/>
+              </a:rPr>
+              <a:t>无人机</a:t>
+            </a:r>
+            <a:r>
+              <a:rPr kumimoji="1" lang="en-US" altLang="zh-CN" dirty="0" smtClean="0">
+                <a:latin typeface="DengXian" charset="-122"/>
+                <a:ea typeface="DengXian" charset="-122"/>
+                <a:cs typeface="DengXian" charset="-122"/>
+              </a:rPr>
+              <a:t>)</a:t>
+            </a:r>
+            <a:r>
+              <a:rPr kumimoji="1" lang="zh-CN" altLang="en-US" dirty="0" smtClean="0">
+                <a:latin typeface="DengXian" charset="-122"/>
+                <a:ea typeface="DengXian" charset="-122"/>
+                <a:cs typeface="DengXian" charset="-122"/>
+              </a:rPr>
+              <a:t>产业</a:t>
+            </a:r>
+            <a:r>
+              <a:rPr kumimoji="1" lang="en-US" altLang="zh-CN" dirty="0" smtClean="0">
+                <a:latin typeface="DengXian" charset="-122"/>
+                <a:ea typeface="DengXian" charset="-122"/>
+                <a:cs typeface="DengXian" charset="-122"/>
+              </a:rPr>
+              <a:t>.</a:t>
+            </a:r>
+            <a:endParaRPr kumimoji="1" lang="en-US" altLang="zh-CN" dirty="0" smtClean="0">
+              <a:latin typeface="DengXian" charset="-122"/>
+              <a:ea typeface="DengXian" charset="-122"/>
+              <a:cs typeface="DengXian" charset="-122"/>
+            </a:endParaRPr>
+          </a:p>
+        </p:txBody>
+      </p:sp>
+    </p:spTree>
+    <p:extLst>
+      <p:ext uri="{BB962C8B-B14F-4D97-AF65-F5344CB8AC3E}">
+        <p14:creationId xmlns:p14="http://schemas.microsoft.com/office/powerpoint/2010/main" val="669501179"/>
+      </p:ext>
+    </p:extLst>
+  </p:cSld>
+  <p:clrMapOvr>
+    <a:masterClrMapping/>
+  </p:clrMapOvr>
+  <p:transition spd="med"/>
+</p:sld>
+</file>
+
+<file path=ppt/slides/slide15.xml><?xml version="1.0" encoding="utf-8"?>
+<p:sld xmlns:a="http://schemas.openxmlformats.org/drawingml/2006/main" xmlns:r="http://schemas.openxmlformats.org/officeDocument/2006/relationships" xmlns:p="http://schemas.openxmlformats.org/presentationml/2006/main">
+  <p:cSld>
+    <p:spTree>
+      <p:nvGrpSpPr>
+        <p:cNvPr id="1" name=""/>
+        <p:cNvGrpSpPr/>
+        <p:nvPr/>
+      </p:nvGrpSpPr>
+      <p:grpSpPr>
+        <a:xfrm>
+          <a:off x="0" y="0"/>
+          <a:ext cx="0" cy="0"/>
+          <a:chOff x="0" y="0"/>
+          <a:chExt cx="0" cy="0"/>
+        </a:xfrm>
+      </p:grpSpPr>
+      <p:sp>
+        <p:nvSpPr>
           <p:cNvPr id="124" name="正威集团简介及发展历程"/>
           <p:cNvSpPr txBox="1">
             <a:spLocks noGrp="1"/>
@@ -8567,133 +10071,6 @@
     <p:extLst>
       <p:ext uri="{BB962C8B-B14F-4D97-AF65-F5344CB8AC3E}">
         <p14:creationId xmlns:p14="http://schemas.microsoft.com/office/powerpoint/2010/main" val="1532958253"/>
-      </p:ext>
-    </p:extLst>
-  </p:cSld>
-  <p:clrMapOvr>
-    <a:masterClrMapping/>
-  </p:clrMapOvr>
-  <p:transition spd="med"/>
-  <p:timing>
-    <p:tnLst>
-      <p:par>
-        <p:cTn id="1" dur="indefinite" restart="never" nodeType="tmRoot"/>
-      </p:par>
-    </p:tnLst>
-  </p:timing>
-</p:sld>
-</file>
-
-<file path=ppt/slides/slide15.xml><?xml version="1.0" encoding="utf-8"?>
-<p:sld xmlns:a="http://schemas.openxmlformats.org/drawingml/2006/main" xmlns:r="http://schemas.openxmlformats.org/officeDocument/2006/relationships" xmlns:p="http://schemas.openxmlformats.org/presentationml/2006/main">
-  <p:cSld>
-    <p:spTree>
-      <p:nvGrpSpPr>
-        <p:cNvPr id="1" name=""/>
-        <p:cNvGrpSpPr/>
-        <p:nvPr/>
-      </p:nvGrpSpPr>
-      <p:grpSpPr>
-        <a:xfrm>
-          <a:off x="0" y="0"/>
-          <a:ext cx="0" cy="0"/>
-          <a:chOff x="0" y="0"/>
-          <a:chExt cx="0" cy="0"/>
-        </a:xfrm>
-      </p:grpSpPr>
-      <p:sp>
-        <p:nvSpPr>
-          <p:cNvPr id="127" name="正威国际集团简介"/>
-          <p:cNvSpPr txBox="1">
-            <a:spLocks noGrp="1"/>
-          </p:cNvSpPr>
-          <p:nvPr>
-            <p:ph type="title"/>
-          </p:nvPr>
-        </p:nvSpPr>
-        <p:spPr>
-          <a:prstGeom prst="rect">
-            <a:avLst/>
-          </a:prstGeom>
-        </p:spPr>
-        <p:txBody>
-          <a:bodyPr/>
-          <a:lstStyle/>
-          <a:p>
-            <a:r>
-              <a:rPr lang="zh-CN" altLang="en-US" dirty="0" smtClean="0">
-                <a:latin typeface="DengXian" charset="-122"/>
-                <a:ea typeface="DengXian" charset="-122"/>
-                <a:cs typeface="DengXian" charset="-122"/>
-              </a:rPr>
-              <a:t>连续</a:t>
-            </a:r>
-            <a:r>
-              <a:rPr lang="en-US" altLang="zh-CN" dirty="0" smtClean="0">
-                <a:latin typeface="DengXian" charset="-122"/>
-                <a:ea typeface="DengXian" charset="-122"/>
-                <a:cs typeface="DengXian" charset="-122"/>
-              </a:rPr>
-              <a:t>5</a:t>
-            </a:r>
-            <a:r>
-              <a:rPr lang="zh-CN" altLang="en-US" dirty="0" smtClean="0">
-                <a:latin typeface="DengXian" charset="-122"/>
-                <a:ea typeface="DengXian" charset="-122"/>
-                <a:cs typeface="DengXian" charset="-122"/>
-              </a:rPr>
-              <a:t>年进入世界</a:t>
-            </a:r>
-            <a:r>
-              <a:rPr lang="en-US" altLang="zh-CN" dirty="0" smtClean="0">
-                <a:latin typeface="DengXian" charset="-122"/>
-                <a:ea typeface="DengXian" charset="-122"/>
-                <a:cs typeface="DengXian" charset="-122"/>
-              </a:rPr>
-              <a:t>500</a:t>
-            </a:r>
-            <a:r>
-              <a:rPr lang="zh-CN" altLang="en-US" dirty="0" smtClean="0">
-                <a:latin typeface="DengXian" charset="-122"/>
-                <a:ea typeface="DengXian" charset="-122"/>
-                <a:cs typeface="DengXian" charset="-122"/>
-              </a:rPr>
-              <a:t>强</a:t>
-            </a:r>
-            <a:endParaRPr dirty="0">
-              <a:latin typeface="DengXian" charset="-122"/>
-              <a:ea typeface="DengXian" charset="-122"/>
-              <a:cs typeface="DengXian" charset="-122"/>
-            </a:endParaRPr>
-          </a:p>
-        </p:txBody>
-      </p:sp>
-      <p:graphicFrame>
-        <p:nvGraphicFramePr>
-          <p:cNvPr id="3" name="图表 2"/>
-          <p:cNvGraphicFramePr/>
-          <p:nvPr>
-            <p:extLst>
-              <p:ext uri="{D42A27DB-BD31-4B8C-83A1-F6EECF244321}">
-                <p14:modId xmlns:p14="http://schemas.microsoft.com/office/powerpoint/2010/main" val="497425346"/>
-              </p:ext>
-            </p:extLst>
-          </p:nvPr>
-        </p:nvGraphicFramePr>
-        <p:xfrm>
-          <a:off x="1395856" y="2211860"/>
-          <a:ext cx="10213088" cy="7117492"/>
-        </p:xfrm>
-        <a:graphic>
-          <a:graphicData uri="http://schemas.openxmlformats.org/drawingml/2006/chart">
-            <c:chart xmlns:c="http://schemas.openxmlformats.org/drawingml/2006/chart" xmlns:r="http://schemas.openxmlformats.org/officeDocument/2006/relationships" r:id="rId2"/>
-          </a:graphicData>
-        </a:graphic>
-      </p:graphicFrame>
-    </p:spTree>
-    <p:extLst>
-      <p:ext uri="{BB962C8B-B14F-4D97-AF65-F5344CB8AC3E}">
-        <p14:creationId xmlns:p14="http://schemas.microsoft.com/office/powerpoint/2010/main" val="522920838"/>
       </p:ext>
     </p:extLst>
   </p:cSld>
@@ -8749,7 +10126,7 @@
                 <a:ea typeface="DengXian" charset="-122"/>
                 <a:cs typeface="DengXian" charset="-122"/>
               </a:rPr>
-              <a:t>铜矿储量分析</a:t>
+              <a:t>经营概况</a:t>
             </a:r>
             <a:endParaRPr kumimoji="1" lang="zh-CN" altLang="en-US" dirty="0">
               <a:latin typeface="DengXian" charset="-122"/>
@@ -8766,13 +10143,18 @@
             <a:spLocks noGrp="1"/>
           </p:cNvSpPr>
           <p:nvPr>
-            <p:ph type="body" sz="half" idx="1"/>
+            <p:ph type="body" idx="1"/>
           </p:nvPr>
         </p:nvSpPr>
-        <p:spPr/>
+        <p:spPr>
+          <a:xfrm>
+            <a:off x="787400" y="2768599"/>
+            <a:ext cx="11430000" cy="6552821"/>
+          </a:xfrm>
+        </p:spPr>
         <p:txBody>
           <a:bodyPr>
-            <a:normAutofit fontScale="92500" lnSpcReduction="10000"/>
+            <a:normAutofit lnSpcReduction="10000"/>
           </a:bodyPr>
           <a:lstStyle/>
           <a:p>
@@ -8782,7 +10164,7 @@
                 <a:ea typeface="DengXian" charset="-122"/>
                 <a:cs typeface="DengXian" charset="-122"/>
               </a:rPr>
-              <a:t>根据美国地质调查局公布的</a:t>
+              <a:t>正威国际集团从</a:t>
             </a:r>
             <a:r>
               <a:rPr kumimoji="1" lang="en-US" altLang="zh-CN" dirty="0" smtClean="0">
@@ -8790,7 +10172,7 @@
                 <a:ea typeface="DengXian" charset="-122"/>
                 <a:cs typeface="DengXian" charset="-122"/>
               </a:rPr>
-              <a:t>Mineral</a:t>
+              <a:t>2013</a:t>
             </a:r>
             <a:r>
               <a:rPr kumimoji="1" lang="zh-CN" altLang="en-US" dirty="0" smtClean="0">
@@ -8798,6 +10180,38 @@
                 <a:ea typeface="DengXian" charset="-122"/>
                 <a:cs typeface="DengXian" charset="-122"/>
               </a:rPr>
+              <a:t>年开始进入财富杂志世界</a:t>
+            </a:r>
+            <a:r>
+              <a:rPr kumimoji="1" lang="en-US" altLang="zh-CN" dirty="0" smtClean="0">
+                <a:latin typeface="DengXian" charset="-122"/>
+                <a:ea typeface="DengXian" charset="-122"/>
+                <a:cs typeface="DengXian" charset="-122"/>
+              </a:rPr>
+              <a:t>500</a:t>
+            </a:r>
+            <a:r>
+              <a:rPr kumimoji="1" lang="zh-CN" altLang="en-US" dirty="0" smtClean="0">
+                <a:latin typeface="DengXian" charset="-122"/>
+                <a:ea typeface="DengXian" charset="-122"/>
+                <a:cs typeface="DengXian" charset="-122"/>
+              </a:rPr>
+              <a:t>强</a:t>
+            </a:r>
+            <a:r>
+              <a:rPr kumimoji="1" lang="en-US" altLang="zh-CN" dirty="0" smtClean="0">
+                <a:latin typeface="DengXian" charset="-122"/>
+                <a:ea typeface="DengXian" charset="-122"/>
+                <a:cs typeface="DengXian" charset="-122"/>
+              </a:rPr>
+              <a:t>,</a:t>
+            </a:r>
+            <a:r>
+              <a:rPr kumimoji="1" lang="zh-CN" altLang="en-US" dirty="0" smtClean="0">
+                <a:latin typeface="DengXian" charset="-122"/>
+                <a:ea typeface="DengXian" charset="-122"/>
+                <a:cs typeface="DengXian" charset="-122"/>
+              </a:rPr>
               <a:t> </a:t>
             </a:r>
             <a:r>
@@ -8806,7 +10220,7 @@
                 <a:ea typeface="DengXian" charset="-122"/>
                 <a:cs typeface="DengXian" charset="-122"/>
               </a:rPr>
-              <a:t>Commodity</a:t>
+              <a:t>2017</a:t>
             </a:r>
             <a:r>
               <a:rPr kumimoji="1" lang="zh-CN" altLang="en-US" dirty="0" smtClean="0">
@@ -8814,15 +10228,18 @@
                 <a:ea typeface="DengXian" charset="-122"/>
                 <a:cs typeface="DengXian" charset="-122"/>
               </a:rPr>
-              <a:t> </a:t>
+              <a:t>年排名第</a:t>
             </a:r>
             <a:r>
               <a:rPr kumimoji="1" lang="en-US" altLang="zh-CN" dirty="0" smtClean="0">
-                <a:latin typeface="DengXian" charset="-122"/>
-                <a:ea typeface="DengXian" charset="-122"/>
-                <a:cs typeface="DengXian" charset="-122"/>
-              </a:rPr>
-              <a:t>Summaries</a:t>
+                <a:solidFill>
+                  <a:srgbClr val="FF0000"/>
+                </a:solidFill>
+                <a:latin typeface="DengXian" charset="-122"/>
+                <a:ea typeface="DengXian" charset="-122"/>
+                <a:cs typeface="DengXian" charset="-122"/>
+              </a:rPr>
+              <a:t>183</a:t>
             </a:r>
             <a:r>
               <a:rPr kumimoji="1" lang="zh-CN" altLang="en-US" dirty="0" smtClean="0">
@@ -8830,7 +10247,7 @@
                 <a:ea typeface="DengXian" charset="-122"/>
                 <a:cs typeface="DengXian" charset="-122"/>
               </a:rPr>
-              <a:t> </a:t>
+              <a:t>位</a:t>
             </a:r>
             <a:r>
               <a:rPr kumimoji="1" lang="en-US" altLang="zh-CN" dirty="0" smtClean="0">
@@ -8838,97 +10255,25 @@
                 <a:ea typeface="DengXian" charset="-122"/>
                 <a:cs typeface="DengXian" charset="-122"/>
               </a:rPr>
-              <a:t>2017</a:t>
-            </a:r>
-            <a:r>
-              <a:rPr kumimoji="1" lang="zh-CN" altLang="en-US" dirty="0" smtClean="0">
-                <a:latin typeface="DengXian" charset="-122"/>
-                <a:ea typeface="DengXian" charset="-122"/>
-                <a:cs typeface="DengXian" charset="-122"/>
-              </a:rPr>
-              <a:t>数据显示</a:t>
-            </a:r>
-            <a:r>
-              <a:rPr kumimoji="1" lang="en-US" altLang="zh-CN" dirty="0" smtClean="0">
-                <a:latin typeface="DengXian" charset="-122"/>
-                <a:ea typeface="DengXian" charset="-122"/>
-                <a:cs typeface="DengXian" charset="-122"/>
-              </a:rPr>
-              <a:t>,</a:t>
-            </a:r>
-            <a:r>
-              <a:rPr kumimoji="1" lang="zh-CN" altLang="en-US" dirty="0" smtClean="0">
-                <a:latin typeface="DengXian" charset="-122"/>
-                <a:ea typeface="DengXian" charset="-122"/>
-                <a:cs typeface="DengXian" charset="-122"/>
-              </a:rPr>
-              <a:t> 目前全球铜矿储量约为</a:t>
-            </a:r>
-            <a:r>
-              <a:rPr kumimoji="1" lang="en-US" altLang="zh-CN" dirty="0" smtClean="0">
-                <a:latin typeface="DengXian" charset="-122"/>
-                <a:ea typeface="DengXian" charset="-122"/>
-                <a:cs typeface="DengXian" charset="-122"/>
-              </a:rPr>
-              <a:t>7200</a:t>
-            </a:r>
-            <a:r>
-              <a:rPr kumimoji="1" lang="zh-CN" altLang="en-US" dirty="0" smtClean="0">
-                <a:latin typeface="DengXian" charset="-122"/>
-                <a:ea typeface="DengXian" charset="-122"/>
-                <a:cs typeface="DengXian" charset="-122"/>
-              </a:rPr>
-              <a:t>万吨</a:t>
-            </a:r>
-            <a:r>
-              <a:rPr kumimoji="1" lang="en-US" altLang="zh-CN" dirty="0" smtClean="0">
-                <a:latin typeface="DengXian" charset="-122"/>
-                <a:ea typeface="DengXian" charset="-122"/>
-                <a:cs typeface="DengXian" charset="-122"/>
-              </a:rPr>
-              <a:t>,</a:t>
-            </a:r>
-            <a:r>
-              <a:rPr kumimoji="1" lang="zh-CN" altLang="en-US" dirty="0" smtClean="0">
-                <a:latin typeface="DengXian" charset="-122"/>
-                <a:ea typeface="DengXian" charset="-122"/>
-                <a:cs typeface="DengXian" charset="-122"/>
-              </a:rPr>
-              <a:t> 其中中国以</a:t>
-            </a:r>
-            <a:r>
-              <a:rPr kumimoji="1" lang="en-US" altLang="zh-CN" dirty="0" smtClean="0">
-                <a:latin typeface="DengXian" charset="-122"/>
-                <a:ea typeface="DengXian" charset="-122"/>
-                <a:cs typeface="DengXian" charset="-122"/>
-              </a:rPr>
-              <a:t>2800</a:t>
-            </a:r>
-            <a:r>
-              <a:rPr kumimoji="1" lang="zh-CN" altLang="en-US" dirty="0" smtClean="0">
-                <a:latin typeface="DengXian" charset="-122"/>
-                <a:ea typeface="DengXian" charset="-122"/>
-                <a:cs typeface="DengXian" charset="-122"/>
-              </a:rPr>
-              <a:t>万吨占</a:t>
-            </a:r>
-            <a:r>
-              <a:rPr kumimoji="1" lang="en-US" altLang="zh-CN" dirty="0" smtClean="0">
-                <a:latin typeface="DengXian" charset="-122"/>
-                <a:ea typeface="DengXian" charset="-122"/>
-                <a:cs typeface="DengXian" charset="-122"/>
-              </a:rPr>
-              <a:t>4%.</a:t>
+              <a:t>.</a:t>
             </a:r>
           </a:p>
           <a:p>
             <a:r>
+              <a:rPr kumimoji="1" lang="en-US" altLang="zh-CN" dirty="0" smtClean="0">
+                <a:latin typeface="DengXian" charset="-122"/>
+                <a:ea typeface="DengXian" charset="-122"/>
+                <a:cs typeface="DengXian" charset="-122"/>
+              </a:rPr>
+              <a:t>2017</a:t>
+            </a:r>
+            <a:r>
               <a:rPr kumimoji="1" lang="zh-CN" altLang="en-US" dirty="0" smtClean="0">
                 <a:latin typeface="DengXian" charset="-122"/>
                 <a:ea typeface="DengXian" charset="-122"/>
                 <a:cs typeface="DengXian" charset="-122"/>
               </a:rPr>
-              <a:t>根据维基百科中王文银的词条介绍</a:t>
+              <a:t>年中国企业家协会发布的中国企业</a:t>
             </a:r>
             <a:r>
               <a:rPr kumimoji="1" lang="en-US" altLang="zh-CN" dirty="0" smtClean="0">
@@ -8936,6 +10281,22 @@
                 <a:ea typeface="DengXian" charset="-122"/>
                 <a:cs typeface="DengXian" charset="-122"/>
               </a:rPr>
+              <a:t>500</a:t>
+            </a:r>
+            <a:r>
+              <a:rPr kumimoji="1" lang="zh-CN" altLang="en-US" dirty="0" smtClean="0">
+                <a:latin typeface="DengXian" charset="-122"/>
+                <a:ea typeface="DengXian" charset="-122"/>
+                <a:cs typeface="DengXian" charset="-122"/>
+              </a:rPr>
+              <a:t>强中</a:t>
+            </a:r>
+            <a:r>
+              <a:rPr kumimoji="1" lang="en-US" altLang="zh-CN" dirty="0" smtClean="0">
+                <a:latin typeface="DengXian" charset="-122"/>
+                <a:ea typeface="DengXian" charset="-122"/>
+                <a:cs typeface="DengXian" charset="-122"/>
+              </a:rPr>
               <a:t>,</a:t>
             </a:r>
             <a:r>
@@ -8944,15 +10305,18 @@
                 <a:ea typeface="DengXian" charset="-122"/>
                 <a:cs typeface="DengXian" charset="-122"/>
               </a:rPr>
-              <a:t> 正威国际集团掌握的铜矿资源总储量接近</a:t>
+              <a:t> 排名第</a:t>
             </a:r>
             <a:r>
               <a:rPr kumimoji="1" lang="en-US" altLang="zh-CN" dirty="0" smtClean="0">
-                <a:latin typeface="DengXian" charset="-122"/>
-                <a:ea typeface="DengXian" charset="-122"/>
-                <a:cs typeface="DengXian" charset="-122"/>
-              </a:rPr>
-              <a:t>3000</a:t>
+                <a:solidFill>
+                  <a:srgbClr val="FF0000"/>
+                </a:solidFill>
+                <a:latin typeface="DengXian" charset="-122"/>
+                <a:ea typeface="DengXian" charset="-122"/>
+                <a:cs typeface="DengXian" charset="-122"/>
+              </a:rPr>
+              <a:t>41</a:t>
             </a:r>
             <a:r>
               <a:rPr kumimoji="1" lang="zh-CN" altLang="en-US" dirty="0" smtClean="0">
@@ -8960,7 +10324,7 @@
                 <a:ea typeface="DengXian" charset="-122"/>
                 <a:cs typeface="DengXian" charset="-122"/>
               </a:rPr>
-              <a:t>万吨</a:t>
+              <a:t>位</a:t>
             </a:r>
             <a:r>
               <a:rPr kumimoji="1" lang="en-US" altLang="zh-CN" dirty="0" smtClean="0">
@@ -8968,15 +10332,93 @@
                 <a:ea typeface="DengXian" charset="-122"/>
                 <a:cs typeface="DengXian" charset="-122"/>
               </a:rPr>
+              <a:t>.</a:t>
+            </a:r>
+            <a:r>
+              <a:rPr kumimoji="1" lang="zh-CN" altLang="en-US" dirty="0" smtClean="0">
+                <a:latin typeface="DengXian" charset="-122"/>
+                <a:ea typeface="DengXian" charset="-122"/>
+                <a:cs typeface="DengXian" charset="-122"/>
+              </a:rPr>
+              <a:t> 其中有色金属行业企业共上榜</a:t>
+            </a:r>
+            <a:r>
+              <a:rPr kumimoji="1" lang="en-US" altLang="zh-CN" dirty="0" smtClean="0">
+                <a:latin typeface="DengXian" charset="-122"/>
+                <a:ea typeface="DengXian" charset="-122"/>
+                <a:cs typeface="DengXian" charset="-122"/>
+              </a:rPr>
+              <a:t>33</a:t>
+            </a:r>
+            <a:r>
+              <a:rPr kumimoji="1" lang="zh-CN" altLang="en-US" dirty="0" smtClean="0">
+                <a:latin typeface="DengXian" charset="-122"/>
+                <a:ea typeface="DengXian" charset="-122"/>
+                <a:cs typeface="DengXian" charset="-122"/>
+              </a:rPr>
+              <a:t>家</a:t>
+            </a:r>
+            <a:r>
+              <a:rPr kumimoji="1" lang="en-US" altLang="zh-CN" dirty="0" smtClean="0">
+                <a:latin typeface="DengXian" charset="-122"/>
+                <a:ea typeface="DengXian" charset="-122"/>
+                <a:cs typeface="DengXian" charset="-122"/>
+              </a:rPr>
               <a:t>,</a:t>
             </a:r>
             <a:r>
+              <a:rPr kumimoji="1" lang="zh-CN" altLang="en-US" dirty="0">
+                <a:latin typeface="DengXian" charset="-122"/>
+                <a:ea typeface="DengXian" charset="-122"/>
+                <a:cs typeface="DengXian" charset="-122"/>
+              </a:rPr>
+              <a:t> </a:t>
+            </a:r>
+            <a:r>
               <a:rPr kumimoji="1" lang="zh-CN" altLang="en-US" dirty="0" smtClean="0">
                 <a:latin typeface="DengXian" charset="-122"/>
                 <a:ea typeface="DengXian" charset="-122"/>
                 <a:cs typeface="DengXian" charset="-122"/>
               </a:rPr>
-              <a:t> 与中国铜矿保有量相当</a:t>
+              <a:t>正威国际集团排在</a:t>
+            </a:r>
+            <a:r>
+              <a:rPr kumimoji="1" lang="zh-CN" altLang="en-US" dirty="0" smtClean="0">
+                <a:solidFill>
+                  <a:srgbClr val="FF0000"/>
+                </a:solidFill>
+                <a:latin typeface="DengXian" charset="-122"/>
+                <a:ea typeface="DengXian" charset="-122"/>
+                <a:cs typeface="DengXian" charset="-122"/>
+              </a:rPr>
+              <a:t>中国五矿集团</a:t>
+            </a:r>
+            <a:r>
+              <a:rPr kumimoji="1" lang="zh-CN" altLang="en-US" dirty="0" smtClean="0">
+                <a:latin typeface="DengXian" charset="-122"/>
+                <a:ea typeface="DengXian" charset="-122"/>
+                <a:cs typeface="DengXian" charset="-122"/>
+              </a:rPr>
+              <a:t>和</a:t>
+            </a:r>
+            <a:r>
+              <a:rPr kumimoji="1" lang="zh-CN" altLang="en-US" dirty="0" smtClean="0">
+                <a:solidFill>
+                  <a:srgbClr val="FF0000"/>
+                </a:solidFill>
+                <a:latin typeface="DengXian" charset="-122"/>
+                <a:ea typeface="DengXian" charset="-122"/>
+                <a:cs typeface="DengXian" charset="-122"/>
+              </a:rPr>
+              <a:t>山东魏桥创业集团</a:t>
+            </a:r>
+            <a:r>
+              <a:rPr kumimoji="1" lang="zh-CN" altLang="en-US" dirty="0" smtClean="0">
+                <a:latin typeface="DengXian" charset="-122"/>
+                <a:ea typeface="DengXian" charset="-122"/>
+                <a:cs typeface="DengXian" charset="-122"/>
+              </a:rPr>
+              <a:t>之后</a:t>
             </a:r>
             <a:r>
               <a:rPr kumimoji="1" lang="en-US" altLang="zh-CN" dirty="0" smtClean="0">
@@ -8984,26 +10426,362 @@
                 <a:ea typeface="DengXian" charset="-122"/>
                 <a:cs typeface="DengXian" charset="-122"/>
               </a:rPr>
+              <a:t>,</a:t>
+            </a:r>
+            <a:r>
+              <a:rPr kumimoji="1" lang="zh-CN" altLang="en-US" dirty="0" smtClean="0">
+                <a:latin typeface="DengXian" charset="-122"/>
+                <a:ea typeface="DengXian" charset="-122"/>
+                <a:cs typeface="DengXian" charset="-122"/>
+              </a:rPr>
+              <a:t> 位列第三位</a:t>
+            </a:r>
+            <a:r>
+              <a:rPr kumimoji="1" lang="en-US" altLang="zh-CN" dirty="0" smtClean="0">
+                <a:latin typeface="DengXian" charset="-122"/>
+                <a:ea typeface="DengXian" charset="-122"/>
+                <a:cs typeface="DengXian" charset="-122"/>
+              </a:rPr>
               <a:t>.</a:t>
             </a:r>
+          </a:p>
+          <a:p>
+            <a:r>
+              <a:rPr kumimoji="1" lang="zh-CN" altLang="en-US" dirty="0" smtClean="0">
+                <a:latin typeface="DengXian" charset="-122"/>
+                <a:ea typeface="DengXian" charset="-122"/>
+                <a:cs typeface="DengXian" charset="-122"/>
+              </a:rPr>
+              <a:t>在</a:t>
+            </a:r>
+            <a:r>
+              <a:rPr kumimoji="1" lang="en-US" altLang="zh-CN" dirty="0" smtClean="0">
+                <a:latin typeface="DengXian" charset="-122"/>
+                <a:ea typeface="DengXian" charset="-122"/>
+                <a:cs typeface="DengXian" charset="-122"/>
+              </a:rPr>
+              <a:t>2017</a:t>
+            </a:r>
+            <a:r>
+              <a:rPr kumimoji="1" lang="zh-CN" altLang="en-US" dirty="0" smtClean="0">
+                <a:latin typeface="DengXian" charset="-122"/>
+                <a:ea typeface="DengXian" charset="-122"/>
+                <a:cs typeface="DengXian" charset="-122"/>
+              </a:rPr>
+              <a:t>年全球制造</a:t>
+            </a:r>
+            <a:r>
+              <a:rPr kumimoji="1" lang="en-US" altLang="zh-CN" dirty="0" smtClean="0">
+                <a:latin typeface="DengXian" charset="-122"/>
+                <a:ea typeface="DengXian" charset="-122"/>
+                <a:cs typeface="DengXian" charset="-122"/>
+              </a:rPr>
+              <a:t>500</a:t>
+            </a:r>
+            <a:r>
+              <a:rPr kumimoji="1" lang="zh-CN" altLang="en-US" dirty="0" smtClean="0">
+                <a:latin typeface="DengXian" charset="-122"/>
+                <a:ea typeface="DengXian" charset="-122"/>
+                <a:cs typeface="DengXian" charset="-122"/>
+              </a:rPr>
+              <a:t>强中的有色金属行业企业中</a:t>
+            </a:r>
+            <a:r>
+              <a:rPr kumimoji="1" lang="en-US" altLang="zh-CN" dirty="0" smtClean="0">
+                <a:latin typeface="DengXian" charset="-122"/>
+                <a:ea typeface="DengXian" charset="-122"/>
+                <a:cs typeface="DengXian" charset="-122"/>
+              </a:rPr>
+              <a:t>,</a:t>
+            </a:r>
+            <a:r>
+              <a:rPr kumimoji="1" lang="zh-CN" altLang="en-US" dirty="0" smtClean="0">
+                <a:latin typeface="DengXian" charset="-122"/>
+                <a:ea typeface="DengXian" charset="-122"/>
+                <a:cs typeface="DengXian" charset="-122"/>
+              </a:rPr>
+              <a:t> 正威国际集团以</a:t>
+            </a:r>
+            <a:r>
+              <a:rPr kumimoji="1" lang="en-US" altLang="zh-CN" dirty="0" smtClean="0">
+                <a:solidFill>
+                  <a:srgbClr val="FF0000"/>
+                </a:solidFill>
+                <a:latin typeface="DengXian" charset="-122"/>
+                <a:ea typeface="DengXian" charset="-122"/>
+                <a:cs typeface="DengXian" charset="-122"/>
+              </a:rPr>
+              <a:t>3199</a:t>
+            </a:r>
+            <a:r>
+              <a:rPr kumimoji="1" lang="zh-CN" altLang="en-US" dirty="0" smtClean="0">
+                <a:solidFill>
+                  <a:srgbClr val="FF0000"/>
+                </a:solidFill>
+                <a:latin typeface="DengXian" charset="-122"/>
+                <a:ea typeface="DengXian" charset="-122"/>
+                <a:cs typeface="DengXian" charset="-122"/>
+              </a:rPr>
+              <a:t>亿元人民币</a:t>
+            </a:r>
+            <a:r>
+              <a:rPr kumimoji="1" lang="zh-CN" altLang="en-US" dirty="0" smtClean="0">
+                <a:latin typeface="DengXian" charset="-122"/>
+                <a:ea typeface="DengXian" charset="-122"/>
+                <a:cs typeface="DengXian" charset="-122"/>
+              </a:rPr>
+              <a:t>的营业收入排名第</a:t>
+            </a:r>
+            <a:r>
+              <a:rPr kumimoji="1" lang="en-US" altLang="zh-CN" dirty="0" smtClean="0">
+                <a:solidFill>
+                  <a:srgbClr val="FF0000"/>
+                </a:solidFill>
+                <a:latin typeface="DengXian" charset="-122"/>
+                <a:ea typeface="DengXian" charset="-122"/>
+                <a:cs typeface="DengXian" charset="-122"/>
+              </a:rPr>
+              <a:t>83</a:t>
+            </a:r>
+            <a:r>
+              <a:rPr kumimoji="1" lang="zh-CN" altLang="en-US" dirty="0" smtClean="0">
+                <a:latin typeface="DengXian" charset="-122"/>
+                <a:ea typeface="DengXian" charset="-122"/>
+                <a:cs typeface="DengXian" charset="-122"/>
+              </a:rPr>
+              <a:t>位</a:t>
+            </a:r>
+            <a:r>
+              <a:rPr kumimoji="1" lang="en-US" altLang="zh-CN" dirty="0" smtClean="0">
+                <a:latin typeface="DengXian" charset="-122"/>
+                <a:ea typeface="DengXian" charset="-122"/>
+                <a:cs typeface="DengXian" charset="-122"/>
+              </a:rPr>
+              <a:t>,</a:t>
+            </a:r>
+            <a:r>
+              <a:rPr kumimoji="1" lang="zh-CN" altLang="en-US" dirty="0" smtClean="0">
+                <a:latin typeface="DengXian" charset="-122"/>
+                <a:ea typeface="DengXian" charset="-122"/>
+                <a:cs typeface="DengXian" charset="-122"/>
+              </a:rPr>
+              <a:t> 位列山东魏桥创业集团</a:t>
+            </a:r>
+            <a:r>
+              <a:rPr kumimoji="1" lang="en-US" altLang="zh-CN" dirty="0" smtClean="0">
+                <a:solidFill>
+                  <a:srgbClr val="FF0000"/>
+                </a:solidFill>
+                <a:latin typeface="DengXian" charset="-122"/>
+                <a:ea typeface="DengXian" charset="-122"/>
+                <a:cs typeface="DengXian" charset="-122"/>
+              </a:rPr>
+              <a:t>3750</a:t>
+            </a:r>
+            <a:r>
+              <a:rPr kumimoji="1" lang="zh-CN" altLang="en-US" dirty="0" smtClean="0">
+                <a:solidFill>
+                  <a:srgbClr val="FF0000"/>
+                </a:solidFill>
+                <a:latin typeface="DengXian" charset="-122"/>
+                <a:ea typeface="DengXian" charset="-122"/>
+                <a:cs typeface="DengXian" charset="-122"/>
+              </a:rPr>
+              <a:t>亿元人民币</a:t>
+            </a:r>
+            <a:r>
+              <a:rPr kumimoji="1" lang="zh-CN" altLang="en-US" dirty="0" smtClean="0">
+                <a:latin typeface="DengXian" charset="-122"/>
+                <a:ea typeface="DengXian" charset="-122"/>
+                <a:cs typeface="DengXian" charset="-122"/>
+              </a:rPr>
+              <a:t>的第</a:t>
+            </a:r>
+            <a:r>
+              <a:rPr kumimoji="1" lang="en-US" altLang="zh-CN" dirty="0" smtClean="0">
+                <a:solidFill>
+                  <a:srgbClr val="FF0000"/>
+                </a:solidFill>
+                <a:latin typeface="DengXian" charset="-122"/>
+                <a:ea typeface="DengXian" charset="-122"/>
+                <a:cs typeface="DengXian" charset="-122"/>
+              </a:rPr>
+              <a:t>66</a:t>
+            </a:r>
+            <a:r>
+              <a:rPr kumimoji="1" lang="zh-CN" altLang="en-US" dirty="0" smtClean="0">
+                <a:latin typeface="DengXian" charset="-122"/>
+                <a:ea typeface="DengXian" charset="-122"/>
+                <a:cs typeface="DengXian" charset="-122"/>
+              </a:rPr>
+              <a:t>位之后</a:t>
+            </a:r>
+            <a:r>
+              <a:rPr kumimoji="1" lang="en-US" altLang="zh-CN" dirty="0" smtClean="0">
+                <a:latin typeface="DengXian" charset="-122"/>
+                <a:ea typeface="DengXian" charset="-122"/>
+                <a:cs typeface="DengXian" charset="-122"/>
+              </a:rPr>
+              <a:t>.</a:t>
+            </a:r>
+          </a:p>
+          <a:p>
+            <a:r>
+              <a:rPr kumimoji="1" lang="zh-CN" altLang="en-US" dirty="0" smtClean="0">
+                <a:latin typeface="DengXian" charset="-122"/>
+                <a:ea typeface="DengXian" charset="-122"/>
+                <a:cs typeface="DengXian" charset="-122"/>
+              </a:rPr>
+              <a:t>目前正威国际集团的员工总数约为</a:t>
+            </a:r>
+            <a:r>
+              <a:rPr kumimoji="1" lang="en-US" altLang="zh-CN" dirty="0" smtClean="0">
+                <a:solidFill>
+                  <a:srgbClr val="FF0000"/>
+                </a:solidFill>
+                <a:latin typeface="DengXian" charset="-122"/>
+                <a:ea typeface="DengXian" charset="-122"/>
+                <a:cs typeface="DengXian" charset="-122"/>
+              </a:rPr>
+              <a:t>17,852</a:t>
+            </a:r>
+            <a:r>
+              <a:rPr kumimoji="1" lang="zh-CN" altLang="en-US" dirty="0" smtClean="0">
+                <a:latin typeface="DengXian" charset="-122"/>
+                <a:ea typeface="DengXian" charset="-122"/>
+                <a:cs typeface="DengXian" charset="-122"/>
+              </a:rPr>
+              <a:t>人</a:t>
+            </a:r>
+            <a:r>
+              <a:rPr kumimoji="1" lang="en-US" altLang="zh-CN" dirty="0" smtClean="0">
+                <a:latin typeface="DengXian" charset="-122"/>
+                <a:ea typeface="DengXian" charset="-122"/>
+                <a:cs typeface="DengXian" charset="-122"/>
+              </a:rPr>
+              <a:t>.</a:t>
+            </a:r>
+            <a:endParaRPr kumimoji="1" lang="zh-CN" altLang="en-US" dirty="0">
+              <a:latin typeface="DengXian" charset="-122"/>
+              <a:ea typeface="DengXian" charset="-122"/>
+              <a:cs typeface="DengXian" charset="-122"/>
+            </a:endParaRPr>
+          </a:p>
+        </p:txBody>
+      </p:sp>
+    </p:spTree>
+    <p:extLst>
+      <p:ext uri="{BB962C8B-B14F-4D97-AF65-F5344CB8AC3E}">
+        <p14:creationId xmlns:p14="http://schemas.microsoft.com/office/powerpoint/2010/main" val="1276399525"/>
+      </p:ext>
+    </p:extLst>
+  </p:cSld>
+  <p:clrMapOvr>
+    <a:masterClrMapping/>
+  </p:clrMapOvr>
+  <p:transition spd="med"/>
+</p:sld>
+</file>
+
+<file path=ppt/slides/slide17.xml><?xml version="1.0" encoding="utf-8"?>
+<p:sld xmlns:a="http://schemas.openxmlformats.org/drawingml/2006/main" xmlns:r="http://schemas.openxmlformats.org/officeDocument/2006/relationships" xmlns:p="http://schemas.openxmlformats.org/presentationml/2006/main">
+  <p:cSld>
+    <p:spTree>
+      <p:nvGrpSpPr>
+        <p:cNvPr id="1" name=""/>
+        <p:cNvGrpSpPr/>
+        <p:nvPr/>
+      </p:nvGrpSpPr>
+      <p:grpSpPr>
+        <a:xfrm>
+          <a:off x="0" y="0"/>
+          <a:ext cx="0" cy="0"/>
+          <a:chOff x="0" y="0"/>
+          <a:chExt cx="0" cy="0"/>
+        </a:xfrm>
+      </p:grpSpPr>
+      <p:sp>
+        <p:nvSpPr>
+          <p:cNvPr id="127" name="正威国际集团简介"/>
+          <p:cNvSpPr txBox="1">
+            <a:spLocks noGrp="1"/>
+          </p:cNvSpPr>
+          <p:nvPr>
+            <p:ph type="title"/>
+          </p:nvPr>
+        </p:nvSpPr>
+        <p:spPr>
+          <a:prstGeom prst="rect">
+            <a:avLst/>
+          </a:prstGeom>
+        </p:spPr>
+        <p:txBody>
+          <a:bodyPr/>
+          <a:lstStyle/>
+          <a:p>
+            <a:r>
+              <a:rPr lang="zh-CN" altLang="en-US" dirty="0" smtClean="0">
+                <a:latin typeface="DengXian" charset="-122"/>
+                <a:ea typeface="DengXian" charset="-122"/>
+                <a:cs typeface="DengXian" charset="-122"/>
+              </a:rPr>
+              <a:t>连续</a:t>
+            </a:r>
+            <a:r>
+              <a:rPr lang="en-US" altLang="zh-CN" dirty="0" smtClean="0">
+                <a:latin typeface="DengXian" charset="-122"/>
+                <a:ea typeface="DengXian" charset="-122"/>
+                <a:cs typeface="DengXian" charset="-122"/>
+              </a:rPr>
+              <a:t>5</a:t>
+            </a:r>
+            <a:r>
+              <a:rPr lang="zh-CN" altLang="en-US" dirty="0" smtClean="0">
+                <a:latin typeface="DengXian" charset="-122"/>
+                <a:ea typeface="DengXian" charset="-122"/>
+                <a:cs typeface="DengXian" charset="-122"/>
+              </a:rPr>
+              <a:t>年进入世界</a:t>
+            </a:r>
+            <a:r>
+              <a:rPr lang="en-US" altLang="zh-CN" dirty="0" smtClean="0">
+                <a:latin typeface="DengXian" charset="-122"/>
+                <a:ea typeface="DengXian" charset="-122"/>
+                <a:cs typeface="DengXian" charset="-122"/>
+              </a:rPr>
+              <a:t>500</a:t>
+            </a:r>
+            <a:r>
+              <a:rPr lang="zh-CN" altLang="en-US" dirty="0" smtClean="0">
+                <a:latin typeface="DengXian" charset="-122"/>
+                <a:ea typeface="DengXian" charset="-122"/>
+                <a:cs typeface="DengXian" charset="-122"/>
+              </a:rPr>
+              <a:t>强</a:t>
+            </a:r>
+            <a:endParaRPr dirty="0">
+              <a:latin typeface="DengXian" charset="-122"/>
+              <a:ea typeface="DengXian" charset="-122"/>
+              <a:cs typeface="DengXian" charset="-122"/>
+            </a:endParaRPr>
           </a:p>
         </p:txBody>
       </p:sp>
       <p:graphicFrame>
         <p:nvGraphicFramePr>
-          <p:cNvPr id="5" name="图表 4"/>
+          <p:cNvPr id="3" name="图表 2"/>
           <p:cNvGraphicFramePr/>
           <p:nvPr>
             <p:extLst>
               <p:ext uri="{D42A27DB-BD31-4B8C-83A1-F6EECF244321}">
-                <p14:modId xmlns:p14="http://schemas.microsoft.com/office/powerpoint/2010/main" val="1540664061"/>
+                <p14:modId xmlns:p14="http://schemas.microsoft.com/office/powerpoint/2010/main" val="2002634318"/>
               </p:ext>
             </p:extLst>
           </p:nvPr>
         </p:nvGraphicFramePr>
         <p:xfrm>
-          <a:off x="6573795" y="1952368"/>
-          <a:ext cx="6240161" cy="7537621"/>
+          <a:off x="1395856" y="2211860"/>
+          <a:ext cx="10213088" cy="7117492"/>
         </p:xfrm>
         <a:graphic>
           <a:graphicData uri="http://schemas.openxmlformats.org/drawingml/2006/chart">
@@ -9014,7 +10792,1034 @@
     </p:spTree>
     <p:extLst>
       <p:ext uri="{BB962C8B-B14F-4D97-AF65-F5344CB8AC3E}">
-        <p14:creationId xmlns:p14="http://schemas.microsoft.com/office/powerpoint/2010/main" val="73952451"/>
+        <p14:creationId xmlns:p14="http://schemas.microsoft.com/office/powerpoint/2010/main" val="522920838"/>
+      </p:ext>
+    </p:extLst>
+  </p:cSld>
+  <p:clrMapOvr>
+    <a:masterClrMapping/>
+  </p:clrMapOvr>
+  <p:transition spd="med"/>
+  <p:timing>
+    <p:tnLst>
+      <p:par>
+        <p:cTn id="1" dur="indefinite" restart="never" nodeType="tmRoot"/>
+      </p:par>
+    </p:tnLst>
+  </p:timing>
+</p:sld>
+</file>
+
+<file path=ppt/slides/slide18.xml><?xml version="1.0" encoding="utf-8"?>
+<p:sld xmlns:a="http://schemas.openxmlformats.org/drawingml/2006/main" xmlns:r="http://schemas.openxmlformats.org/officeDocument/2006/relationships" xmlns:p="http://schemas.openxmlformats.org/presentationml/2006/main">
+  <p:cSld>
+    <p:spTree>
+      <p:nvGrpSpPr>
+        <p:cNvPr id="1" name=""/>
+        <p:cNvGrpSpPr/>
+        <p:nvPr/>
+      </p:nvGrpSpPr>
+      <p:grpSpPr>
+        <a:xfrm>
+          <a:off x="0" y="0"/>
+          <a:ext cx="0" cy="0"/>
+          <a:chOff x="0" y="0"/>
+          <a:chExt cx="0" cy="0"/>
+        </a:xfrm>
+      </p:grpSpPr>
+      <p:sp>
+        <p:nvSpPr>
+          <p:cNvPr id="2" name="标题 1"/>
+          <p:cNvSpPr>
+            <a:spLocks noGrp="1"/>
+          </p:cNvSpPr>
+          <p:nvPr>
+            <p:ph type="title"/>
+          </p:nvPr>
+        </p:nvSpPr>
+        <p:spPr/>
+        <p:txBody>
+          <a:bodyPr/>
+          <a:lstStyle/>
+          <a:p>
+            <a:r>
+              <a:rPr kumimoji="1" lang="zh-CN" altLang="en-US" dirty="0" smtClean="0">
+                <a:latin typeface="DengXian" charset="-122"/>
+                <a:ea typeface="DengXian" charset="-122"/>
+                <a:cs typeface="DengXian" charset="-122"/>
+              </a:rPr>
+              <a:t>资产情况</a:t>
+            </a:r>
+            <a:endParaRPr kumimoji="1" lang="zh-CN" altLang="en-US" dirty="0">
+              <a:latin typeface="DengXian" charset="-122"/>
+              <a:ea typeface="DengXian" charset="-122"/>
+              <a:cs typeface="DengXian" charset="-122"/>
+            </a:endParaRPr>
+          </a:p>
+        </p:txBody>
+      </p:sp>
+      <p:sp>
+        <p:nvSpPr>
+          <p:cNvPr id="3" name="文本占位符 2"/>
+          <p:cNvSpPr>
+            <a:spLocks noGrp="1"/>
+          </p:cNvSpPr>
+          <p:nvPr>
+            <p:ph type="body" idx="1"/>
+          </p:nvPr>
+        </p:nvSpPr>
+        <p:spPr>
+          <a:xfrm>
+            <a:off x="787400" y="2768599"/>
+            <a:ext cx="11430000" cy="6480331"/>
+          </a:xfrm>
+        </p:spPr>
+        <p:txBody>
+          <a:bodyPr>
+            <a:normAutofit fontScale="70000" lnSpcReduction="20000"/>
+          </a:bodyPr>
+          <a:lstStyle/>
+          <a:p>
+            <a:r>
+              <a:rPr kumimoji="1" lang="zh-CN" altLang="en-US" dirty="0">
+                <a:latin typeface="DengXian" charset="-122"/>
+                <a:ea typeface="DengXian" charset="-122"/>
+                <a:cs typeface="DengXian" charset="-122"/>
+              </a:rPr>
+              <a:t>根据财富杂志的世界</a:t>
+            </a:r>
+            <a:r>
+              <a:rPr kumimoji="1" lang="en-US" altLang="zh-CN" dirty="0">
+                <a:latin typeface="DengXian" charset="-122"/>
+                <a:ea typeface="DengXian" charset="-122"/>
+                <a:cs typeface="DengXian" charset="-122"/>
+              </a:rPr>
+              <a:t>500</a:t>
+            </a:r>
+            <a:r>
+              <a:rPr kumimoji="1" lang="zh-CN" altLang="en-US" dirty="0">
+                <a:latin typeface="DengXian" charset="-122"/>
+                <a:ea typeface="DengXian" charset="-122"/>
+                <a:cs typeface="DengXian" charset="-122"/>
+              </a:rPr>
+              <a:t>强报告</a:t>
+            </a:r>
+            <a:r>
+              <a:rPr kumimoji="1" lang="en-US" altLang="zh-CN" dirty="0">
+                <a:latin typeface="DengXian" charset="-122"/>
+                <a:ea typeface="DengXian" charset="-122"/>
+                <a:cs typeface="DengXian" charset="-122"/>
+              </a:rPr>
+              <a:t>,</a:t>
+            </a:r>
+            <a:r>
+              <a:rPr kumimoji="1" lang="zh-CN" altLang="en-US" dirty="0">
+                <a:latin typeface="DengXian" charset="-122"/>
+                <a:ea typeface="DengXian" charset="-122"/>
+                <a:cs typeface="DengXian" charset="-122"/>
+              </a:rPr>
+              <a:t> 正威国际集团在</a:t>
+            </a:r>
+            <a:r>
+              <a:rPr kumimoji="1" lang="en-US" altLang="zh-CN" dirty="0">
+                <a:latin typeface="DengXian" charset="-122"/>
+                <a:ea typeface="DengXian" charset="-122"/>
+                <a:cs typeface="DengXian" charset="-122"/>
+              </a:rPr>
+              <a:t>2016</a:t>
+            </a:r>
+            <a:r>
+              <a:rPr kumimoji="1" lang="zh-CN" altLang="en-US" dirty="0">
+                <a:latin typeface="DengXian" charset="-122"/>
+                <a:ea typeface="DengXian" charset="-122"/>
+                <a:cs typeface="DengXian" charset="-122"/>
+              </a:rPr>
+              <a:t>年全年的资产总额为</a:t>
+            </a:r>
+            <a:r>
+              <a:rPr kumimoji="1" lang="en-US" altLang="zh-CN" dirty="0">
+                <a:solidFill>
+                  <a:srgbClr val="FF0000"/>
+                </a:solidFill>
+                <a:latin typeface="DengXian" charset="-122"/>
+                <a:ea typeface="DengXian" charset="-122"/>
+                <a:cs typeface="DengXian" charset="-122"/>
+              </a:rPr>
+              <a:t>1214.9</a:t>
+            </a:r>
+            <a:r>
+              <a:rPr kumimoji="1" lang="zh-CN" altLang="en-US" dirty="0">
+                <a:solidFill>
+                  <a:srgbClr val="FF0000"/>
+                </a:solidFill>
+                <a:latin typeface="DengXian" charset="-122"/>
+                <a:ea typeface="DengXian" charset="-122"/>
+                <a:cs typeface="DengXian" charset="-122"/>
+              </a:rPr>
+              <a:t>亿人民币</a:t>
+            </a:r>
+            <a:r>
+              <a:rPr kumimoji="1" lang="zh-CN" altLang="en-US" dirty="0">
+                <a:latin typeface="DengXian" charset="-122"/>
+                <a:ea typeface="DengXian" charset="-122"/>
+                <a:cs typeface="DengXian" charset="-122"/>
+              </a:rPr>
+              <a:t>左右</a:t>
+            </a:r>
+            <a:r>
+              <a:rPr kumimoji="1" lang="en-US" altLang="zh-CN" dirty="0">
+                <a:latin typeface="DengXian" charset="-122"/>
+                <a:ea typeface="DengXian" charset="-122"/>
+                <a:cs typeface="DengXian" charset="-122"/>
+              </a:rPr>
+              <a:t>.</a:t>
+            </a:r>
+          </a:p>
+          <a:p>
+            <a:r>
+              <a:rPr kumimoji="1" lang="zh-CN" altLang="en-US" dirty="0" smtClean="0">
+                <a:latin typeface="DengXian" charset="-122"/>
+                <a:ea typeface="DengXian" charset="-122"/>
+                <a:cs typeface="DengXian" charset="-122"/>
+              </a:rPr>
+              <a:t>根据</a:t>
+            </a:r>
+            <a:r>
+              <a:rPr kumimoji="1" lang="zh-CN" altLang="en-US" dirty="0" smtClean="0">
+                <a:latin typeface="DengXian" charset="-122"/>
+                <a:ea typeface="DengXian" charset="-122"/>
+                <a:cs typeface="DengXian" charset="-122"/>
+              </a:rPr>
+              <a:t>相关公开数据</a:t>
+            </a:r>
+            <a:r>
+              <a:rPr kumimoji="1" lang="en-US" altLang="zh-CN" dirty="0" smtClean="0">
+                <a:latin typeface="DengXian" charset="-122"/>
+                <a:ea typeface="DengXian" charset="-122"/>
+                <a:cs typeface="DengXian" charset="-122"/>
+              </a:rPr>
+              <a:t>,</a:t>
+            </a:r>
+            <a:r>
+              <a:rPr kumimoji="1" lang="zh-CN" altLang="en-US" dirty="0" smtClean="0">
+                <a:latin typeface="DengXian" charset="-122"/>
+                <a:ea typeface="DengXian" charset="-122"/>
+                <a:cs typeface="DengXian" charset="-122"/>
+              </a:rPr>
+              <a:t> 正威国际集团参与投资的国内企业和公司为</a:t>
+            </a:r>
+            <a:r>
+              <a:rPr kumimoji="1" lang="en-US" altLang="zh-CN" dirty="0" smtClean="0">
+                <a:solidFill>
+                  <a:srgbClr val="FF0000"/>
+                </a:solidFill>
+                <a:latin typeface="DengXian" charset="-122"/>
+                <a:ea typeface="DengXian" charset="-122"/>
+                <a:cs typeface="DengXian" charset="-122"/>
+              </a:rPr>
+              <a:t>71</a:t>
+            </a:r>
+            <a:r>
+              <a:rPr kumimoji="1" lang="zh-CN" altLang="en-US" dirty="0" smtClean="0">
+                <a:solidFill>
+                  <a:srgbClr val="FF0000"/>
+                </a:solidFill>
+                <a:latin typeface="DengXian" charset="-122"/>
+                <a:ea typeface="DengXian" charset="-122"/>
+                <a:cs typeface="DengXian" charset="-122"/>
+              </a:rPr>
+              <a:t>家</a:t>
+            </a:r>
+            <a:r>
+              <a:rPr kumimoji="1" lang="en-US" altLang="zh-CN" dirty="0" smtClean="0">
+                <a:latin typeface="DengXian" charset="-122"/>
+                <a:ea typeface="DengXian" charset="-122"/>
+                <a:cs typeface="DengXian" charset="-122"/>
+              </a:rPr>
+              <a:t>,</a:t>
+            </a:r>
+            <a:r>
+              <a:rPr kumimoji="1" lang="zh-CN" altLang="en-US" dirty="0" smtClean="0">
+                <a:latin typeface="DengXian" charset="-122"/>
+                <a:ea typeface="DengXian" charset="-122"/>
+                <a:cs typeface="DengXian" charset="-122"/>
+              </a:rPr>
+              <a:t> 其中控股比例</a:t>
+            </a:r>
+            <a:r>
+              <a:rPr kumimoji="1" lang="zh-CN" altLang="en-US" dirty="0" smtClean="0">
+                <a:solidFill>
+                  <a:srgbClr val="FF0000"/>
+                </a:solidFill>
+                <a:latin typeface="DengXian" charset="-122"/>
+                <a:ea typeface="DengXian" charset="-122"/>
+                <a:cs typeface="DengXian" charset="-122"/>
+              </a:rPr>
+              <a:t>超过</a:t>
+            </a:r>
+            <a:r>
+              <a:rPr kumimoji="1" lang="en-US" altLang="zh-CN" dirty="0" smtClean="0">
+                <a:solidFill>
+                  <a:srgbClr val="FF0000"/>
+                </a:solidFill>
+                <a:latin typeface="DengXian" charset="-122"/>
+                <a:ea typeface="DengXian" charset="-122"/>
+                <a:cs typeface="DengXian" charset="-122"/>
+              </a:rPr>
+              <a:t>51%</a:t>
+            </a:r>
+            <a:r>
+              <a:rPr kumimoji="1" lang="zh-CN" altLang="en-US" dirty="0" smtClean="0">
+                <a:solidFill>
+                  <a:srgbClr val="FF0000"/>
+                </a:solidFill>
+                <a:latin typeface="DengXian" charset="-122"/>
+                <a:ea typeface="DengXian" charset="-122"/>
+                <a:cs typeface="DengXian" charset="-122"/>
+              </a:rPr>
+              <a:t>的企业有</a:t>
+            </a:r>
+            <a:r>
+              <a:rPr kumimoji="1" lang="en-US" altLang="zh-CN" dirty="0" smtClean="0">
+                <a:solidFill>
+                  <a:srgbClr val="FF0000"/>
+                </a:solidFill>
+                <a:latin typeface="DengXian" charset="-122"/>
+                <a:ea typeface="DengXian" charset="-122"/>
+                <a:cs typeface="DengXian" charset="-122"/>
+              </a:rPr>
+              <a:t>66</a:t>
+            </a:r>
+            <a:r>
+              <a:rPr kumimoji="1" lang="zh-CN" altLang="en-US" dirty="0" smtClean="0">
+                <a:solidFill>
+                  <a:srgbClr val="FF0000"/>
+                </a:solidFill>
+                <a:latin typeface="DengXian" charset="-122"/>
+                <a:ea typeface="DengXian" charset="-122"/>
+                <a:cs typeface="DengXian" charset="-122"/>
+              </a:rPr>
+              <a:t>家</a:t>
+            </a:r>
+            <a:r>
+              <a:rPr kumimoji="1" lang="en-US" altLang="zh-CN" dirty="0" smtClean="0">
+                <a:latin typeface="DengXian" charset="-122"/>
+                <a:ea typeface="DengXian" charset="-122"/>
+                <a:cs typeface="DengXian" charset="-122"/>
+              </a:rPr>
+              <a:t>.</a:t>
+            </a:r>
+          </a:p>
+          <a:p>
+            <a:r>
+              <a:rPr kumimoji="1" lang="zh-CN" altLang="en-US" dirty="0" smtClean="0">
+                <a:latin typeface="DengXian" charset="-122"/>
+                <a:ea typeface="DengXian" charset="-122"/>
+                <a:cs typeface="DengXian" charset="-122"/>
+              </a:rPr>
+              <a:t>除了</a:t>
+            </a:r>
+            <a:r>
+              <a:rPr kumimoji="1" lang="zh-CN" altLang="en-US" dirty="0" smtClean="0">
+                <a:latin typeface="DengXian" charset="-122"/>
+                <a:ea typeface="DengXian" charset="-122"/>
+                <a:cs typeface="DengXian" charset="-122"/>
+              </a:rPr>
+              <a:t>国内企业</a:t>
+            </a:r>
+            <a:r>
+              <a:rPr kumimoji="1" lang="en-US" altLang="zh-CN" dirty="0" smtClean="0">
+                <a:latin typeface="DengXian" charset="-122"/>
+                <a:ea typeface="DengXian" charset="-122"/>
+                <a:cs typeface="DengXian" charset="-122"/>
+              </a:rPr>
+              <a:t>,</a:t>
+            </a:r>
+            <a:r>
+              <a:rPr kumimoji="1" lang="zh-CN" altLang="en-US" dirty="0" smtClean="0">
+                <a:latin typeface="DengXian" charset="-122"/>
+                <a:ea typeface="DengXian" charset="-122"/>
+                <a:cs typeface="DengXian" charset="-122"/>
+              </a:rPr>
+              <a:t> 正威国际集团在海外也拥有不少的资产</a:t>
+            </a:r>
+            <a:r>
+              <a:rPr kumimoji="1" lang="en-US" altLang="zh-CN" dirty="0" smtClean="0">
+                <a:latin typeface="DengXian" charset="-122"/>
+                <a:ea typeface="DengXian" charset="-122"/>
+                <a:cs typeface="DengXian" charset="-122"/>
+              </a:rPr>
+              <a:t>,</a:t>
+            </a:r>
+            <a:r>
+              <a:rPr kumimoji="1" lang="zh-CN" altLang="en-US" dirty="0" smtClean="0">
+                <a:latin typeface="DengXian" charset="-122"/>
+                <a:ea typeface="DengXian" charset="-122"/>
+                <a:cs typeface="DengXian" charset="-122"/>
+              </a:rPr>
+              <a:t> 例如台湾科威企业有限公司</a:t>
+            </a:r>
+            <a:r>
+              <a:rPr kumimoji="1" lang="en-US" altLang="zh-CN" dirty="0" smtClean="0">
+                <a:latin typeface="DengXian" charset="-122"/>
+                <a:ea typeface="DengXian" charset="-122"/>
+                <a:cs typeface="DengXian" charset="-122"/>
+              </a:rPr>
+              <a:t>,</a:t>
+            </a:r>
+            <a:r>
+              <a:rPr kumimoji="1" lang="zh-CN" altLang="en-US" dirty="0" smtClean="0">
+                <a:latin typeface="DengXian" charset="-122"/>
+                <a:ea typeface="DengXian" charset="-122"/>
+                <a:cs typeface="DengXian" charset="-122"/>
+              </a:rPr>
+              <a:t>  香港贯怡有限公司</a:t>
+            </a:r>
+            <a:r>
+              <a:rPr kumimoji="1" lang="en-US" altLang="zh-CN" dirty="0" smtClean="0">
+                <a:latin typeface="DengXian" charset="-122"/>
+                <a:ea typeface="DengXian" charset="-122"/>
+                <a:cs typeface="DengXian" charset="-122"/>
+              </a:rPr>
+              <a:t>,</a:t>
+            </a:r>
+            <a:r>
+              <a:rPr kumimoji="1" lang="zh-CN" altLang="en-US" dirty="0" smtClean="0">
+                <a:latin typeface="DengXian" charset="-122"/>
+                <a:ea typeface="DengXian" charset="-122"/>
+                <a:cs typeface="DengXian" charset="-122"/>
+              </a:rPr>
+              <a:t> 香港携威实业有限公司</a:t>
+            </a:r>
+            <a:r>
+              <a:rPr kumimoji="1" lang="en-US" altLang="zh-CN" dirty="0">
+                <a:latin typeface="DengXian" charset="-122"/>
+                <a:ea typeface="DengXian" charset="-122"/>
+                <a:cs typeface="DengXian" charset="-122"/>
+              </a:rPr>
+              <a:t>,</a:t>
+            </a:r>
+            <a:r>
+              <a:rPr kumimoji="1" lang="en-US" altLang="zh-CN" dirty="0" smtClean="0">
+                <a:latin typeface="DengXian" charset="-122"/>
+                <a:ea typeface="DengXian" charset="-122"/>
+                <a:cs typeface="DengXian" charset="-122"/>
+              </a:rPr>
+              <a:t> </a:t>
+            </a:r>
+            <a:r>
+              <a:rPr kumimoji="1" lang="zh-CN" altLang="en-US" dirty="0" smtClean="0">
+                <a:latin typeface="DengXian" charset="-122"/>
+                <a:ea typeface="DengXian" charset="-122"/>
+                <a:cs typeface="DengXian" charset="-122"/>
+              </a:rPr>
+              <a:t>以及新加坡的</a:t>
+            </a:r>
+            <a:r>
+              <a:rPr kumimoji="1" lang="en-US" altLang="zh-CN" dirty="0" smtClean="0">
+                <a:latin typeface="DengXian" charset="-122"/>
+                <a:ea typeface="DengXian" charset="-122"/>
+                <a:cs typeface="DengXian" charset="-122"/>
+              </a:rPr>
+              <a:t>AWIN</a:t>
+            </a:r>
+            <a:r>
+              <a:rPr kumimoji="1" lang="zh-CN" altLang="en-US" dirty="0" smtClean="0">
+                <a:latin typeface="DengXian" charset="-122"/>
+                <a:ea typeface="DengXian" charset="-122"/>
+                <a:cs typeface="DengXian" charset="-122"/>
+              </a:rPr>
+              <a:t>资源公司</a:t>
+            </a:r>
+            <a:r>
+              <a:rPr kumimoji="1" lang="en-US" altLang="zh-CN" dirty="0" smtClean="0">
+                <a:latin typeface="DengXian" charset="-122"/>
+                <a:ea typeface="DengXian" charset="-122"/>
+                <a:cs typeface="DengXian" charset="-122"/>
+              </a:rPr>
+              <a:t>,</a:t>
+            </a:r>
+            <a:r>
+              <a:rPr kumimoji="1" lang="zh-CN" altLang="en-US" dirty="0" smtClean="0">
+                <a:latin typeface="DengXian" charset="-122"/>
+                <a:ea typeface="DengXian" charset="-122"/>
+                <a:cs typeface="DengXian" charset="-122"/>
+              </a:rPr>
+              <a:t> 在瑞士</a:t>
+            </a:r>
+            <a:r>
+              <a:rPr kumimoji="1" lang="en-US" altLang="zh-CN" dirty="0" smtClean="0">
+                <a:latin typeface="DengXian" charset="-122"/>
+                <a:ea typeface="DengXian" charset="-122"/>
+                <a:cs typeface="DengXian" charset="-122"/>
+              </a:rPr>
+              <a:t>,</a:t>
+            </a:r>
+            <a:r>
+              <a:rPr kumimoji="1" lang="zh-CN" altLang="en-US" dirty="0" smtClean="0">
+                <a:latin typeface="DengXian" charset="-122"/>
+                <a:ea typeface="DengXian" charset="-122"/>
+                <a:cs typeface="DengXian" charset="-122"/>
+              </a:rPr>
+              <a:t> 美国和新加坡还设有</a:t>
+            </a:r>
+            <a:r>
+              <a:rPr kumimoji="1" lang="en-US" altLang="zh-CN" dirty="0" smtClean="0">
+                <a:latin typeface="DengXian" charset="-122"/>
+                <a:ea typeface="DengXian" charset="-122"/>
+                <a:cs typeface="DengXian" charset="-122"/>
+              </a:rPr>
+              <a:t>3</a:t>
+            </a:r>
+            <a:r>
+              <a:rPr kumimoji="1" lang="zh-CN" altLang="en-US" dirty="0" smtClean="0">
+                <a:latin typeface="DengXian" charset="-122"/>
+                <a:ea typeface="DengXian" charset="-122"/>
+                <a:cs typeface="DengXian" charset="-122"/>
+              </a:rPr>
+              <a:t>个研究中心</a:t>
+            </a:r>
+            <a:r>
+              <a:rPr kumimoji="1" lang="en-US" altLang="zh-CN" dirty="0" smtClean="0">
+                <a:latin typeface="DengXian" charset="-122"/>
+                <a:ea typeface="DengXian" charset="-122"/>
+                <a:cs typeface="DengXian" charset="-122"/>
+              </a:rPr>
+              <a:t>.</a:t>
+            </a:r>
+            <a:endParaRPr kumimoji="1" lang="en-US" altLang="zh-CN" dirty="0">
+              <a:latin typeface="DengXian" charset="-122"/>
+              <a:ea typeface="DengXian" charset="-122"/>
+              <a:cs typeface="DengXian" charset="-122"/>
+            </a:endParaRPr>
+          </a:p>
+          <a:p>
+            <a:r>
+              <a:rPr kumimoji="1" lang="zh-CN" altLang="en-US" dirty="0" smtClean="0">
+                <a:latin typeface="DengXian" charset="-122"/>
+                <a:ea typeface="DengXian" charset="-122"/>
+                <a:cs typeface="DengXian" charset="-122"/>
+              </a:rPr>
+              <a:t>目前正威国际集团拥有</a:t>
+            </a:r>
+            <a:r>
+              <a:rPr kumimoji="1" lang="en-US" altLang="zh-CN" dirty="0" smtClean="0">
+                <a:solidFill>
+                  <a:srgbClr val="FF0000"/>
+                </a:solidFill>
+                <a:latin typeface="DengXian" charset="-122"/>
+                <a:ea typeface="DengXian" charset="-122"/>
+                <a:cs typeface="DengXian" charset="-122"/>
+              </a:rPr>
+              <a:t>12</a:t>
+            </a:r>
+            <a:r>
+              <a:rPr kumimoji="1" lang="zh-CN" altLang="en-US" dirty="0" smtClean="0">
+                <a:solidFill>
+                  <a:srgbClr val="FF0000"/>
+                </a:solidFill>
+                <a:latin typeface="DengXian" charset="-122"/>
+                <a:ea typeface="DengXian" charset="-122"/>
+                <a:cs typeface="DengXian" charset="-122"/>
+              </a:rPr>
+              <a:t>家以上</a:t>
+            </a:r>
+            <a:r>
+              <a:rPr kumimoji="1" lang="zh-CN" altLang="en-US" dirty="0" smtClean="0">
+                <a:latin typeface="DengXian" charset="-122"/>
+                <a:ea typeface="DengXian" charset="-122"/>
+                <a:cs typeface="DengXian" charset="-122"/>
+              </a:rPr>
+              <a:t>的实业公司</a:t>
+            </a:r>
+            <a:r>
+              <a:rPr kumimoji="1" lang="en-US" altLang="zh-CN" dirty="0" smtClean="0">
+                <a:latin typeface="DengXian" charset="-122"/>
+                <a:ea typeface="DengXian" charset="-122"/>
+                <a:cs typeface="DengXian" charset="-122"/>
+              </a:rPr>
+              <a:t>.</a:t>
+            </a:r>
+          </a:p>
+          <a:p>
+            <a:r>
+              <a:rPr kumimoji="1" lang="zh-CN" altLang="en-US" dirty="0" smtClean="0">
+                <a:latin typeface="DengXian" charset="-122"/>
+                <a:ea typeface="DengXian" charset="-122"/>
+                <a:cs typeface="DengXian" charset="-122"/>
+              </a:rPr>
+              <a:t>从</a:t>
+            </a:r>
+            <a:r>
+              <a:rPr kumimoji="1" lang="en-US" altLang="zh-CN" dirty="0" smtClean="0">
+                <a:latin typeface="DengXian" charset="-122"/>
+                <a:ea typeface="DengXian" charset="-122"/>
+                <a:cs typeface="DengXian" charset="-122"/>
+              </a:rPr>
+              <a:t>2003</a:t>
+            </a:r>
+            <a:r>
+              <a:rPr kumimoji="1" lang="zh-CN" altLang="en-US" dirty="0" smtClean="0">
+                <a:latin typeface="DengXian" charset="-122"/>
+                <a:ea typeface="DengXian" charset="-122"/>
+                <a:cs typeface="DengXian" charset="-122"/>
+              </a:rPr>
+              <a:t>年开始</a:t>
+            </a:r>
+            <a:r>
+              <a:rPr kumimoji="1" lang="en-US" altLang="zh-CN" dirty="0" smtClean="0">
+                <a:latin typeface="DengXian" charset="-122"/>
+                <a:ea typeface="DengXian" charset="-122"/>
+                <a:cs typeface="DengXian" charset="-122"/>
+              </a:rPr>
+              <a:t>,</a:t>
+            </a:r>
+            <a:r>
+              <a:rPr kumimoji="1" lang="zh-CN" altLang="en-US" dirty="0" smtClean="0">
+                <a:latin typeface="DengXian" charset="-122"/>
+                <a:ea typeface="DengXian" charset="-122"/>
+                <a:cs typeface="DengXian" charset="-122"/>
+              </a:rPr>
+              <a:t> 正威集团开始在国内外购买铜矿</a:t>
+            </a:r>
+            <a:r>
+              <a:rPr kumimoji="1" lang="en-US" altLang="zh-CN" dirty="0" smtClean="0">
+                <a:latin typeface="DengXian" charset="-122"/>
+                <a:ea typeface="DengXian" charset="-122"/>
+                <a:cs typeface="DengXian" charset="-122"/>
+              </a:rPr>
+              <a:t>,</a:t>
+            </a:r>
+            <a:r>
+              <a:rPr kumimoji="1" lang="zh-CN" altLang="en-US" dirty="0" smtClean="0">
+                <a:latin typeface="DengXian" charset="-122"/>
+                <a:ea typeface="DengXian" charset="-122"/>
+                <a:cs typeface="DengXian" charset="-122"/>
+              </a:rPr>
+              <a:t> 目前在江西</a:t>
+            </a:r>
+            <a:r>
+              <a:rPr kumimoji="1" lang="en-US" altLang="zh-CN" dirty="0" smtClean="0">
+                <a:latin typeface="DengXian" charset="-122"/>
+                <a:ea typeface="DengXian" charset="-122"/>
+                <a:cs typeface="DengXian" charset="-122"/>
+              </a:rPr>
+              <a:t>,</a:t>
+            </a:r>
+            <a:r>
+              <a:rPr kumimoji="1" lang="zh-CN" altLang="en-US" dirty="0" smtClean="0">
+                <a:latin typeface="DengXian" charset="-122"/>
+                <a:ea typeface="DengXian" charset="-122"/>
+                <a:cs typeface="DengXian" charset="-122"/>
+              </a:rPr>
+              <a:t> 云南</a:t>
+            </a:r>
+            <a:r>
+              <a:rPr kumimoji="1" lang="en-US" altLang="zh-CN" dirty="0" smtClean="0">
+                <a:latin typeface="DengXian" charset="-122"/>
+                <a:ea typeface="DengXian" charset="-122"/>
+                <a:cs typeface="DengXian" charset="-122"/>
+              </a:rPr>
+              <a:t>,</a:t>
+            </a:r>
+            <a:r>
+              <a:rPr kumimoji="1" lang="zh-CN" altLang="en-US" dirty="0" smtClean="0">
+                <a:latin typeface="DengXian" charset="-122"/>
+                <a:ea typeface="DengXian" charset="-122"/>
+                <a:cs typeface="DengXian" charset="-122"/>
+              </a:rPr>
+              <a:t> 内蒙</a:t>
+            </a:r>
+            <a:r>
+              <a:rPr kumimoji="1" lang="en-US" altLang="zh-CN" dirty="0" smtClean="0">
+                <a:latin typeface="DengXian" charset="-122"/>
+                <a:ea typeface="DengXian" charset="-122"/>
+                <a:cs typeface="DengXian" charset="-122"/>
+              </a:rPr>
+              <a:t>,</a:t>
+            </a:r>
+            <a:r>
+              <a:rPr kumimoji="1" lang="zh-CN" altLang="en-US" dirty="0" smtClean="0">
+                <a:latin typeface="DengXian" charset="-122"/>
+                <a:ea typeface="DengXian" charset="-122"/>
+                <a:cs typeface="DengXian" charset="-122"/>
+              </a:rPr>
+              <a:t> 澳大利亚</a:t>
+            </a:r>
+            <a:r>
+              <a:rPr kumimoji="1" lang="en-US" altLang="zh-CN" dirty="0" smtClean="0">
+                <a:latin typeface="DengXian" charset="-122"/>
+                <a:ea typeface="DengXian" charset="-122"/>
+                <a:cs typeface="DengXian" charset="-122"/>
+              </a:rPr>
+              <a:t>,</a:t>
+            </a:r>
+            <a:r>
+              <a:rPr kumimoji="1" lang="zh-CN" altLang="en-US" dirty="0" smtClean="0">
+                <a:latin typeface="DengXian" charset="-122"/>
+                <a:ea typeface="DengXian" charset="-122"/>
+                <a:cs typeface="DengXian" charset="-122"/>
+              </a:rPr>
+              <a:t> 美国</a:t>
+            </a:r>
+            <a:r>
+              <a:rPr kumimoji="1" lang="en-US" altLang="zh-CN" dirty="0" smtClean="0">
+                <a:latin typeface="DengXian" charset="-122"/>
+                <a:ea typeface="DengXian" charset="-122"/>
+                <a:cs typeface="DengXian" charset="-122"/>
+              </a:rPr>
+              <a:t>,</a:t>
+            </a:r>
+            <a:r>
+              <a:rPr kumimoji="1" lang="zh-CN" altLang="en-US" dirty="0" smtClean="0">
+                <a:latin typeface="DengXian" charset="-122"/>
+                <a:ea typeface="DengXian" charset="-122"/>
+                <a:cs typeface="DengXian" charset="-122"/>
+              </a:rPr>
+              <a:t> 赞比亚</a:t>
+            </a:r>
+            <a:r>
+              <a:rPr kumimoji="1" lang="en-US" altLang="zh-CN" dirty="0" smtClean="0">
+                <a:latin typeface="DengXian" charset="-122"/>
+                <a:ea typeface="DengXian" charset="-122"/>
+                <a:cs typeface="DengXian" charset="-122"/>
+              </a:rPr>
+              <a:t>,</a:t>
+            </a:r>
+            <a:r>
+              <a:rPr kumimoji="1" lang="zh-CN" altLang="en-US" dirty="0" smtClean="0">
+                <a:latin typeface="DengXian" charset="-122"/>
+                <a:ea typeface="DengXian" charset="-122"/>
+                <a:cs typeface="DengXian" charset="-122"/>
+              </a:rPr>
+              <a:t> 智利</a:t>
+            </a:r>
+            <a:r>
+              <a:rPr kumimoji="1" lang="en-US" altLang="zh-CN" dirty="0" smtClean="0">
+                <a:latin typeface="DengXian" charset="-122"/>
+                <a:ea typeface="DengXian" charset="-122"/>
+                <a:cs typeface="DengXian" charset="-122"/>
+              </a:rPr>
+              <a:t>,</a:t>
+            </a:r>
+            <a:r>
+              <a:rPr kumimoji="1" lang="zh-CN" altLang="en-US" dirty="0" smtClean="0">
+                <a:latin typeface="DengXian" charset="-122"/>
+                <a:ea typeface="DengXian" charset="-122"/>
+                <a:cs typeface="DengXian" charset="-122"/>
+              </a:rPr>
+              <a:t> 刚果</a:t>
+            </a:r>
+            <a:r>
+              <a:rPr kumimoji="1" lang="en-US" altLang="zh-CN" dirty="0" smtClean="0">
+                <a:latin typeface="DengXian" charset="-122"/>
+                <a:ea typeface="DengXian" charset="-122"/>
+                <a:cs typeface="DengXian" charset="-122"/>
+              </a:rPr>
+              <a:t>,</a:t>
+            </a:r>
+            <a:r>
+              <a:rPr kumimoji="1" lang="zh-CN" altLang="en-US" dirty="0" smtClean="0">
+                <a:latin typeface="DengXian" charset="-122"/>
+                <a:ea typeface="DengXian" charset="-122"/>
+                <a:cs typeface="DengXian" charset="-122"/>
+              </a:rPr>
+              <a:t> 南非等国家和地区拥有</a:t>
+            </a:r>
+            <a:r>
+              <a:rPr kumimoji="1" lang="zh-CN" altLang="en-US" dirty="0" smtClean="0">
+                <a:solidFill>
+                  <a:srgbClr val="FF0000"/>
+                </a:solidFill>
+                <a:latin typeface="DengXian" charset="-122"/>
+                <a:ea typeface="DengXian" charset="-122"/>
+                <a:cs typeface="DengXian" charset="-122"/>
+              </a:rPr>
+              <a:t>超过</a:t>
+            </a:r>
+            <a:r>
+              <a:rPr kumimoji="1" lang="en-US" altLang="zh-CN" dirty="0" smtClean="0">
+                <a:solidFill>
+                  <a:srgbClr val="FF0000"/>
+                </a:solidFill>
+                <a:latin typeface="DengXian" charset="-122"/>
+                <a:ea typeface="DengXian" charset="-122"/>
+                <a:cs typeface="DengXian" charset="-122"/>
+              </a:rPr>
+              <a:t>10</a:t>
+            </a:r>
+            <a:r>
+              <a:rPr kumimoji="1" lang="zh-CN" altLang="en-US" dirty="0" smtClean="0">
+                <a:solidFill>
+                  <a:srgbClr val="FF0000"/>
+                </a:solidFill>
+                <a:latin typeface="DengXian" charset="-122"/>
+                <a:ea typeface="DengXian" charset="-122"/>
+                <a:cs typeface="DengXian" charset="-122"/>
+              </a:rPr>
+              <a:t>座以上</a:t>
+            </a:r>
+            <a:r>
+              <a:rPr kumimoji="1" lang="zh-CN" altLang="en-US" dirty="0" smtClean="0">
+                <a:latin typeface="DengXian" charset="-122"/>
+                <a:ea typeface="DengXian" charset="-122"/>
+                <a:cs typeface="DengXian" charset="-122"/>
+              </a:rPr>
+              <a:t>的矿产资源</a:t>
+            </a:r>
+            <a:r>
+              <a:rPr kumimoji="1" lang="en-US" altLang="zh-CN" dirty="0" smtClean="0">
+                <a:latin typeface="DengXian" charset="-122"/>
+                <a:ea typeface="DengXian" charset="-122"/>
+                <a:cs typeface="DengXian" charset="-122"/>
+              </a:rPr>
+              <a:t>.</a:t>
+            </a:r>
+            <a:r>
+              <a:rPr kumimoji="1" lang="zh-CN" altLang="en-US" dirty="0" smtClean="0">
+                <a:latin typeface="DengXian" charset="-122"/>
+                <a:ea typeface="DengXian" charset="-122"/>
+                <a:cs typeface="DengXian" charset="-122"/>
+              </a:rPr>
+              <a:t> 集团目前公开的数据在其英文网站上的披露数据</a:t>
+            </a:r>
+            <a:r>
+              <a:rPr kumimoji="1" lang="en-US" altLang="zh-CN" dirty="0" smtClean="0">
+                <a:latin typeface="DengXian" charset="-122"/>
+                <a:ea typeface="DengXian" charset="-122"/>
+                <a:cs typeface="DengXian" charset="-122"/>
+              </a:rPr>
+              <a:t>,</a:t>
+            </a:r>
+            <a:r>
+              <a:rPr kumimoji="1" lang="zh-CN" altLang="en-US" dirty="0" smtClean="0">
+                <a:latin typeface="DengXian" charset="-122"/>
+                <a:ea typeface="DengXian" charset="-122"/>
+                <a:cs typeface="DengXian" charset="-122"/>
+              </a:rPr>
+              <a:t> 集团在全球拥有超过</a:t>
+            </a:r>
+            <a:r>
+              <a:rPr kumimoji="1" lang="en-US" altLang="zh-CN" dirty="0" smtClean="0">
+                <a:solidFill>
+                  <a:srgbClr val="FF0000"/>
+                </a:solidFill>
+                <a:latin typeface="DengXian" charset="-122"/>
+                <a:ea typeface="DengXian" charset="-122"/>
+                <a:cs typeface="DengXian" charset="-122"/>
+              </a:rPr>
+              <a:t>1000</a:t>
+            </a:r>
+            <a:r>
+              <a:rPr kumimoji="1" lang="zh-CN" altLang="en-US" dirty="0" smtClean="0">
+                <a:solidFill>
+                  <a:srgbClr val="FF0000"/>
+                </a:solidFill>
+                <a:latin typeface="DengXian" charset="-122"/>
+                <a:ea typeface="DengXian" charset="-122"/>
+                <a:cs typeface="DengXian" charset="-122"/>
+              </a:rPr>
+              <a:t>平方公里的采矿区</a:t>
+            </a:r>
+            <a:r>
+              <a:rPr kumimoji="1" lang="en-US" altLang="zh-CN" dirty="0" smtClean="0">
+                <a:solidFill>
+                  <a:srgbClr val="FF0000"/>
+                </a:solidFill>
+                <a:latin typeface="DengXian" charset="-122"/>
+                <a:ea typeface="DengXian" charset="-122"/>
+                <a:cs typeface="DengXian" charset="-122"/>
+              </a:rPr>
+              <a:t>,</a:t>
+            </a:r>
+            <a:r>
+              <a:rPr kumimoji="1" lang="zh-CN" altLang="en-US" dirty="0" smtClean="0">
+                <a:solidFill>
+                  <a:srgbClr val="FF0000"/>
+                </a:solidFill>
+                <a:latin typeface="DengXian" charset="-122"/>
+                <a:ea typeface="DengXian" charset="-122"/>
+                <a:cs typeface="DengXian" charset="-122"/>
+              </a:rPr>
+              <a:t> </a:t>
+            </a:r>
+            <a:r>
+              <a:rPr kumimoji="1" lang="en-US" altLang="zh-CN" dirty="0" smtClean="0">
+                <a:solidFill>
+                  <a:srgbClr val="FF0000"/>
+                </a:solidFill>
+                <a:latin typeface="DengXian" charset="-122"/>
+                <a:ea typeface="DengXian" charset="-122"/>
+                <a:cs typeface="DengXian" charset="-122"/>
+              </a:rPr>
+              <a:t>10,000</a:t>
+            </a:r>
+            <a:r>
+              <a:rPr kumimoji="1" lang="zh-CN" altLang="en-US" dirty="0" smtClean="0">
+                <a:solidFill>
+                  <a:srgbClr val="FF0000"/>
+                </a:solidFill>
+                <a:latin typeface="DengXian" charset="-122"/>
+                <a:ea typeface="DengXian" charset="-122"/>
+                <a:cs typeface="DengXian" charset="-122"/>
+              </a:rPr>
+              <a:t>平方公里的矿区面积</a:t>
+            </a:r>
+            <a:r>
+              <a:rPr kumimoji="1" lang="en-US" altLang="zh-CN" dirty="0" smtClean="0">
+                <a:solidFill>
+                  <a:srgbClr val="FF0000"/>
+                </a:solidFill>
+                <a:latin typeface="DengXian" charset="-122"/>
+                <a:ea typeface="DengXian" charset="-122"/>
+                <a:cs typeface="DengXian" charset="-122"/>
+              </a:rPr>
+              <a:t>,</a:t>
+            </a:r>
+            <a:r>
+              <a:rPr kumimoji="1" lang="zh-CN" altLang="en-US" dirty="0" smtClean="0">
+                <a:solidFill>
+                  <a:srgbClr val="FF0000"/>
+                </a:solidFill>
+                <a:latin typeface="DengXian" charset="-122"/>
+                <a:ea typeface="DengXian" charset="-122"/>
+                <a:cs typeface="DengXian" charset="-122"/>
+              </a:rPr>
+              <a:t> </a:t>
+            </a:r>
+            <a:r>
+              <a:rPr kumimoji="1" lang="en-US" altLang="zh-CN" dirty="0" smtClean="0">
+                <a:solidFill>
+                  <a:srgbClr val="FF0000"/>
+                </a:solidFill>
+                <a:latin typeface="DengXian" charset="-122"/>
+                <a:ea typeface="DengXian" charset="-122"/>
+                <a:cs typeface="DengXian" charset="-122"/>
+              </a:rPr>
+              <a:t>100,000</a:t>
+            </a:r>
+            <a:r>
+              <a:rPr kumimoji="1" lang="zh-CN" altLang="en-US" dirty="0" smtClean="0">
+                <a:solidFill>
+                  <a:srgbClr val="FF0000"/>
+                </a:solidFill>
+                <a:latin typeface="DengXian" charset="-122"/>
+                <a:ea typeface="DengXian" charset="-122"/>
+                <a:cs typeface="DengXian" charset="-122"/>
+              </a:rPr>
+              <a:t>平方公里探矿权面积</a:t>
+            </a:r>
+            <a:r>
+              <a:rPr kumimoji="1" lang="en-US" altLang="zh-CN" dirty="0" smtClean="0">
+                <a:latin typeface="DengXian" charset="-122"/>
+                <a:ea typeface="DengXian" charset="-122"/>
+                <a:cs typeface="DengXian" charset="-122"/>
+              </a:rPr>
+              <a:t>,</a:t>
+            </a:r>
+            <a:r>
+              <a:rPr kumimoji="1" lang="zh-CN" altLang="en-US" dirty="0" smtClean="0">
+                <a:latin typeface="DengXian" charset="-122"/>
+                <a:ea typeface="DengXian" charset="-122"/>
+                <a:cs typeface="DengXian" charset="-122"/>
+              </a:rPr>
+              <a:t> 已探明矿产资源储量总价值超过</a:t>
+            </a:r>
+            <a:r>
+              <a:rPr kumimoji="1" lang="en-US" altLang="zh-CN" dirty="0" smtClean="0">
+                <a:solidFill>
+                  <a:srgbClr val="FF0000"/>
+                </a:solidFill>
+                <a:latin typeface="DengXian" charset="-122"/>
+                <a:ea typeface="DengXian" charset="-122"/>
+                <a:cs typeface="DengXian" charset="-122"/>
+              </a:rPr>
+              <a:t>10</a:t>
+            </a:r>
+            <a:r>
+              <a:rPr kumimoji="1" lang="zh-CN" altLang="en-US" dirty="0" smtClean="0">
+                <a:solidFill>
+                  <a:srgbClr val="FF0000"/>
+                </a:solidFill>
+                <a:latin typeface="DengXian" charset="-122"/>
+                <a:ea typeface="DengXian" charset="-122"/>
+                <a:cs typeface="DengXian" charset="-122"/>
+              </a:rPr>
+              <a:t>万亿元人民币</a:t>
+            </a:r>
+            <a:r>
+              <a:rPr kumimoji="1" lang="en-US" altLang="zh-CN" dirty="0" smtClean="0">
+                <a:latin typeface="DengXian" charset="-122"/>
+                <a:ea typeface="DengXian" charset="-122"/>
+                <a:cs typeface="DengXian" charset="-122"/>
+              </a:rPr>
+              <a:t>.</a:t>
+            </a:r>
+            <a:endParaRPr kumimoji="1" lang="zh-CN" altLang="en-US" dirty="0">
+              <a:latin typeface="DengXian" charset="-122"/>
+              <a:ea typeface="DengXian" charset="-122"/>
+              <a:cs typeface="DengXian" charset="-122"/>
+            </a:endParaRPr>
+          </a:p>
+        </p:txBody>
+      </p:sp>
+    </p:spTree>
+    <p:extLst>
+      <p:ext uri="{BB962C8B-B14F-4D97-AF65-F5344CB8AC3E}">
+        <p14:creationId xmlns:p14="http://schemas.microsoft.com/office/powerpoint/2010/main" val="1512101257"/>
+      </p:ext>
+    </p:extLst>
+  </p:cSld>
+  <p:clrMapOvr>
+    <a:masterClrMapping/>
+  </p:clrMapOvr>
+  <p:transition spd="med"/>
+</p:sld>
+</file>
+
+<file path=ppt/slides/slide19.xml><?xml version="1.0" encoding="utf-8"?>
+<p:sld xmlns:a="http://schemas.openxmlformats.org/drawingml/2006/main" xmlns:r="http://schemas.openxmlformats.org/officeDocument/2006/relationships" xmlns:p="http://schemas.openxmlformats.org/presentationml/2006/main">
+  <p:cSld>
+    <p:spTree>
+      <p:nvGrpSpPr>
+        <p:cNvPr id="1" name=""/>
+        <p:cNvGrpSpPr/>
+        <p:nvPr/>
+      </p:nvGrpSpPr>
+      <p:grpSpPr>
+        <a:xfrm>
+          <a:off x="0" y="0"/>
+          <a:ext cx="0" cy="0"/>
+          <a:chOff x="0" y="0"/>
+          <a:chExt cx="0" cy="0"/>
+        </a:xfrm>
+      </p:grpSpPr>
+      <p:graphicFrame>
+        <p:nvGraphicFramePr>
+          <p:cNvPr id="3" name="图表 2"/>
+          <p:cNvGraphicFramePr/>
+          <p:nvPr>
+            <p:extLst>
+              <p:ext uri="{D42A27DB-BD31-4B8C-83A1-F6EECF244321}">
+                <p14:modId xmlns:p14="http://schemas.microsoft.com/office/powerpoint/2010/main" val="2146409633"/>
+              </p:ext>
+            </p:extLst>
+          </p:nvPr>
+        </p:nvGraphicFramePr>
+        <p:xfrm>
+          <a:off x="641445" y="545910"/>
+          <a:ext cx="11627892" cy="8679975"/>
+        </p:xfrm>
+        <a:graphic>
+          <a:graphicData uri="http://schemas.openxmlformats.org/drawingml/2006/chart">
+            <c:chart xmlns:c="http://schemas.openxmlformats.org/drawingml/2006/chart" xmlns:r="http://schemas.openxmlformats.org/officeDocument/2006/relationships" r:id="rId2"/>
+          </a:graphicData>
+        </a:graphic>
+      </p:graphicFrame>
+    </p:spTree>
+    <p:extLst>
+      <p:ext uri="{BB962C8B-B14F-4D97-AF65-F5344CB8AC3E}">
+        <p14:creationId xmlns:p14="http://schemas.microsoft.com/office/powerpoint/2010/main" val="1161412035"/>
       </p:ext>
     </p:extLst>
   </p:cSld>
@@ -9195,6 +12000,3695 @@
       </p:par>
     </p:tnLst>
   </p:timing>
+</p:sld>
+</file>
+
+<file path=ppt/slides/slide20.xml><?xml version="1.0" encoding="utf-8"?>
+<p:sld xmlns:a="http://schemas.openxmlformats.org/drawingml/2006/main" xmlns:r="http://schemas.openxmlformats.org/officeDocument/2006/relationships" xmlns:p="http://schemas.openxmlformats.org/presentationml/2006/main">
+  <p:cSld>
+    <p:spTree>
+      <p:nvGrpSpPr>
+        <p:cNvPr id="1" name=""/>
+        <p:cNvGrpSpPr/>
+        <p:nvPr/>
+      </p:nvGrpSpPr>
+      <p:grpSpPr>
+        <a:xfrm>
+          <a:off x="0" y="0"/>
+          <a:ext cx="0" cy="0"/>
+          <a:chOff x="0" y="0"/>
+          <a:chExt cx="0" cy="0"/>
+        </a:xfrm>
+      </p:grpSpPr>
+      <p:sp>
+        <p:nvSpPr>
+          <p:cNvPr id="2" name="标题 1"/>
+          <p:cNvSpPr>
+            <a:spLocks noGrp="1"/>
+          </p:cNvSpPr>
+          <p:nvPr>
+            <p:ph type="title"/>
+          </p:nvPr>
+        </p:nvSpPr>
+        <p:spPr/>
+        <p:txBody>
+          <a:bodyPr/>
+          <a:lstStyle/>
+          <a:p>
+            <a:r>
+              <a:rPr kumimoji="1" lang="zh-CN" altLang="en-US" dirty="0" smtClean="0">
+                <a:latin typeface="DengXian" charset="-122"/>
+                <a:ea typeface="DengXian" charset="-122"/>
+                <a:cs typeface="DengXian" charset="-122"/>
+              </a:rPr>
+              <a:t>铜矿储量分析</a:t>
+            </a:r>
+            <a:endParaRPr kumimoji="1" lang="zh-CN" altLang="en-US" dirty="0">
+              <a:latin typeface="DengXian" charset="-122"/>
+              <a:ea typeface="DengXian" charset="-122"/>
+              <a:cs typeface="DengXian" charset="-122"/>
+            </a:endParaRPr>
+          </a:p>
+        </p:txBody>
+      </p:sp>
+      <p:sp>
+        <p:nvSpPr>
+          <p:cNvPr id="3" name="文本占位符 2"/>
+          <p:cNvSpPr>
+            <a:spLocks noGrp="1"/>
+          </p:cNvSpPr>
+          <p:nvPr>
+            <p:ph type="body" sz="half" idx="1"/>
+          </p:nvPr>
+        </p:nvSpPr>
+        <p:spPr/>
+        <p:txBody>
+          <a:bodyPr>
+            <a:normAutofit lnSpcReduction="10000"/>
+          </a:bodyPr>
+          <a:lstStyle/>
+          <a:p>
+            <a:r>
+              <a:rPr kumimoji="1" lang="zh-CN" altLang="en-US" dirty="0" smtClean="0">
+                <a:latin typeface="DengXian" charset="-122"/>
+                <a:ea typeface="DengXian" charset="-122"/>
+                <a:cs typeface="DengXian" charset="-122"/>
+              </a:rPr>
+              <a:t>美国地质调查局公布的</a:t>
+            </a:r>
+            <a:r>
+              <a:rPr kumimoji="1" lang="en-US" altLang="zh-CN" dirty="0" smtClean="0">
+                <a:latin typeface="DengXian" charset="-122"/>
+                <a:ea typeface="DengXian" charset="-122"/>
+                <a:cs typeface="DengXian" charset="-122"/>
+              </a:rPr>
+              <a:t>Mineral</a:t>
+            </a:r>
+            <a:r>
+              <a:rPr kumimoji="1" lang="zh-CN" altLang="en-US" dirty="0" smtClean="0">
+                <a:latin typeface="DengXian" charset="-122"/>
+                <a:ea typeface="DengXian" charset="-122"/>
+                <a:cs typeface="DengXian" charset="-122"/>
+              </a:rPr>
+              <a:t> </a:t>
+            </a:r>
+            <a:r>
+              <a:rPr kumimoji="1" lang="en-US" altLang="zh-CN" dirty="0" smtClean="0">
+                <a:latin typeface="DengXian" charset="-122"/>
+                <a:ea typeface="DengXian" charset="-122"/>
+                <a:cs typeface="DengXian" charset="-122"/>
+              </a:rPr>
+              <a:t>Commodity</a:t>
+            </a:r>
+            <a:r>
+              <a:rPr kumimoji="1" lang="zh-CN" altLang="en-US" dirty="0" smtClean="0">
+                <a:latin typeface="DengXian" charset="-122"/>
+                <a:ea typeface="DengXian" charset="-122"/>
+                <a:cs typeface="DengXian" charset="-122"/>
+              </a:rPr>
+              <a:t> </a:t>
+            </a:r>
+            <a:r>
+              <a:rPr kumimoji="1" lang="en-US" altLang="zh-CN" dirty="0" smtClean="0">
+                <a:latin typeface="DengXian" charset="-122"/>
+                <a:ea typeface="DengXian" charset="-122"/>
+                <a:cs typeface="DengXian" charset="-122"/>
+              </a:rPr>
+              <a:t>Summaries</a:t>
+            </a:r>
+            <a:r>
+              <a:rPr kumimoji="1" lang="zh-CN" altLang="en-US" dirty="0" smtClean="0">
+                <a:latin typeface="DengXian" charset="-122"/>
+                <a:ea typeface="DengXian" charset="-122"/>
+                <a:cs typeface="DengXian" charset="-122"/>
+              </a:rPr>
+              <a:t> </a:t>
+            </a:r>
+            <a:r>
+              <a:rPr kumimoji="1" lang="en-US" altLang="zh-CN" dirty="0" smtClean="0">
+                <a:latin typeface="DengXian" charset="-122"/>
+                <a:ea typeface="DengXian" charset="-122"/>
+                <a:cs typeface="DengXian" charset="-122"/>
+              </a:rPr>
+              <a:t>2017</a:t>
+            </a:r>
+            <a:r>
+              <a:rPr kumimoji="1" lang="zh-CN" altLang="en-US" dirty="0" smtClean="0">
+                <a:latin typeface="DengXian" charset="-122"/>
+                <a:ea typeface="DengXian" charset="-122"/>
+                <a:cs typeface="DengXian" charset="-122"/>
+              </a:rPr>
+              <a:t>数据显示</a:t>
+            </a:r>
+            <a:r>
+              <a:rPr kumimoji="1" lang="en-US" altLang="zh-CN" dirty="0" smtClean="0">
+                <a:latin typeface="DengXian" charset="-122"/>
+                <a:ea typeface="DengXian" charset="-122"/>
+                <a:cs typeface="DengXian" charset="-122"/>
+              </a:rPr>
+              <a:t>,</a:t>
+            </a:r>
+            <a:r>
+              <a:rPr kumimoji="1" lang="zh-CN" altLang="en-US" dirty="0" smtClean="0">
+                <a:latin typeface="DengXian" charset="-122"/>
+                <a:ea typeface="DengXian" charset="-122"/>
+                <a:cs typeface="DengXian" charset="-122"/>
+              </a:rPr>
+              <a:t> 目前全球铜矿储量约为</a:t>
+            </a:r>
+            <a:r>
+              <a:rPr kumimoji="1" lang="en-US" altLang="zh-CN" dirty="0" smtClean="0">
+                <a:latin typeface="DengXian" charset="-122"/>
+                <a:ea typeface="DengXian" charset="-122"/>
+                <a:cs typeface="DengXian" charset="-122"/>
+              </a:rPr>
+              <a:t>72000</a:t>
+            </a:r>
+            <a:r>
+              <a:rPr kumimoji="1" lang="zh-CN" altLang="en-US" dirty="0" smtClean="0">
+                <a:latin typeface="DengXian" charset="-122"/>
+                <a:ea typeface="DengXian" charset="-122"/>
+                <a:cs typeface="DengXian" charset="-122"/>
+              </a:rPr>
+              <a:t>万吨</a:t>
+            </a:r>
+            <a:r>
+              <a:rPr kumimoji="1" lang="en-US" altLang="zh-CN" dirty="0" smtClean="0">
+                <a:latin typeface="DengXian" charset="-122"/>
+                <a:ea typeface="DengXian" charset="-122"/>
+                <a:cs typeface="DengXian" charset="-122"/>
+              </a:rPr>
+              <a:t>,</a:t>
+            </a:r>
+            <a:r>
+              <a:rPr kumimoji="1" lang="zh-CN" altLang="en-US" dirty="0" smtClean="0">
+                <a:latin typeface="DengXian" charset="-122"/>
+                <a:ea typeface="DengXian" charset="-122"/>
+                <a:cs typeface="DengXian" charset="-122"/>
+              </a:rPr>
+              <a:t> 其中中国以</a:t>
+            </a:r>
+            <a:r>
+              <a:rPr kumimoji="1" lang="en-US" altLang="zh-CN" dirty="0" smtClean="0">
+                <a:latin typeface="DengXian" charset="-122"/>
+                <a:ea typeface="DengXian" charset="-122"/>
+                <a:cs typeface="DengXian" charset="-122"/>
+              </a:rPr>
+              <a:t>2800</a:t>
+            </a:r>
+            <a:r>
+              <a:rPr kumimoji="1" lang="zh-CN" altLang="en-US" dirty="0" smtClean="0">
+                <a:latin typeface="DengXian" charset="-122"/>
+                <a:ea typeface="DengXian" charset="-122"/>
+                <a:cs typeface="DengXian" charset="-122"/>
+              </a:rPr>
+              <a:t>万吨占</a:t>
+            </a:r>
+            <a:r>
+              <a:rPr kumimoji="1" lang="en-US" altLang="zh-CN" dirty="0" smtClean="0">
+                <a:latin typeface="DengXian" charset="-122"/>
+                <a:ea typeface="DengXian" charset="-122"/>
+                <a:cs typeface="DengXian" charset="-122"/>
+              </a:rPr>
+              <a:t>4%.</a:t>
+            </a:r>
+          </a:p>
+          <a:p>
+            <a:r>
+              <a:rPr kumimoji="1" lang="zh-CN" altLang="en-US" dirty="0" smtClean="0">
+                <a:latin typeface="DengXian" charset="-122"/>
+                <a:ea typeface="DengXian" charset="-122"/>
+                <a:cs typeface="DengXian" charset="-122"/>
+              </a:rPr>
+              <a:t>根据相关公开数据</a:t>
+            </a:r>
+            <a:r>
+              <a:rPr kumimoji="1" lang="en-US" altLang="zh-CN" dirty="0" smtClean="0">
+                <a:latin typeface="DengXian" charset="-122"/>
+                <a:ea typeface="DengXian" charset="-122"/>
+                <a:cs typeface="DengXian" charset="-122"/>
+              </a:rPr>
+              <a:t>,</a:t>
+            </a:r>
+            <a:r>
+              <a:rPr kumimoji="1" lang="zh-CN" altLang="en-US" dirty="0" smtClean="0">
+                <a:latin typeface="DengXian" charset="-122"/>
+                <a:ea typeface="DengXian" charset="-122"/>
+                <a:cs typeface="DengXian" charset="-122"/>
+              </a:rPr>
+              <a:t> 正威国际集团掌握的铜矿资源总储量接近</a:t>
+            </a:r>
+            <a:r>
+              <a:rPr kumimoji="1" lang="en-US" altLang="zh-CN" dirty="0" smtClean="0">
+                <a:latin typeface="DengXian" charset="-122"/>
+                <a:ea typeface="DengXian" charset="-122"/>
+                <a:cs typeface="DengXian" charset="-122"/>
+              </a:rPr>
+              <a:t>3000</a:t>
+            </a:r>
+            <a:r>
+              <a:rPr kumimoji="1" lang="zh-CN" altLang="en-US" dirty="0" smtClean="0">
+                <a:latin typeface="DengXian" charset="-122"/>
+                <a:ea typeface="DengXian" charset="-122"/>
+                <a:cs typeface="DengXian" charset="-122"/>
+              </a:rPr>
+              <a:t>万吨</a:t>
+            </a:r>
+            <a:r>
+              <a:rPr kumimoji="1" lang="en-US" altLang="zh-CN" dirty="0" smtClean="0">
+                <a:latin typeface="DengXian" charset="-122"/>
+                <a:ea typeface="DengXian" charset="-122"/>
+                <a:cs typeface="DengXian" charset="-122"/>
+              </a:rPr>
+              <a:t>,</a:t>
+            </a:r>
+            <a:r>
+              <a:rPr kumimoji="1" lang="zh-CN" altLang="en-US" dirty="0" smtClean="0">
+                <a:latin typeface="DengXian" charset="-122"/>
+                <a:ea typeface="DengXian" charset="-122"/>
+                <a:cs typeface="DengXian" charset="-122"/>
+              </a:rPr>
+              <a:t> 与中国铜矿保有量相当</a:t>
+            </a:r>
+            <a:r>
+              <a:rPr kumimoji="1" lang="en-US" altLang="zh-CN" dirty="0" smtClean="0">
+                <a:latin typeface="DengXian" charset="-122"/>
+                <a:ea typeface="DengXian" charset="-122"/>
+                <a:cs typeface="DengXian" charset="-122"/>
+              </a:rPr>
+              <a:t>.</a:t>
+            </a:r>
+          </a:p>
+        </p:txBody>
+      </p:sp>
+      <p:graphicFrame>
+        <p:nvGraphicFramePr>
+          <p:cNvPr id="5" name="图表 4"/>
+          <p:cNvGraphicFramePr/>
+          <p:nvPr>
+            <p:extLst>
+              <p:ext uri="{D42A27DB-BD31-4B8C-83A1-F6EECF244321}">
+                <p14:modId xmlns:p14="http://schemas.microsoft.com/office/powerpoint/2010/main" val="1540664061"/>
+              </p:ext>
+            </p:extLst>
+          </p:nvPr>
+        </p:nvGraphicFramePr>
+        <p:xfrm>
+          <a:off x="6573795" y="1952368"/>
+          <a:ext cx="6240161" cy="7537621"/>
+        </p:xfrm>
+        <a:graphic>
+          <a:graphicData uri="http://schemas.openxmlformats.org/drawingml/2006/chart">
+            <c:chart xmlns:c="http://schemas.openxmlformats.org/drawingml/2006/chart" xmlns:r="http://schemas.openxmlformats.org/officeDocument/2006/relationships" r:id="rId2"/>
+          </a:graphicData>
+        </a:graphic>
+      </p:graphicFrame>
+    </p:spTree>
+    <p:extLst>
+      <p:ext uri="{BB962C8B-B14F-4D97-AF65-F5344CB8AC3E}">
+        <p14:creationId xmlns:p14="http://schemas.microsoft.com/office/powerpoint/2010/main" val="73952451"/>
+      </p:ext>
+    </p:extLst>
+  </p:cSld>
+  <p:clrMapOvr>
+    <a:masterClrMapping/>
+  </p:clrMapOvr>
+  <p:transition spd="med"/>
+</p:sld>
+</file>
+
+<file path=ppt/slides/slide21.xml><?xml version="1.0" encoding="utf-8"?>
+<p:sld xmlns:a="http://schemas.openxmlformats.org/drawingml/2006/main" xmlns:r="http://schemas.openxmlformats.org/officeDocument/2006/relationships" xmlns:p="http://schemas.openxmlformats.org/presentationml/2006/main">
+  <p:cSld>
+    <p:spTree>
+      <p:nvGrpSpPr>
+        <p:cNvPr id="1" name=""/>
+        <p:cNvGrpSpPr/>
+        <p:nvPr/>
+      </p:nvGrpSpPr>
+      <p:grpSpPr>
+        <a:xfrm>
+          <a:off x="0" y="0"/>
+          <a:ext cx="0" cy="0"/>
+          <a:chOff x="0" y="0"/>
+          <a:chExt cx="0" cy="0"/>
+        </a:xfrm>
+      </p:grpSpPr>
+      <p:sp>
+        <p:nvSpPr>
+          <p:cNvPr id="2" name="标题 1"/>
+          <p:cNvSpPr>
+            <a:spLocks noGrp="1"/>
+          </p:cNvSpPr>
+          <p:nvPr>
+            <p:ph type="title"/>
+          </p:nvPr>
+        </p:nvSpPr>
+        <p:spPr/>
+        <p:txBody>
+          <a:bodyPr/>
+          <a:lstStyle/>
+          <a:p>
+            <a:r>
+              <a:rPr kumimoji="1" lang="zh-CN" altLang="en-US" dirty="0" smtClean="0">
+                <a:latin typeface="DengXian" charset="-122"/>
+                <a:ea typeface="DengXian" charset="-122"/>
+                <a:cs typeface="DengXian" charset="-122"/>
+              </a:rPr>
+              <a:t>财务及上市计划</a:t>
+            </a:r>
+            <a:endParaRPr kumimoji="1" lang="zh-CN" altLang="en-US" dirty="0">
+              <a:latin typeface="DengXian" charset="-122"/>
+              <a:ea typeface="DengXian" charset="-122"/>
+              <a:cs typeface="DengXian" charset="-122"/>
+            </a:endParaRPr>
+          </a:p>
+        </p:txBody>
+      </p:sp>
+      <p:sp>
+        <p:nvSpPr>
+          <p:cNvPr id="3" name="文本占位符 2"/>
+          <p:cNvSpPr>
+            <a:spLocks noGrp="1"/>
+          </p:cNvSpPr>
+          <p:nvPr>
+            <p:ph type="body" idx="1"/>
+          </p:nvPr>
+        </p:nvSpPr>
+        <p:spPr/>
+        <p:txBody>
+          <a:bodyPr>
+            <a:normAutofit lnSpcReduction="10000"/>
+          </a:bodyPr>
+          <a:lstStyle/>
+          <a:p>
+            <a:r>
+              <a:rPr kumimoji="1" lang="zh-CN" altLang="en-US" dirty="0" smtClean="0">
+                <a:latin typeface="DengXian" charset="-122"/>
+                <a:ea typeface="DengXian" charset="-122"/>
+                <a:cs typeface="DengXian" charset="-122"/>
+              </a:rPr>
+              <a:t>目前正威国际集团的年营业收入约为</a:t>
+            </a:r>
+            <a:r>
+              <a:rPr kumimoji="1" lang="en-US" altLang="zh-CN" dirty="0" smtClean="0">
+                <a:solidFill>
+                  <a:srgbClr val="FF0000"/>
+                </a:solidFill>
+                <a:latin typeface="DengXian" charset="-122"/>
+                <a:ea typeface="DengXian" charset="-122"/>
+                <a:cs typeface="DengXian" charset="-122"/>
+              </a:rPr>
+              <a:t>3300</a:t>
+            </a:r>
+            <a:r>
+              <a:rPr kumimoji="1" lang="zh-CN" altLang="en-US" dirty="0" smtClean="0">
+                <a:solidFill>
+                  <a:srgbClr val="FF0000"/>
+                </a:solidFill>
+                <a:latin typeface="DengXian" charset="-122"/>
+                <a:ea typeface="DengXian" charset="-122"/>
+                <a:cs typeface="DengXian" charset="-122"/>
+              </a:rPr>
+              <a:t>亿人民币</a:t>
+            </a:r>
+            <a:r>
+              <a:rPr kumimoji="1" lang="en-US" altLang="zh-CN" dirty="0" smtClean="0">
+                <a:latin typeface="DengXian" charset="-122"/>
+                <a:ea typeface="DengXian" charset="-122"/>
+                <a:cs typeface="DengXian" charset="-122"/>
+              </a:rPr>
+              <a:t>,</a:t>
+            </a:r>
+            <a:r>
+              <a:rPr kumimoji="1" lang="zh-CN" altLang="en-US" dirty="0" smtClean="0">
+                <a:latin typeface="DengXian" charset="-122"/>
+                <a:ea typeface="DengXian" charset="-122"/>
+                <a:cs typeface="DengXian" charset="-122"/>
+              </a:rPr>
+              <a:t> 利润超过</a:t>
+            </a:r>
+            <a:r>
+              <a:rPr kumimoji="1" lang="en-US" altLang="zh-CN" dirty="0" smtClean="0">
+                <a:solidFill>
+                  <a:srgbClr val="FF0000"/>
+                </a:solidFill>
+                <a:latin typeface="DengXian" charset="-122"/>
+                <a:ea typeface="DengXian" charset="-122"/>
+                <a:cs typeface="DengXian" charset="-122"/>
+              </a:rPr>
+              <a:t>79</a:t>
+            </a:r>
+            <a:r>
+              <a:rPr kumimoji="1" lang="zh-CN" altLang="en-US" dirty="0" smtClean="0">
+                <a:solidFill>
+                  <a:srgbClr val="FF0000"/>
+                </a:solidFill>
+                <a:latin typeface="DengXian" charset="-122"/>
+                <a:ea typeface="DengXian" charset="-122"/>
+                <a:cs typeface="DengXian" charset="-122"/>
+              </a:rPr>
+              <a:t>亿人民币</a:t>
+            </a:r>
+            <a:r>
+              <a:rPr kumimoji="1" lang="en-US" altLang="zh-CN" dirty="0" smtClean="0">
+                <a:latin typeface="DengXian" charset="-122"/>
+                <a:ea typeface="DengXian" charset="-122"/>
+                <a:cs typeface="DengXian" charset="-122"/>
+              </a:rPr>
+              <a:t>,</a:t>
+            </a:r>
+            <a:r>
+              <a:rPr kumimoji="1" lang="zh-CN" altLang="en-US" dirty="0" smtClean="0">
+                <a:latin typeface="DengXian" charset="-122"/>
+                <a:ea typeface="DengXian" charset="-122"/>
+                <a:cs typeface="DengXian" charset="-122"/>
+              </a:rPr>
+              <a:t> 其中铜业业务约为</a:t>
+            </a:r>
+            <a:r>
+              <a:rPr kumimoji="1" lang="en-US" altLang="zh-CN" dirty="0" smtClean="0">
+                <a:latin typeface="DengXian" charset="-122"/>
+                <a:ea typeface="DengXian" charset="-122"/>
+                <a:cs typeface="DengXian" charset="-122"/>
+              </a:rPr>
+              <a:t>3000</a:t>
+            </a:r>
+            <a:r>
+              <a:rPr kumimoji="1" lang="zh-CN" altLang="en-US" dirty="0" smtClean="0">
+                <a:latin typeface="DengXian" charset="-122"/>
+                <a:ea typeface="DengXian" charset="-122"/>
+                <a:cs typeface="DengXian" charset="-122"/>
+              </a:rPr>
+              <a:t>亿</a:t>
+            </a:r>
+            <a:r>
+              <a:rPr kumimoji="1" lang="en-US" altLang="zh-CN" dirty="0" smtClean="0">
+                <a:latin typeface="DengXian" charset="-122"/>
+                <a:ea typeface="DengXian" charset="-122"/>
+                <a:cs typeface="DengXian" charset="-122"/>
+              </a:rPr>
+              <a:t>,</a:t>
+            </a:r>
+            <a:r>
+              <a:rPr kumimoji="1" lang="zh-CN" altLang="en-US" dirty="0" smtClean="0">
+                <a:latin typeface="DengXian" charset="-122"/>
+                <a:ea typeface="DengXian" charset="-122"/>
+                <a:cs typeface="DengXian" charset="-122"/>
+              </a:rPr>
+              <a:t> 高新科技约为</a:t>
+            </a:r>
+            <a:r>
+              <a:rPr kumimoji="1" lang="en-US" altLang="zh-CN" dirty="0" smtClean="0">
+                <a:latin typeface="DengXian" charset="-122"/>
+                <a:ea typeface="DengXian" charset="-122"/>
+                <a:cs typeface="DengXian" charset="-122"/>
+              </a:rPr>
+              <a:t>300</a:t>
+            </a:r>
+            <a:r>
+              <a:rPr kumimoji="1" lang="zh-CN" altLang="en-US" dirty="0" smtClean="0">
+                <a:latin typeface="DengXian" charset="-122"/>
+                <a:ea typeface="DengXian" charset="-122"/>
+                <a:cs typeface="DengXian" charset="-122"/>
+              </a:rPr>
+              <a:t>亿</a:t>
+            </a:r>
+            <a:r>
+              <a:rPr kumimoji="1" lang="en-US" altLang="zh-CN" dirty="0" smtClean="0">
+                <a:latin typeface="DengXian" charset="-122"/>
+                <a:ea typeface="DengXian" charset="-122"/>
+                <a:cs typeface="DengXian" charset="-122"/>
+              </a:rPr>
+              <a:t>,</a:t>
+            </a:r>
+            <a:r>
+              <a:rPr kumimoji="1" lang="zh-CN" altLang="en-US" dirty="0" smtClean="0">
+                <a:latin typeface="DengXian" charset="-122"/>
+                <a:ea typeface="DengXian" charset="-122"/>
+                <a:cs typeface="DengXian" charset="-122"/>
+              </a:rPr>
+              <a:t> 而文化创意业务营业收入较少</a:t>
+            </a:r>
+            <a:r>
+              <a:rPr kumimoji="1" lang="en-US" altLang="zh-CN" dirty="0" smtClean="0">
+                <a:latin typeface="DengXian" charset="-122"/>
+                <a:ea typeface="DengXian" charset="-122"/>
+                <a:cs typeface="DengXian" charset="-122"/>
+              </a:rPr>
+              <a:t>.</a:t>
+            </a:r>
+          </a:p>
+          <a:p>
+            <a:r>
+              <a:rPr kumimoji="1" lang="zh-CN" altLang="en-US" dirty="0" smtClean="0">
+                <a:latin typeface="DengXian" charset="-122"/>
+                <a:ea typeface="DengXian" charset="-122"/>
+                <a:cs typeface="DengXian" charset="-122"/>
+              </a:rPr>
+              <a:t>王文银在</a:t>
+            </a:r>
+            <a:r>
+              <a:rPr kumimoji="1" lang="en-US" altLang="zh-CN" dirty="0" smtClean="0">
+                <a:latin typeface="DengXian" charset="-122"/>
+                <a:ea typeface="DengXian" charset="-122"/>
+                <a:cs typeface="DengXian" charset="-122"/>
+              </a:rPr>
+              <a:t>2017</a:t>
+            </a:r>
+            <a:r>
+              <a:rPr kumimoji="1" lang="zh-CN" altLang="en-US" dirty="0" smtClean="0">
+                <a:latin typeface="DengXian" charset="-122"/>
+                <a:ea typeface="DengXian" charset="-122"/>
+                <a:cs typeface="DengXian" charset="-122"/>
+              </a:rPr>
+              <a:t>年</a:t>
+            </a:r>
+            <a:r>
+              <a:rPr kumimoji="1" lang="en-US" altLang="zh-CN" dirty="0" smtClean="0">
+                <a:latin typeface="DengXian" charset="-122"/>
+                <a:ea typeface="DengXian" charset="-122"/>
+                <a:cs typeface="DengXian" charset="-122"/>
+              </a:rPr>
+              <a:t>4</a:t>
+            </a:r>
+            <a:r>
+              <a:rPr kumimoji="1" lang="zh-CN" altLang="en-US" dirty="0" smtClean="0">
+                <a:latin typeface="DengXian" charset="-122"/>
+                <a:ea typeface="DengXian" charset="-122"/>
+                <a:cs typeface="DengXian" charset="-122"/>
+              </a:rPr>
+              <a:t>月的</a:t>
+            </a:r>
+            <a:r>
+              <a:rPr kumimoji="1" lang="en-US" altLang="zh-CN" dirty="0" smtClean="0">
+                <a:latin typeface="DengXian" charset="-122"/>
+                <a:ea typeface="DengXian" charset="-122"/>
+                <a:cs typeface="DengXian" charset="-122"/>
+              </a:rPr>
+              <a:t>2017</a:t>
+            </a:r>
+            <a:r>
+              <a:rPr kumimoji="1" lang="zh-CN" altLang="en-US" dirty="0" smtClean="0">
+                <a:latin typeface="DengXian" charset="-122"/>
+                <a:ea typeface="DengXian" charset="-122"/>
+                <a:cs typeface="DengXian" charset="-122"/>
+              </a:rPr>
+              <a:t>川商论坛上接受采访时表示</a:t>
+            </a:r>
+            <a:r>
+              <a:rPr kumimoji="1" lang="en-US" altLang="zh-CN" dirty="0" smtClean="0">
+                <a:latin typeface="DengXian" charset="-122"/>
+                <a:ea typeface="DengXian" charset="-122"/>
+                <a:cs typeface="DengXian" charset="-122"/>
+              </a:rPr>
+              <a:t>,</a:t>
+            </a:r>
+            <a:r>
+              <a:rPr kumimoji="1" lang="zh-CN" altLang="en-US" dirty="0" smtClean="0">
+                <a:latin typeface="DengXian" charset="-122"/>
+                <a:ea typeface="DengXian" charset="-122"/>
+                <a:cs typeface="DengXian" charset="-122"/>
+              </a:rPr>
+              <a:t> 计划在</a:t>
+            </a:r>
+            <a:r>
+              <a:rPr kumimoji="1" lang="en-US" altLang="zh-CN" dirty="0" smtClean="0">
+                <a:solidFill>
+                  <a:srgbClr val="FF0000"/>
+                </a:solidFill>
+                <a:latin typeface="DengXian" charset="-122"/>
+                <a:ea typeface="DengXian" charset="-122"/>
+                <a:cs typeface="DengXian" charset="-122"/>
+              </a:rPr>
+              <a:t>2017</a:t>
+            </a:r>
+            <a:r>
+              <a:rPr kumimoji="1" lang="zh-CN" altLang="en-US" dirty="0" smtClean="0">
+                <a:solidFill>
+                  <a:srgbClr val="FF0000"/>
+                </a:solidFill>
+                <a:latin typeface="DengXian" charset="-122"/>
+                <a:ea typeface="DengXian" charset="-122"/>
+                <a:cs typeface="DengXian" charset="-122"/>
+              </a:rPr>
+              <a:t>年启动上市计划</a:t>
+            </a:r>
+            <a:r>
+              <a:rPr kumimoji="1" lang="en-US" altLang="zh-CN" dirty="0" smtClean="0">
+                <a:latin typeface="DengXian" charset="-122"/>
+                <a:ea typeface="DengXian" charset="-122"/>
+                <a:cs typeface="DengXian" charset="-122"/>
+              </a:rPr>
+              <a:t>,</a:t>
+            </a:r>
+            <a:r>
+              <a:rPr kumimoji="1" lang="zh-CN" altLang="en-US" dirty="0" smtClean="0">
+                <a:latin typeface="DengXian" charset="-122"/>
+                <a:ea typeface="DengXian" charset="-122"/>
+                <a:cs typeface="DengXian" charset="-122"/>
+              </a:rPr>
+              <a:t> 预计会在</a:t>
+            </a:r>
+            <a:r>
+              <a:rPr kumimoji="1" lang="en-US" altLang="zh-CN" dirty="0" smtClean="0">
+                <a:solidFill>
+                  <a:srgbClr val="FF0000"/>
+                </a:solidFill>
+                <a:latin typeface="DengXian" charset="-122"/>
+                <a:ea typeface="DengXian" charset="-122"/>
+                <a:cs typeface="DengXian" charset="-122"/>
+              </a:rPr>
+              <a:t>A</a:t>
+            </a:r>
+            <a:r>
+              <a:rPr kumimoji="1" lang="zh-CN" altLang="en-US" dirty="0" smtClean="0">
+                <a:solidFill>
+                  <a:srgbClr val="FF0000"/>
+                </a:solidFill>
+                <a:latin typeface="DengXian" charset="-122"/>
+                <a:ea typeface="DengXian" charset="-122"/>
+                <a:cs typeface="DengXian" charset="-122"/>
+              </a:rPr>
+              <a:t>股</a:t>
+            </a:r>
+            <a:r>
+              <a:rPr kumimoji="1" lang="zh-CN" altLang="en-US" dirty="0" smtClean="0">
+                <a:latin typeface="DengXian" charset="-122"/>
+                <a:ea typeface="DengXian" charset="-122"/>
+                <a:cs typeface="DengXian" charset="-122"/>
+              </a:rPr>
+              <a:t>和</a:t>
+            </a:r>
+            <a:r>
+              <a:rPr kumimoji="1" lang="zh-CN" altLang="en-US" dirty="0" smtClean="0">
+                <a:solidFill>
+                  <a:srgbClr val="FF0000"/>
+                </a:solidFill>
+                <a:latin typeface="DengXian" charset="-122"/>
+                <a:ea typeface="DengXian" charset="-122"/>
+                <a:cs typeface="DengXian" charset="-122"/>
+              </a:rPr>
+              <a:t>港股</a:t>
+            </a:r>
+            <a:r>
+              <a:rPr kumimoji="1" lang="zh-CN" altLang="en-US" dirty="0" smtClean="0">
+                <a:latin typeface="DengXian" charset="-122"/>
+                <a:ea typeface="DengXian" charset="-122"/>
+                <a:cs typeface="DengXian" charset="-122"/>
+              </a:rPr>
+              <a:t>分别</a:t>
+            </a:r>
+            <a:r>
+              <a:rPr kumimoji="1" lang="zh-CN" altLang="en-US" dirty="0" smtClean="0">
+                <a:solidFill>
+                  <a:srgbClr val="FF0000"/>
+                </a:solidFill>
+                <a:latin typeface="DengXian" charset="-122"/>
+                <a:ea typeface="DengXian" charset="-122"/>
+                <a:cs typeface="DengXian" charset="-122"/>
+              </a:rPr>
+              <a:t>并购一家公司</a:t>
+            </a:r>
+            <a:r>
+              <a:rPr kumimoji="1" lang="en-US" altLang="zh-CN" dirty="0" smtClean="0">
+                <a:latin typeface="DengXian" charset="-122"/>
+                <a:ea typeface="DengXian" charset="-122"/>
+                <a:cs typeface="DengXian" charset="-122"/>
+              </a:rPr>
+              <a:t>,</a:t>
+            </a:r>
+            <a:r>
+              <a:rPr kumimoji="1" lang="zh-CN" altLang="en-US" dirty="0" smtClean="0">
+                <a:latin typeface="DengXian" charset="-122"/>
+                <a:ea typeface="DengXian" charset="-122"/>
+                <a:cs typeface="DengXian" charset="-122"/>
+              </a:rPr>
+              <a:t> 并向其</a:t>
+            </a:r>
+            <a:r>
+              <a:rPr kumimoji="1" lang="zh-CN" altLang="en-US" dirty="0" smtClean="0">
+                <a:solidFill>
+                  <a:srgbClr val="FF0000"/>
+                </a:solidFill>
+                <a:latin typeface="DengXian" charset="-122"/>
+                <a:ea typeface="DengXian" charset="-122"/>
+                <a:cs typeface="DengXian" charset="-122"/>
+              </a:rPr>
+              <a:t>注入优质资产</a:t>
+            </a:r>
+            <a:r>
+              <a:rPr kumimoji="1" lang="en-US" altLang="zh-CN" dirty="0" smtClean="0">
+                <a:latin typeface="DengXian" charset="-122"/>
+                <a:ea typeface="DengXian" charset="-122"/>
+                <a:cs typeface="DengXian" charset="-122"/>
+              </a:rPr>
+              <a:t>.</a:t>
+            </a:r>
+          </a:p>
+          <a:p>
+            <a:r>
+              <a:rPr kumimoji="1" lang="en-US" altLang="zh-CN" dirty="0" smtClean="0">
+                <a:latin typeface="DengXian" charset="-122"/>
+                <a:ea typeface="DengXian" charset="-122"/>
+                <a:cs typeface="DengXian" charset="-122"/>
+              </a:rPr>
+              <a:t>2017</a:t>
+            </a:r>
+            <a:r>
+              <a:rPr kumimoji="1" lang="zh-CN" altLang="en-US" dirty="0" smtClean="0">
+                <a:latin typeface="DengXian" charset="-122"/>
+                <a:ea typeface="DengXian" charset="-122"/>
+                <a:cs typeface="DengXian" charset="-122"/>
+              </a:rPr>
+              <a:t>年才开始启动上市的原因是正威的作风比较低调</a:t>
+            </a:r>
+            <a:r>
+              <a:rPr kumimoji="1" lang="en-US" altLang="zh-CN" dirty="0" smtClean="0">
+                <a:latin typeface="DengXian" charset="-122"/>
+                <a:ea typeface="DengXian" charset="-122"/>
+                <a:cs typeface="DengXian" charset="-122"/>
+              </a:rPr>
+              <a:t>,</a:t>
+            </a:r>
+            <a:r>
+              <a:rPr kumimoji="1" lang="zh-CN" altLang="en-US" dirty="0" smtClean="0">
+                <a:latin typeface="DengXian" charset="-122"/>
+                <a:ea typeface="DengXian" charset="-122"/>
+                <a:cs typeface="DengXian" charset="-122"/>
+              </a:rPr>
+              <a:t> 作为一家利润超过百亿元的公司</a:t>
+            </a:r>
+            <a:r>
+              <a:rPr kumimoji="1" lang="en-US" altLang="zh-CN" dirty="0" smtClean="0">
+                <a:latin typeface="DengXian" charset="-122"/>
+                <a:ea typeface="DengXian" charset="-122"/>
+                <a:cs typeface="DengXian" charset="-122"/>
+              </a:rPr>
+              <a:t>,</a:t>
+            </a:r>
+            <a:r>
+              <a:rPr kumimoji="1" lang="zh-CN" altLang="en-US" dirty="0" smtClean="0">
+                <a:latin typeface="DengXian" charset="-122"/>
+                <a:ea typeface="DengXian" charset="-122"/>
+                <a:cs typeface="DengXian" charset="-122"/>
+              </a:rPr>
+              <a:t> 正威的资金储备比较充分</a:t>
+            </a:r>
+            <a:r>
+              <a:rPr kumimoji="1" lang="en-US" altLang="zh-CN" dirty="0" smtClean="0">
+                <a:latin typeface="DengXian" charset="-122"/>
+                <a:ea typeface="DengXian" charset="-122"/>
+                <a:cs typeface="DengXian" charset="-122"/>
+              </a:rPr>
+              <a:t>,</a:t>
+            </a:r>
+            <a:r>
+              <a:rPr kumimoji="1" lang="zh-CN" altLang="en-US" dirty="0" smtClean="0">
+                <a:latin typeface="DengXian" charset="-122"/>
+                <a:ea typeface="DengXian" charset="-122"/>
+                <a:cs typeface="DengXian" charset="-122"/>
+              </a:rPr>
+              <a:t> 因此上市的动力没有其他公司强</a:t>
+            </a:r>
+            <a:r>
+              <a:rPr kumimoji="1" lang="en-US" altLang="zh-CN" dirty="0" smtClean="0">
+                <a:latin typeface="DengXian" charset="-122"/>
+                <a:ea typeface="DengXian" charset="-122"/>
+                <a:cs typeface="DengXian" charset="-122"/>
+              </a:rPr>
+              <a:t>.</a:t>
+            </a:r>
+            <a:endParaRPr kumimoji="1" lang="zh-CN" altLang="en-US" dirty="0">
+              <a:latin typeface="DengXian" charset="-122"/>
+              <a:ea typeface="DengXian" charset="-122"/>
+              <a:cs typeface="DengXian" charset="-122"/>
+            </a:endParaRPr>
+          </a:p>
+        </p:txBody>
+      </p:sp>
+    </p:spTree>
+    <p:extLst>
+      <p:ext uri="{BB962C8B-B14F-4D97-AF65-F5344CB8AC3E}">
+        <p14:creationId xmlns:p14="http://schemas.microsoft.com/office/powerpoint/2010/main" val="730869345"/>
+      </p:ext>
+    </p:extLst>
+  </p:cSld>
+  <p:clrMapOvr>
+    <a:masterClrMapping/>
+  </p:clrMapOvr>
+  <p:transition spd="med"/>
+</p:sld>
+</file>
+
+<file path=ppt/slides/slide22.xml><?xml version="1.0" encoding="utf-8"?>
+<p:sld xmlns:a="http://schemas.openxmlformats.org/drawingml/2006/main" xmlns:r="http://schemas.openxmlformats.org/officeDocument/2006/relationships" xmlns:p="http://schemas.openxmlformats.org/presentationml/2006/main">
+  <p:cSld>
+    <p:spTree>
+      <p:nvGrpSpPr>
+        <p:cNvPr id="1" name=""/>
+        <p:cNvGrpSpPr/>
+        <p:nvPr/>
+      </p:nvGrpSpPr>
+      <p:grpSpPr>
+        <a:xfrm>
+          <a:off x="0" y="0"/>
+          <a:ext cx="0" cy="0"/>
+          <a:chOff x="0" y="0"/>
+          <a:chExt cx="0" cy="0"/>
+        </a:xfrm>
+      </p:grpSpPr>
+      <p:sp>
+        <p:nvSpPr>
+          <p:cNvPr id="2" name="标题 1"/>
+          <p:cNvSpPr>
+            <a:spLocks noGrp="1"/>
+          </p:cNvSpPr>
+          <p:nvPr>
+            <p:ph type="title"/>
+          </p:nvPr>
+        </p:nvSpPr>
+        <p:spPr/>
+        <p:txBody>
+          <a:bodyPr/>
+          <a:lstStyle/>
+          <a:p>
+            <a:r>
+              <a:rPr kumimoji="1" lang="zh-CN" altLang="en-US" dirty="0" smtClean="0">
+                <a:latin typeface="DengXian" charset="-122"/>
+                <a:ea typeface="DengXian" charset="-122"/>
+                <a:cs typeface="DengXian" charset="-122"/>
+              </a:rPr>
+              <a:t>有色金属行业竞争对手对比</a:t>
+            </a:r>
+            <a:endParaRPr kumimoji="1" lang="zh-CN" altLang="en-US" dirty="0">
+              <a:latin typeface="DengXian" charset="-122"/>
+              <a:ea typeface="DengXian" charset="-122"/>
+              <a:cs typeface="DengXian" charset="-122"/>
+            </a:endParaRPr>
+          </a:p>
+        </p:txBody>
+      </p:sp>
+      <p:graphicFrame>
+        <p:nvGraphicFramePr>
+          <p:cNvPr id="3" name="表格 2"/>
+          <p:cNvGraphicFramePr>
+            <a:graphicFrameLocks noGrp="1"/>
+          </p:cNvGraphicFramePr>
+          <p:nvPr>
+            <p:extLst>
+              <p:ext uri="{D42A27DB-BD31-4B8C-83A1-F6EECF244321}">
+                <p14:modId xmlns:p14="http://schemas.microsoft.com/office/powerpoint/2010/main" val="1119177700"/>
+              </p:ext>
+            </p:extLst>
+          </p:nvPr>
+        </p:nvGraphicFramePr>
+        <p:xfrm>
+          <a:off x="1432683" y="2355334"/>
+          <a:ext cx="9894962" cy="6527421"/>
+        </p:xfrm>
+        <a:graphic>
+          <a:graphicData uri="http://schemas.openxmlformats.org/drawingml/2006/table">
+            <a:tbl>
+              <a:tblPr firstRow="1" bandRow="1">
+                <a:tableStyleId>{3C2FFA5D-87B4-456A-9821-1D502468CF0F}</a:tableStyleId>
+              </a:tblPr>
+              <a:tblGrid>
+                <a:gridCol w="1413566"/>
+                <a:gridCol w="1413566"/>
+                <a:gridCol w="1413566"/>
+                <a:gridCol w="1413566"/>
+                <a:gridCol w="1413566"/>
+                <a:gridCol w="1413566"/>
+                <a:gridCol w="1413566"/>
+              </a:tblGrid>
+              <a:tr h="725269">
+                <a:tc>
+                  <a:txBody>
+                    <a:bodyPr/>
+                    <a:lstStyle/>
+                    <a:p>
+                      <a:pPr algn="ctr"/>
+                      <a:r>
+                        <a:rPr lang="zh-CN" altLang="en-US" sz="1600" dirty="0" smtClean="0">
+                          <a:latin typeface="DengXian" charset="-122"/>
+                          <a:ea typeface="DengXian" charset="-122"/>
+                          <a:cs typeface="DengXian" charset="-122"/>
+                        </a:rPr>
+                        <a:t>企业</a:t>
+                      </a:r>
+                      <a:endParaRPr lang="zh-CN" altLang="en-US" sz="1600" dirty="0">
+                        <a:latin typeface="DengXian" charset="-122"/>
+                        <a:ea typeface="DengXian" charset="-122"/>
+                        <a:cs typeface="DengXian" charset="-122"/>
+                      </a:endParaRPr>
+                    </a:p>
+                  </a:txBody>
+                  <a:tcPr anchor="ctr"/>
+                </a:tc>
+                <a:tc>
+                  <a:txBody>
+                    <a:bodyPr/>
+                    <a:lstStyle/>
+                    <a:p>
+                      <a:pPr algn="ctr"/>
+                      <a:r>
+                        <a:rPr lang="en-US" altLang="zh-CN" sz="1600" dirty="0" smtClean="0">
+                          <a:latin typeface="DengXian" charset="-122"/>
+                          <a:ea typeface="DengXian" charset="-122"/>
+                          <a:cs typeface="DengXian" charset="-122"/>
+                        </a:rPr>
+                        <a:t>2017</a:t>
+                      </a:r>
+                      <a:r>
+                        <a:rPr lang="zh-CN" altLang="en-US" sz="1600" dirty="0" smtClean="0">
+                          <a:latin typeface="DengXian" charset="-122"/>
+                          <a:ea typeface="DengXian" charset="-122"/>
+                          <a:cs typeface="DengXian" charset="-122"/>
+                        </a:rPr>
+                        <a:t>全球制造</a:t>
+                      </a:r>
+                      <a:r>
+                        <a:rPr lang="en-US" altLang="zh-CN" sz="1600" dirty="0" smtClean="0">
+                          <a:latin typeface="DengXian" charset="-122"/>
+                          <a:ea typeface="DengXian" charset="-122"/>
+                          <a:cs typeface="DengXian" charset="-122"/>
+                        </a:rPr>
+                        <a:t>500</a:t>
+                      </a:r>
+                      <a:r>
+                        <a:rPr lang="zh-CN" altLang="en-US" sz="1600" dirty="0" smtClean="0">
+                          <a:latin typeface="DengXian" charset="-122"/>
+                          <a:ea typeface="DengXian" charset="-122"/>
+                          <a:cs typeface="DengXian" charset="-122"/>
+                        </a:rPr>
+                        <a:t>强排名</a:t>
+                      </a:r>
+                      <a:endParaRPr lang="zh-CN" altLang="en-US" sz="1600" dirty="0">
+                        <a:latin typeface="DengXian" charset="-122"/>
+                        <a:ea typeface="DengXian" charset="-122"/>
+                        <a:cs typeface="DengXian" charset="-122"/>
+                      </a:endParaRPr>
+                    </a:p>
+                  </a:txBody>
+                  <a:tcPr anchor="ctr"/>
+                </a:tc>
+                <a:tc>
+                  <a:txBody>
+                    <a:bodyPr/>
+                    <a:lstStyle/>
+                    <a:p>
+                      <a:pPr algn="ctr"/>
+                      <a:r>
+                        <a:rPr lang="en-US" altLang="zh-CN" sz="1600" dirty="0" smtClean="0">
+                          <a:latin typeface="DengXian" charset="-122"/>
+                          <a:ea typeface="DengXian" charset="-122"/>
+                          <a:cs typeface="DengXian" charset="-122"/>
+                        </a:rPr>
+                        <a:t>2017</a:t>
+                      </a:r>
+                      <a:r>
+                        <a:rPr lang="zh-CN" altLang="en-US" sz="1600" dirty="0" smtClean="0">
+                          <a:latin typeface="DengXian" charset="-122"/>
+                          <a:ea typeface="DengXian" charset="-122"/>
+                          <a:cs typeface="DengXian" charset="-122"/>
+                        </a:rPr>
+                        <a:t>世界</a:t>
+                      </a:r>
+                      <a:r>
+                        <a:rPr lang="en-US" altLang="zh-CN" sz="1600" dirty="0" smtClean="0">
+                          <a:latin typeface="DengXian" charset="-122"/>
+                          <a:ea typeface="DengXian" charset="-122"/>
+                          <a:cs typeface="DengXian" charset="-122"/>
+                        </a:rPr>
+                        <a:t>500</a:t>
+                      </a:r>
+                      <a:r>
+                        <a:rPr lang="zh-CN" altLang="en-US" sz="1600" dirty="0" smtClean="0">
+                          <a:latin typeface="DengXian" charset="-122"/>
+                          <a:ea typeface="DengXian" charset="-122"/>
+                          <a:cs typeface="DengXian" charset="-122"/>
+                        </a:rPr>
+                        <a:t>强排名</a:t>
+                      </a:r>
+                      <a:endParaRPr lang="zh-CN" altLang="en-US" sz="1600" dirty="0">
+                        <a:latin typeface="DengXian" charset="-122"/>
+                        <a:ea typeface="DengXian" charset="-122"/>
+                        <a:cs typeface="DengXian" charset="-122"/>
+                      </a:endParaRPr>
+                    </a:p>
+                  </a:txBody>
+                  <a:tcPr anchor="ctr"/>
+                </a:tc>
+                <a:tc>
+                  <a:txBody>
+                    <a:bodyPr/>
+                    <a:lstStyle/>
+                    <a:p>
+                      <a:pPr algn="ctr"/>
+                      <a:r>
+                        <a:rPr lang="en-US" altLang="zh-CN" sz="1600" dirty="0" smtClean="0">
+                          <a:latin typeface="DengXian" charset="-122"/>
+                          <a:ea typeface="DengXian" charset="-122"/>
+                          <a:cs typeface="DengXian" charset="-122"/>
+                        </a:rPr>
+                        <a:t>2016</a:t>
+                      </a:r>
+                      <a:r>
+                        <a:rPr lang="zh-CN" altLang="en-US" sz="1600" dirty="0" smtClean="0">
+                          <a:latin typeface="DengXian" charset="-122"/>
+                          <a:ea typeface="DengXian" charset="-122"/>
+                          <a:cs typeface="DengXian" charset="-122"/>
+                        </a:rPr>
+                        <a:t>营收</a:t>
+                      </a:r>
+                      <a:r>
+                        <a:rPr lang="en-US" altLang="zh-CN" sz="1600" dirty="0" smtClean="0">
+                          <a:latin typeface="DengXian" charset="-122"/>
+                          <a:ea typeface="DengXian" charset="-122"/>
+                          <a:cs typeface="DengXian" charset="-122"/>
+                        </a:rPr>
+                        <a:t>(</a:t>
+                      </a:r>
+                      <a:r>
+                        <a:rPr lang="zh-CN" altLang="en-US" sz="1600" dirty="0" smtClean="0">
+                          <a:latin typeface="DengXian" charset="-122"/>
+                          <a:ea typeface="DengXian" charset="-122"/>
+                          <a:cs typeface="DengXian" charset="-122"/>
+                        </a:rPr>
+                        <a:t>亿元人民币</a:t>
+                      </a:r>
+                      <a:r>
+                        <a:rPr lang="en-US" altLang="zh-CN" sz="1600" dirty="0" smtClean="0">
+                          <a:latin typeface="DengXian" charset="-122"/>
+                          <a:ea typeface="DengXian" charset="-122"/>
+                          <a:cs typeface="DengXian" charset="-122"/>
+                        </a:rPr>
+                        <a:t>)</a:t>
+                      </a:r>
+                      <a:endParaRPr lang="zh-CN" altLang="en-US" sz="1600" dirty="0">
+                        <a:latin typeface="DengXian" charset="-122"/>
+                        <a:ea typeface="DengXian" charset="-122"/>
+                        <a:cs typeface="DengXian" charset="-122"/>
+                      </a:endParaRPr>
+                    </a:p>
+                  </a:txBody>
+                  <a:tcPr anchor="ctr"/>
+                </a:tc>
+                <a:tc>
+                  <a:txBody>
+                    <a:bodyPr/>
+                    <a:lstStyle/>
+                    <a:p>
+                      <a:pPr algn="ctr"/>
+                      <a:r>
+                        <a:rPr lang="zh-CN" altLang="en-US" sz="1600" dirty="0" smtClean="0">
+                          <a:latin typeface="DengXian" charset="-122"/>
+                          <a:ea typeface="DengXian" charset="-122"/>
+                          <a:cs typeface="DengXian" charset="-122"/>
+                        </a:rPr>
+                        <a:t>净利润</a:t>
+                      </a:r>
+                      <a:r>
+                        <a:rPr lang="en-US" altLang="zh-CN" sz="1600" dirty="0" smtClean="0">
+                          <a:latin typeface="DengXian" charset="-122"/>
+                          <a:ea typeface="DengXian" charset="-122"/>
+                          <a:cs typeface="DengXian" charset="-122"/>
+                        </a:rPr>
+                        <a:t>(</a:t>
+                      </a:r>
+                      <a:r>
+                        <a:rPr lang="zh-CN" altLang="en-US" sz="1600" dirty="0" smtClean="0">
+                          <a:latin typeface="DengXian" charset="-122"/>
+                          <a:ea typeface="DengXian" charset="-122"/>
+                          <a:cs typeface="DengXian" charset="-122"/>
+                        </a:rPr>
+                        <a:t>亿元人民币</a:t>
+                      </a:r>
+                      <a:r>
+                        <a:rPr lang="en-US" altLang="zh-CN" sz="1600" dirty="0" smtClean="0">
+                          <a:latin typeface="DengXian" charset="-122"/>
+                          <a:ea typeface="DengXian" charset="-122"/>
+                          <a:cs typeface="DengXian" charset="-122"/>
+                        </a:rPr>
+                        <a:t>)</a:t>
+                      </a:r>
+                      <a:endParaRPr lang="zh-CN" altLang="en-US" sz="1600" dirty="0">
+                        <a:latin typeface="DengXian" charset="-122"/>
+                        <a:ea typeface="DengXian" charset="-122"/>
+                        <a:cs typeface="DengXian" charset="-122"/>
+                      </a:endParaRPr>
+                    </a:p>
+                  </a:txBody>
+                  <a:tcPr anchor="ctr"/>
+                </a:tc>
+                <a:tc>
+                  <a:txBody>
+                    <a:bodyPr/>
+                    <a:lstStyle/>
+                    <a:p>
+                      <a:pPr algn="ctr"/>
+                      <a:r>
+                        <a:rPr lang="zh-CN" altLang="en-US" sz="1600" dirty="0" smtClean="0">
+                          <a:latin typeface="DengXian" charset="-122"/>
+                          <a:ea typeface="DengXian" charset="-122"/>
+                          <a:cs typeface="DengXian" charset="-122"/>
+                        </a:rPr>
+                        <a:t>净资产收益率</a:t>
+                      </a:r>
+                      <a:endParaRPr lang="zh-CN" altLang="en-US" sz="1600" dirty="0">
+                        <a:latin typeface="DengXian" charset="-122"/>
+                        <a:ea typeface="DengXian" charset="-122"/>
+                        <a:cs typeface="DengXian" charset="-122"/>
+                      </a:endParaRPr>
+                    </a:p>
+                  </a:txBody>
+                  <a:tcPr anchor="ctr"/>
+                </a:tc>
+                <a:tc>
+                  <a:txBody>
+                    <a:bodyPr/>
+                    <a:lstStyle/>
+                    <a:p>
+                      <a:pPr algn="ctr"/>
+                      <a:r>
+                        <a:rPr lang="zh-CN" altLang="en-US" sz="1600" dirty="0" smtClean="0">
+                          <a:latin typeface="DengXian" charset="-122"/>
+                          <a:ea typeface="DengXian" charset="-122"/>
+                          <a:cs typeface="DengXian" charset="-122"/>
+                        </a:rPr>
+                        <a:t>是否上市</a:t>
+                      </a:r>
+                      <a:endParaRPr lang="zh-CN" altLang="en-US" sz="1600" dirty="0">
+                        <a:latin typeface="DengXian" charset="-122"/>
+                        <a:ea typeface="DengXian" charset="-122"/>
+                        <a:cs typeface="DengXian" charset="-122"/>
+                      </a:endParaRPr>
+                    </a:p>
+                  </a:txBody>
+                  <a:tcPr anchor="ctr"/>
+                </a:tc>
+              </a:tr>
+              <a:tr h="725269">
+                <a:tc>
+                  <a:txBody>
+                    <a:bodyPr/>
+                    <a:lstStyle/>
+                    <a:p>
+                      <a:pPr algn="ctr"/>
+                      <a:r>
+                        <a:rPr lang="zh-CN" altLang="en-US" sz="1600" smtClean="0">
+                          <a:latin typeface="DengXian" charset="-122"/>
+                          <a:ea typeface="DengXian" charset="-122"/>
+                          <a:cs typeface="DengXian" charset="-122"/>
+                        </a:rPr>
+                        <a:t>中国五矿</a:t>
+                      </a:r>
+                      <a:endParaRPr lang="en-US" altLang="zh-CN" sz="1600" dirty="0" smtClean="0">
+                        <a:latin typeface="DengXian" charset="-122"/>
+                        <a:ea typeface="DengXian" charset="-122"/>
+                        <a:cs typeface="DengXian" charset="-122"/>
+                      </a:endParaRPr>
+                    </a:p>
+                  </a:txBody>
+                  <a:tcPr anchor="ctr"/>
+                </a:tc>
+                <a:tc>
+                  <a:txBody>
+                    <a:bodyPr/>
+                    <a:lstStyle/>
+                    <a:p>
+                      <a:pPr algn="ctr"/>
+                      <a:r>
+                        <a:rPr lang="zh-CN" altLang="en-US" sz="1600" dirty="0" smtClean="0">
+                          <a:latin typeface="DengXian" charset="-122"/>
+                          <a:ea typeface="DengXian" charset="-122"/>
+                          <a:cs typeface="DengXian" charset="-122"/>
+                        </a:rPr>
+                        <a:t>未上榜</a:t>
+                      </a:r>
+                      <a:endParaRPr lang="zh-CN" altLang="en-US" sz="1600" dirty="0">
+                        <a:latin typeface="DengXian" charset="-122"/>
+                        <a:ea typeface="DengXian" charset="-122"/>
+                        <a:cs typeface="DengXian" charset="-122"/>
+                      </a:endParaRPr>
+                    </a:p>
+                  </a:txBody>
+                  <a:tcPr anchor="ctr"/>
+                </a:tc>
+                <a:tc>
+                  <a:txBody>
+                    <a:bodyPr/>
+                    <a:lstStyle/>
+                    <a:p>
+                      <a:pPr algn="ctr"/>
+                      <a:r>
+                        <a:rPr lang="en-US" altLang="zh-CN" sz="1600" dirty="0" smtClean="0">
+                          <a:latin typeface="DengXian" charset="-122"/>
+                          <a:ea typeface="DengXian" charset="-122"/>
+                          <a:cs typeface="DengXian" charset="-122"/>
+                        </a:rPr>
+                        <a:t>120</a:t>
+                      </a:r>
+                      <a:endParaRPr lang="zh-CN" altLang="en-US" sz="1600" dirty="0">
+                        <a:latin typeface="DengXian" charset="-122"/>
+                        <a:ea typeface="DengXian" charset="-122"/>
+                        <a:cs typeface="DengXian" charset="-122"/>
+                      </a:endParaRPr>
+                    </a:p>
+                  </a:txBody>
+                  <a:tcPr anchor="ctr"/>
+                </a:tc>
+                <a:tc>
+                  <a:txBody>
+                    <a:bodyPr/>
+                    <a:lstStyle/>
+                    <a:p>
+                      <a:pPr algn="ctr"/>
+                      <a:r>
+                        <a:rPr lang="en-US" altLang="zh-CN" sz="1600" dirty="0" smtClean="0">
+                          <a:latin typeface="DengXian" charset="-122"/>
+                          <a:ea typeface="DengXian" charset="-122"/>
+                          <a:cs typeface="DengXian" charset="-122"/>
+                        </a:rPr>
+                        <a:t>4354</a:t>
+                      </a:r>
+                      <a:endParaRPr lang="zh-CN" altLang="en-US" sz="1600" dirty="0">
+                        <a:latin typeface="DengXian" charset="-122"/>
+                        <a:ea typeface="DengXian" charset="-122"/>
+                        <a:cs typeface="DengXian" charset="-122"/>
+                      </a:endParaRPr>
+                    </a:p>
+                  </a:txBody>
+                  <a:tcPr anchor="ctr"/>
+                </a:tc>
+                <a:tc>
+                  <a:txBody>
+                    <a:bodyPr/>
+                    <a:lstStyle/>
+                    <a:p>
+                      <a:pPr algn="ctr"/>
+                      <a:r>
+                        <a:rPr lang="en-US" altLang="zh-CN" sz="1600" dirty="0" smtClean="0">
+                          <a:latin typeface="DengXian" charset="-122"/>
+                          <a:ea typeface="DengXian" charset="-122"/>
+                          <a:cs typeface="DengXian" charset="-122"/>
+                        </a:rPr>
+                        <a:t>-29.49</a:t>
+                      </a:r>
+                      <a:endParaRPr lang="zh-CN" altLang="en-US" sz="1600" dirty="0">
+                        <a:latin typeface="DengXian" charset="-122"/>
+                        <a:ea typeface="DengXian" charset="-122"/>
+                        <a:cs typeface="DengXian" charset="-122"/>
+                      </a:endParaRPr>
+                    </a:p>
+                  </a:txBody>
+                  <a:tcPr anchor="ctr"/>
+                </a:tc>
+                <a:tc>
+                  <a:txBody>
+                    <a:bodyPr/>
+                    <a:lstStyle/>
+                    <a:p>
+                      <a:pPr algn="ctr"/>
+                      <a:r>
+                        <a:rPr lang="en-US" altLang="zh-CN" sz="1600" dirty="0" smtClean="0">
+                          <a:latin typeface="DengXian" charset="-122"/>
+                          <a:ea typeface="DengXian" charset="-122"/>
+                          <a:cs typeface="DengXian" charset="-122"/>
+                        </a:rPr>
+                        <a:t>-0.40%</a:t>
+                      </a:r>
+                      <a:endParaRPr lang="zh-CN" altLang="en-US" sz="1600" dirty="0">
+                        <a:latin typeface="DengXian" charset="-122"/>
+                        <a:ea typeface="DengXian" charset="-122"/>
+                        <a:cs typeface="DengXian" charset="-122"/>
+                      </a:endParaRPr>
+                    </a:p>
+                  </a:txBody>
+                  <a:tcPr anchor="ctr"/>
+                </a:tc>
+                <a:tc>
+                  <a:txBody>
+                    <a:bodyPr/>
+                    <a:lstStyle/>
+                    <a:p>
+                      <a:pPr algn="ctr"/>
+                      <a:r>
+                        <a:rPr lang="zh-CN" altLang="en-US" sz="1600" dirty="0" smtClean="0">
+                          <a:latin typeface="DengXian" charset="-122"/>
+                          <a:ea typeface="DengXian" charset="-122"/>
+                          <a:cs typeface="DengXian" charset="-122"/>
+                        </a:rPr>
+                        <a:t>拆分上市</a:t>
+                      </a:r>
+                      <a:endParaRPr lang="zh-CN" altLang="en-US" sz="1600" dirty="0">
+                        <a:latin typeface="DengXian" charset="-122"/>
+                        <a:ea typeface="DengXian" charset="-122"/>
+                        <a:cs typeface="DengXian" charset="-122"/>
+                      </a:endParaRPr>
+                    </a:p>
+                  </a:txBody>
+                  <a:tcPr anchor="ctr"/>
+                </a:tc>
+              </a:tr>
+              <a:tr h="725269">
+                <a:tc>
+                  <a:txBody>
+                    <a:bodyPr/>
+                    <a:lstStyle/>
+                    <a:p>
+                      <a:pPr algn="ctr"/>
+                      <a:r>
+                        <a:rPr lang="zh-CN" altLang="en-US" sz="1600" smtClean="0">
+                          <a:latin typeface="DengXian" charset="-122"/>
+                          <a:ea typeface="DengXian" charset="-122"/>
+                          <a:cs typeface="DengXian" charset="-122"/>
+                        </a:rPr>
+                        <a:t>山东魏桥</a:t>
+                      </a:r>
+                      <a:endParaRPr lang="zh-CN" altLang="en-US" sz="1600" dirty="0">
+                        <a:latin typeface="DengXian" charset="-122"/>
+                        <a:ea typeface="DengXian" charset="-122"/>
+                        <a:cs typeface="DengXian" charset="-122"/>
+                      </a:endParaRPr>
+                    </a:p>
+                  </a:txBody>
+                  <a:tcPr anchor="ctr"/>
+                </a:tc>
+                <a:tc>
+                  <a:txBody>
+                    <a:bodyPr/>
+                    <a:lstStyle/>
+                    <a:p>
+                      <a:pPr algn="ctr"/>
+                      <a:r>
+                        <a:rPr lang="en-US" altLang="zh-CN" sz="1600" smtClean="0">
+                          <a:latin typeface="DengXian" charset="-122"/>
+                          <a:ea typeface="DengXian" charset="-122"/>
+                          <a:cs typeface="DengXian" charset="-122"/>
+                        </a:rPr>
+                        <a:t>66</a:t>
+                      </a:r>
+                      <a:endParaRPr lang="zh-CN" altLang="en-US" sz="1600" dirty="0">
+                        <a:latin typeface="DengXian" charset="-122"/>
+                        <a:ea typeface="DengXian" charset="-122"/>
+                        <a:cs typeface="DengXian" charset="-122"/>
+                      </a:endParaRPr>
+                    </a:p>
+                  </a:txBody>
+                  <a:tcPr anchor="ctr"/>
+                </a:tc>
+                <a:tc>
+                  <a:txBody>
+                    <a:bodyPr/>
+                    <a:lstStyle/>
+                    <a:p>
+                      <a:pPr algn="ctr"/>
+                      <a:r>
+                        <a:rPr lang="en-US" altLang="zh-CN" sz="1600" dirty="0" smtClean="0">
+                          <a:latin typeface="DengXian" charset="-122"/>
+                          <a:ea typeface="DengXian" charset="-122"/>
+                          <a:cs typeface="DengXian" charset="-122"/>
+                        </a:rPr>
+                        <a:t>159</a:t>
+                      </a:r>
+                      <a:endParaRPr lang="zh-CN" altLang="en-US" sz="1600" dirty="0">
+                        <a:latin typeface="DengXian" charset="-122"/>
+                        <a:ea typeface="DengXian" charset="-122"/>
+                        <a:cs typeface="DengXian" charset="-122"/>
+                      </a:endParaRPr>
+                    </a:p>
+                  </a:txBody>
+                  <a:tcPr anchor="ctr"/>
+                </a:tc>
+                <a:tc>
+                  <a:txBody>
+                    <a:bodyPr/>
+                    <a:lstStyle/>
+                    <a:p>
+                      <a:pPr algn="ctr"/>
+                      <a:r>
+                        <a:rPr lang="en-US" altLang="zh-CN" sz="1600" smtClean="0">
+                          <a:latin typeface="DengXian" charset="-122"/>
+                          <a:ea typeface="DengXian" charset="-122"/>
+                          <a:cs typeface="DengXian" charset="-122"/>
+                        </a:rPr>
+                        <a:t>3750</a:t>
+                      </a:r>
+                      <a:endParaRPr lang="zh-CN" altLang="en-US" sz="1600" dirty="0">
+                        <a:latin typeface="DengXian" charset="-122"/>
+                        <a:ea typeface="DengXian" charset="-122"/>
+                        <a:cs typeface="DengXian" charset="-122"/>
+                      </a:endParaRPr>
+                    </a:p>
+                  </a:txBody>
+                  <a:tcPr anchor="ctr"/>
+                </a:tc>
+                <a:tc>
+                  <a:txBody>
+                    <a:bodyPr/>
+                    <a:lstStyle/>
+                    <a:p>
+                      <a:pPr algn="ctr"/>
+                      <a:r>
+                        <a:rPr lang="en-US" altLang="zh-CN" sz="1600" dirty="0" smtClean="0">
+                          <a:latin typeface="DengXian" charset="-122"/>
+                          <a:ea typeface="DengXian" charset="-122"/>
+                          <a:cs typeface="DengXian" charset="-122"/>
+                        </a:rPr>
+                        <a:t>80.38</a:t>
+                      </a:r>
+                      <a:endParaRPr lang="zh-CN" altLang="en-US" sz="1600" dirty="0">
+                        <a:latin typeface="DengXian" charset="-122"/>
+                        <a:ea typeface="DengXian" charset="-122"/>
+                        <a:cs typeface="DengXian" charset="-122"/>
+                      </a:endParaRPr>
+                    </a:p>
+                  </a:txBody>
+                  <a:tcPr anchor="ctr"/>
+                </a:tc>
+                <a:tc>
+                  <a:txBody>
+                    <a:bodyPr/>
+                    <a:lstStyle/>
+                    <a:p>
+                      <a:pPr algn="ctr"/>
+                      <a:r>
+                        <a:rPr lang="en-US" altLang="zh-CN" sz="1600" dirty="0" smtClean="0">
+                          <a:latin typeface="DengXian" charset="-122"/>
+                          <a:ea typeface="DengXian" charset="-122"/>
+                          <a:cs typeface="DengXian" charset="-122"/>
+                        </a:rPr>
+                        <a:t>3.80%</a:t>
+                      </a:r>
+                      <a:endParaRPr lang="zh-CN" altLang="en-US" sz="1600" dirty="0">
+                        <a:latin typeface="DengXian" charset="-122"/>
+                        <a:ea typeface="DengXian" charset="-122"/>
+                        <a:cs typeface="DengXian" charset="-122"/>
+                      </a:endParaRPr>
+                    </a:p>
+                  </a:txBody>
+                  <a:tcPr anchor="ctr"/>
+                </a:tc>
+                <a:tc>
+                  <a:txBody>
+                    <a:bodyPr/>
+                    <a:lstStyle/>
+                    <a:p>
+                      <a:pPr algn="ctr"/>
+                      <a:r>
+                        <a:rPr lang="zh-CN" altLang="en-US" sz="1600" dirty="0" smtClean="0">
+                          <a:latin typeface="DengXian" charset="-122"/>
+                          <a:ea typeface="DengXian" charset="-122"/>
+                          <a:cs typeface="DengXian" charset="-122"/>
+                        </a:rPr>
+                        <a:t>纺织业务香港上市</a:t>
+                      </a:r>
+                      <a:endParaRPr lang="zh-CN" altLang="en-US" sz="1600" dirty="0">
+                        <a:latin typeface="DengXian" charset="-122"/>
+                        <a:ea typeface="DengXian" charset="-122"/>
+                        <a:cs typeface="DengXian" charset="-122"/>
+                      </a:endParaRPr>
+                    </a:p>
+                  </a:txBody>
+                  <a:tcPr anchor="ctr"/>
+                </a:tc>
+              </a:tr>
+              <a:tr h="725269">
+                <a:tc>
+                  <a:txBody>
+                    <a:bodyPr/>
+                    <a:lstStyle/>
+                    <a:p>
+                      <a:pPr algn="ctr"/>
+                      <a:r>
+                        <a:rPr lang="zh-CN" altLang="en-US" sz="1600" smtClean="0">
+                          <a:latin typeface="DengXian" charset="-122"/>
+                          <a:ea typeface="DengXian" charset="-122"/>
+                          <a:cs typeface="DengXian" charset="-122"/>
+                        </a:rPr>
+                        <a:t>正威集团</a:t>
+                      </a:r>
+                      <a:endParaRPr lang="zh-CN" altLang="en-US" sz="1600" dirty="0">
+                        <a:latin typeface="DengXian" charset="-122"/>
+                        <a:ea typeface="DengXian" charset="-122"/>
+                        <a:cs typeface="DengXian" charset="-122"/>
+                      </a:endParaRPr>
+                    </a:p>
+                  </a:txBody>
+                  <a:tcPr anchor="ctr"/>
+                </a:tc>
+                <a:tc>
+                  <a:txBody>
+                    <a:bodyPr/>
+                    <a:lstStyle/>
+                    <a:p>
+                      <a:pPr algn="ctr"/>
+                      <a:r>
+                        <a:rPr lang="en-US" altLang="zh-CN" sz="1600" smtClean="0">
+                          <a:latin typeface="DengXian" charset="-122"/>
+                          <a:ea typeface="DengXian" charset="-122"/>
+                          <a:cs typeface="DengXian" charset="-122"/>
+                        </a:rPr>
+                        <a:t>83</a:t>
+                      </a:r>
+                      <a:endParaRPr lang="zh-CN" altLang="en-US" sz="1600" dirty="0">
+                        <a:latin typeface="DengXian" charset="-122"/>
+                        <a:ea typeface="DengXian" charset="-122"/>
+                        <a:cs typeface="DengXian" charset="-122"/>
+                      </a:endParaRPr>
+                    </a:p>
+                  </a:txBody>
+                  <a:tcPr anchor="ctr"/>
+                </a:tc>
+                <a:tc>
+                  <a:txBody>
+                    <a:bodyPr/>
+                    <a:lstStyle/>
+                    <a:p>
+                      <a:pPr algn="ctr"/>
+                      <a:r>
+                        <a:rPr lang="en-US" altLang="zh-CN" sz="1600" dirty="0" smtClean="0">
+                          <a:latin typeface="DengXian" charset="-122"/>
+                          <a:ea typeface="DengXian" charset="-122"/>
+                          <a:cs typeface="DengXian" charset="-122"/>
+                        </a:rPr>
+                        <a:t>183</a:t>
+                      </a:r>
+                      <a:endParaRPr lang="zh-CN" altLang="en-US" sz="1600" dirty="0">
+                        <a:latin typeface="DengXian" charset="-122"/>
+                        <a:ea typeface="DengXian" charset="-122"/>
+                        <a:cs typeface="DengXian" charset="-122"/>
+                      </a:endParaRPr>
+                    </a:p>
+                  </a:txBody>
+                  <a:tcPr anchor="ctr"/>
+                </a:tc>
+                <a:tc>
+                  <a:txBody>
+                    <a:bodyPr/>
+                    <a:lstStyle/>
+                    <a:p>
+                      <a:pPr algn="ctr"/>
+                      <a:r>
+                        <a:rPr lang="en-US" altLang="zh-CN" sz="1600" smtClean="0">
+                          <a:latin typeface="DengXian" charset="-122"/>
+                          <a:ea typeface="DengXian" charset="-122"/>
+                          <a:cs typeface="DengXian" charset="-122"/>
+                        </a:rPr>
+                        <a:t>3199</a:t>
+                      </a:r>
+                      <a:endParaRPr lang="zh-CN" altLang="en-US" sz="1600" dirty="0">
+                        <a:latin typeface="DengXian" charset="-122"/>
+                        <a:ea typeface="DengXian" charset="-122"/>
+                        <a:cs typeface="DengXian" charset="-122"/>
+                      </a:endParaRPr>
+                    </a:p>
+                  </a:txBody>
+                  <a:tcPr anchor="ctr"/>
+                </a:tc>
+                <a:tc>
+                  <a:txBody>
+                    <a:bodyPr/>
+                    <a:lstStyle/>
+                    <a:p>
+                      <a:pPr algn="ctr"/>
+                      <a:r>
+                        <a:rPr lang="en-US" altLang="zh-CN" sz="1600" dirty="0" smtClean="0">
+                          <a:latin typeface="DengXian" charset="-122"/>
+                          <a:ea typeface="DengXian" charset="-122"/>
+                          <a:cs typeface="DengXian" charset="-122"/>
+                        </a:rPr>
+                        <a:t>79.24</a:t>
+                      </a:r>
+                      <a:endParaRPr lang="zh-CN" altLang="en-US" sz="1600" dirty="0">
+                        <a:latin typeface="DengXian" charset="-122"/>
+                        <a:ea typeface="DengXian" charset="-122"/>
+                        <a:cs typeface="DengXian" charset="-122"/>
+                      </a:endParaRPr>
+                    </a:p>
+                  </a:txBody>
+                  <a:tcPr anchor="ctr"/>
+                </a:tc>
+                <a:tc>
+                  <a:txBody>
+                    <a:bodyPr/>
+                    <a:lstStyle/>
+                    <a:p>
+                      <a:pPr algn="ctr"/>
+                      <a:r>
+                        <a:rPr lang="en-US" altLang="zh-CN" sz="1600" dirty="0" smtClean="0">
+                          <a:latin typeface="DengXian" charset="-122"/>
+                          <a:ea typeface="DengXian" charset="-122"/>
+                          <a:cs typeface="DengXian" charset="-122"/>
+                        </a:rPr>
+                        <a:t>6,50%</a:t>
+                      </a:r>
+                      <a:endParaRPr lang="zh-CN" altLang="en-US" sz="1600" dirty="0">
+                        <a:latin typeface="DengXian" charset="-122"/>
+                        <a:ea typeface="DengXian" charset="-122"/>
+                        <a:cs typeface="DengXian" charset="-122"/>
+                      </a:endParaRPr>
+                    </a:p>
+                  </a:txBody>
+                  <a:tcPr anchor="ctr"/>
+                </a:tc>
+                <a:tc>
+                  <a:txBody>
+                    <a:bodyPr/>
+                    <a:lstStyle/>
+                    <a:p>
+                      <a:pPr algn="ctr"/>
+                      <a:r>
+                        <a:rPr lang="zh-CN" altLang="en-US" sz="1600" dirty="0" smtClean="0">
+                          <a:latin typeface="DengXian" charset="-122"/>
+                          <a:ea typeface="DengXian" charset="-122"/>
+                          <a:cs typeface="DengXian" charset="-122"/>
+                        </a:rPr>
+                        <a:t>计划</a:t>
+                      </a:r>
+                      <a:r>
+                        <a:rPr lang="en-US" altLang="zh-CN" sz="1600" dirty="0" smtClean="0">
+                          <a:latin typeface="DengXian" charset="-122"/>
+                          <a:ea typeface="DengXian" charset="-122"/>
+                          <a:cs typeface="DengXian" charset="-122"/>
+                        </a:rPr>
+                        <a:t>2017</a:t>
+                      </a:r>
+                      <a:r>
+                        <a:rPr lang="zh-CN" altLang="en-US" sz="1600" dirty="0" smtClean="0">
+                          <a:latin typeface="DengXian" charset="-122"/>
+                          <a:ea typeface="DengXian" charset="-122"/>
+                          <a:cs typeface="DengXian" charset="-122"/>
+                        </a:rPr>
+                        <a:t>年上市</a:t>
+                      </a:r>
+                      <a:endParaRPr lang="zh-CN" altLang="en-US" sz="1600" dirty="0">
+                        <a:latin typeface="DengXian" charset="-122"/>
+                        <a:ea typeface="DengXian" charset="-122"/>
+                        <a:cs typeface="DengXian" charset="-122"/>
+                      </a:endParaRPr>
+                    </a:p>
+                  </a:txBody>
+                  <a:tcPr anchor="ctr"/>
+                </a:tc>
+              </a:tr>
+              <a:tr h="725269">
+                <a:tc>
+                  <a:txBody>
+                    <a:bodyPr/>
+                    <a:lstStyle/>
+                    <a:p>
+                      <a:pPr algn="ctr"/>
+                      <a:r>
+                        <a:rPr lang="zh-CN" altLang="en-US" sz="1600" smtClean="0">
+                          <a:latin typeface="DengXian" charset="-122"/>
+                          <a:ea typeface="DengXian" charset="-122"/>
+                          <a:cs typeface="DengXian" charset="-122"/>
+                        </a:rPr>
+                        <a:t>中国铝业</a:t>
+                      </a:r>
+                      <a:endParaRPr lang="zh-CN" altLang="en-US" sz="1600" dirty="0">
+                        <a:latin typeface="DengXian" charset="-122"/>
+                        <a:ea typeface="DengXian" charset="-122"/>
+                        <a:cs typeface="DengXian" charset="-122"/>
+                      </a:endParaRPr>
+                    </a:p>
+                  </a:txBody>
+                  <a:tcPr anchor="ctr"/>
+                </a:tc>
+                <a:tc>
+                  <a:txBody>
+                    <a:bodyPr/>
+                    <a:lstStyle/>
+                    <a:p>
+                      <a:pPr algn="ctr"/>
+                      <a:r>
+                        <a:rPr lang="en-US" altLang="zh-CN" sz="1600" smtClean="0">
+                          <a:latin typeface="DengXian" charset="-122"/>
+                          <a:ea typeface="DengXian" charset="-122"/>
+                          <a:cs typeface="DengXian" charset="-122"/>
+                        </a:rPr>
+                        <a:t>205</a:t>
+                      </a:r>
+                      <a:endParaRPr lang="zh-CN" altLang="en-US" sz="1600" dirty="0">
+                        <a:latin typeface="DengXian" charset="-122"/>
+                        <a:ea typeface="DengXian" charset="-122"/>
+                        <a:cs typeface="DengXian" charset="-122"/>
+                      </a:endParaRPr>
+                    </a:p>
+                  </a:txBody>
+                  <a:tcPr anchor="ctr"/>
+                </a:tc>
+                <a:tc>
+                  <a:txBody>
+                    <a:bodyPr/>
+                    <a:lstStyle/>
+                    <a:p>
+                      <a:pPr algn="ctr"/>
+                      <a:r>
+                        <a:rPr lang="en-US" altLang="zh-CN" sz="1600" dirty="0" smtClean="0">
+                          <a:latin typeface="DengXian" charset="-122"/>
+                          <a:ea typeface="DengXian" charset="-122"/>
+                          <a:cs typeface="DengXian" charset="-122"/>
+                        </a:rPr>
+                        <a:t>248</a:t>
+                      </a:r>
+                      <a:endParaRPr lang="zh-CN" altLang="en-US" sz="1600" dirty="0">
+                        <a:latin typeface="DengXian" charset="-122"/>
+                        <a:ea typeface="DengXian" charset="-122"/>
+                        <a:cs typeface="DengXian" charset="-122"/>
+                      </a:endParaRPr>
+                    </a:p>
+                  </a:txBody>
+                  <a:tcPr anchor="ctr"/>
+                </a:tc>
+                <a:tc>
+                  <a:txBody>
+                    <a:bodyPr/>
+                    <a:lstStyle/>
+                    <a:p>
+                      <a:pPr algn="ctr"/>
+                      <a:r>
+                        <a:rPr lang="en-US" altLang="zh-CN" sz="1600" dirty="0" smtClean="0">
+                          <a:latin typeface="DengXian" charset="-122"/>
+                          <a:ea typeface="DengXian" charset="-122"/>
+                          <a:cs typeface="DengXian" charset="-122"/>
+                        </a:rPr>
+                        <a:t>1440.66</a:t>
+                      </a:r>
+                      <a:endParaRPr lang="zh-CN" altLang="en-US" sz="1600" dirty="0">
+                        <a:latin typeface="DengXian" charset="-122"/>
+                        <a:ea typeface="DengXian" charset="-122"/>
+                        <a:cs typeface="DengXian" charset="-122"/>
+                      </a:endParaRPr>
+                    </a:p>
+                  </a:txBody>
+                  <a:tcPr anchor="ctr"/>
+                </a:tc>
+                <a:tc>
+                  <a:txBody>
+                    <a:bodyPr/>
+                    <a:lstStyle/>
+                    <a:p>
+                      <a:pPr algn="ctr"/>
+                      <a:r>
+                        <a:rPr lang="en-US" altLang="zh-CN" sz="1600" dirty="0" smtClean="0">
+                          <a:latin typeface="DengXian" charset="-122"/>
+                          <a:ea typeface="DengXian" charset="-122"/>
+                          <a:cs typeface="DengXian" charset="-122"/>
+                        </a:rPr>
+                        <a:t>4.02</a:t>
+                      </a:r>
+                      <a:endParaRPr lang="zh-CN" altLang="en-US" sz="1600" dirty="0">
+                        <a:latin typeface="DengXian" charset="-122"/>
+                        <a:ea typeface="DengXian" charset="-122"/>
+                        <a:cs typeface="DengXian" charset="-122"/>
+                      </a:endParaRPr>
+                    </a:p>
+                  </a:txBody>
+                  <a:tcPr anchor="ctr"/>
+                </a:tc>
+                <a:tc>
+                  <a:txBody>
+                    <a:bodyPr/>
+                    <a:lstStyle/>
+                    <a:p>
+                      <a:pPr algn="ctr"/>
+                      <a:r>
+                        <a:rPr lang="en-US" altLang="zh-CN" sz="1600" dirty="0" smtClean="0">
+                          <a:latin typeface="DengXian" charset="-122"/>
+                          <a:ea typeface="DengXian" charset="-122"/>
+                          <a:cs typeface="DengXian" charset="-122"/>
+                        </a:rPr>
+                        <a:t>1.03%</a:t>
+                      </a:r>
+                      <a:endParaRPr lang="zh-CN" altLang="en-US" sz="1600" dirty="0">
+                        <a:latin typeface="DengXian" charset="-122"/>
+                        <a:ea typeface="DengXian" charset="-122"/>
+                        <a:cs typeface="DengXian" charset="-122"/>
+                      </a:endParaRPr>
+                    </a:p>
+                  </a:txBody>
+                  <a:tcPr anchor="ctr"/>
+                </a:tc>
+                <a:tc>
+                  <a:txBody>
+                    <a:bodyPr/>
+                    <a:lstStyle/>
+                    <a:p>
+                      <a:pPr algn="ctr"/>
+                      <a:r>
+                        <a:rPr lang="zh-CN" altLang="en-US" sz="1600" dirty="0" smtClean="0">
+                          <a:latin typeface="DengXian" charset="-122"/>
+                          <a:ea typeface="DengXian" charset="-122"/>
+                          <a:cs typeface="DengXian" charset="-122"/>
+                        </a:rPr>
+                        <a:t>代码</a:t>
+                      </a:r>
+                      <a:r>
+                        <a:rPr lang="en-US" altLang="zh-CN" sz="1600" dirty="0" smtClean="0">
+                          <a:latin typeface="DengXian" charset="-122"/>
+                          <a:ea typeface="DengXian" charset="-122"/>
+                          <a:cs typeface="DengXian" charset="-122"/>
+                        </a:rPr>
+                        <a:t>:</a:t>
+                      </a:r>
+                      <a:r>
+                        <a:rPr lang="zh-CN" altLang="en-US" sz="1600" dirty="0" smtClean="0">
+                          <a:latin typeface="DengXian" charset="-122"/>
+                          <a:ea typeface="DengXian" charset="-122"/>
+                          <a:cs typeface="DengXian" charset="-122"/>
+                        </a:rPr>
+                        <a:t> </a:t>
+                      </a:r>
+                      <a:r>
+                        <a:rPr lang="en-US" altLang="zh-CN" sz="1600" dirty="0" smtClean="0">
+                          <a:latin typeface="DengXian" charset="-122"/>
+                          <a:ea typeface="DengXian" charset="-122"/>
+                          <a:cs typeface="DengXian" charset="-122"/>
+                        </a:rPr>
+                        <a:t>601600</a:t>
+                      </a:r>
+                      <a:endParaRPr lang="zh-CN" altLang="en-US" sz="1600" dirty="0">
+                        <a:latin typeface="DengXian" charset="-122"/>
+                        <a:ea typeface="DengXian" charset="-122"/>
+                        <a:cs typeface="DengXian" charset="-122"/>
+                      </a:endParaRPr>
+                    </a:p>
+                  </a:txBody>
+                  <a:tcPr anchor="ctr"/>
+                </a:tc>
+              </a:tr>
+              <a:tr h="725269">
+                <a:tc>
+                  <a:txBody>
+                    <a:bodyPr/>
+                    <a:lstStyle/>
+                    <a:p>
+                      <a:pPr algn="ctr"/>
+                      <a:r>
+                        <a:rPr lang="zh-CN" altLang="en-US" sz="1600" smtClean="0">
+                          <a:latin typeface="DengXian" charset="-122"/>
+                          <a:ea typeface="DengXian" charset="-122"/>
+                          <a:cs typeface="DengXian" charset="-122"/>
+                        </a:rPr>
+                        <a:t>江西铜业</a:t>
+                      </a:r>
+                      <a:endParaRPr lang="zh-CN" altLang="en-US" sz="1600" dirty="0">
+                        <a:latin typeface="DengXian" charset="-122"/>
+                        <a:ea typeface="DengXian" charset="-122"/>
+                        <a:cs typeface="DengXian" charset="-122"/>
+                      </a:endParaRPr>
+                    </a:p>
+                  </a:txBody>
+                  <a:tcPr anchor="ctr"/>
+                </a:tc>
+                <a:tc>
+                  <a:txBody>
+                    <a:bodyPr/>
+                    <a:lstStyle/>
+                    <a:p>
+                      <a:pPr algn="ctr"/>
+                      <a:r>
+                        <a:rPr lang="en-US" altLang="zh-CN" sz="1600" smtClean="0">
+                          <a:latin typeface="DengXian" charset="-122"/>
+                          <a:ea typeface="DengXian" charset="-122"/>
+                          <a:cs typeface="DengXian" charset="-122"/>
+                        </a:rPr>
+                        <a:t>144</a:t>
+                      </a:r>
+                      <a:endParaRPr lang="zh-CN" altLang="en-US" sz="1600" dirty="0">
+                        <a:latin typeface="DengXian" charset="-122"/>
+                        <a:ea typeface="DengXian" charset="-122"/>
+                        <a:cs typeface="DengXian" charset="-122"/>
+                      </a:endParaRPr>
+                    </a:p>
+                  </a:txBody>
+                  <a:tcPr anchor="ctr"/>
+                </a:tc>
+                <a:tc>
+                  <a:txBody>
+                    <a:bodyPr/>
+                    <a:lstStyle/>
+                    <a:p>
+                      <a:pPr algn="ctr"/>
+                      <a:r>
+                        <a:rPr lang="en-US" altLang="zh-CN" sz="1600" dirty="0" smtClean="0">
+                          <a:latin typeface="DengXian" charset="-122"/>
+                          <a:ea typeface="DengXian" charset="-122"/>
+                          <a:cs typeface="DengXian" charset="-122"/>
+                        </a:rPr>
+                        <a:t>339</a:t>
+                      </a:r>
+                      <a:endParaRPr lang="zh-CN" altLang="en-US" sz="1600" dirty="0">
+                        <a:latin typeface="DengXian" charset="-122"/>
+                        <a:ea typeface="DengXian" charset="-122"/>
+                        <a:cs typeface="DengXian" charset="-122"/>
+                      </a:endParaRPr>
+                    </a:p>
+                  </a:txBody>
+                  <a:tcPr anchor="ctr"/>
+                </a:tc>
+                <a:tc>
+                  <a:txBody>
+                    <a:bodyPr/>
+                    <a:lstStyle/>
+                    <a:p>
+                      <a:pPr algn="ctr"/>
+                      <a:r>
+                        <a:rPr lang="en-US" altLang="zh-CN" sz="1600" dirty="0" smtClean="0">
+                          <a:latin typeface="DengXian" charset="-122"/>
+                          <a:ea typeface="DengXian" charset="-122"/>
+                          <a:cs typeface="DengXian" charset="-122"/>
+                        </a:rPr>
+                        <a:t>2023.08</a:t>
+                      </a:r>
+                      <a:endParaRPr lang="zh-CN" altLang="en-US" sz="1600" dirty="0">
+                        <a:latin typeface="DengXian" charset="-122"/>
+                        <a:ea typeface="DengXian" charset="-122"/>
+                        <a:cs typeface="DengXian" charset="-122"/>
+                      </a:endParaRPr>
+                    </a:p>
+                  </a:txBody>
+                  <a:tcPr anchor="ctr"/>
+                </a:tc>
+                <a:tc>
+                  <a:txBody>
+                    <a:bodyPr/>
+                    <a:lstStyle/>
+                    <a:p>
+                      <a:pPr algn="ctr"/>
+                      <a:r>
+                        <a:rPr lang="en-US" altLang="zh-CN" sz="1600" dirty="0" smtClean="0">
+                          <a:latin typeface="DengXian" charset="-122"/>
+                          <a:ea typeface="DengXian" charset="-122"/>
+                          <a:cs typeface="DengXian" charset="-122"/>
+                        </a:rPr>
+                        <a:t>7.88</a:t>
+                      </a:r>
+                      <a:endParaRPr lang="zh-CN" altLang="en-US" sz="1600" dirty="0">
+                        <a:latin typeface="DengXian" charset="-122"/>
+                        <a:ea typeface="DengXian" charset="-122"/>
+                        <a:cs typeface="DengXian" charset="-122"/>
+                      </a:endParaRPr>
+                    </a:p>
+                  </a:txBody>
+                  <a:tcPr anchor="ctr"/>
+                </a:tc>
+                <a:tc>
+                  <a:txBody>
+                    <a:bodyPr/>
+                    <a:lstStyle/>
+                    <a:p>
+                      <a:pPr algn="ctr"/>
+                      <a:r>
+                        <a:rPr lang="en-US" altLang="zh-CN" sz="1600" dirty="0" smtClean="0">
+                          <a:latin typeface="DengXian" charset="-122"/>
+                          <a:ea typeface="DengXian" charset="-122"/>
+                          <a:cs typeface="DengXian" charset="-122"/>
+                        </a:rPr>
+                        <a:t>1.70%</a:t>
+                      </a:r>
+                      <a:endParaRPr lang="zh-CN" altLang="en-US" sz="1600" dirty="0">
+                        <a:latin typeface="DengXian" charset="-122"/>
+                        <a:ea typeface="DengXian" charset="-122"/>
+                        <a:cs typeface="DengXian" charset="-122"/>
+                      </a:endParaRPr>
+                    </a:p>
+                  </a:txBody>
+                  <a:tcPr anchor="ctr"/>
+                </a:tc>
+                <a:tc>
+                  <a:txBody>
+                    <a:bodyPr/>
+                    <a:lstStyle/>
+                    <a:p>
+                      <a:pPr algn="ctr"/>
+                      <a:r>
+                        <a:rPr lang="zh-CN" altLang="en-US" sz="1600" dirty="0" smtClean="0">
+                          <a:latin typeface="DengXian" charset="-122"/>
+                          <a:ea typeface="DengXian" charset="-122"/>
+                          <a:cs typeface="DengXian" charset="-122"/>
+                        </a:rPr>
+                        <a:t>代码</a:t>
+                      </a:r>
+                      <a:r>
+                        <a:rPr lang="en-US" altLang="zh-CN" sz="1600" dirty="0" smtClean="0">
+                          <a:latin typeface="DengXian" charset="-122"/>
+                          <a:ea typeface="DengXian" charset="-122"/>
+                          <a:cs typeface="DengXian" charset="-122"/>
+                        </a:rPr>
+                        <a:t>:</a:t>
+                      </a:r>
+                      <a:r>
+                        <a:rPr lang="zh-CN" altLang="en-US" sz="1600" dirty="0" smtClean="0">
+                          <a:latin typeface="DengXian" charset="-122"/>
+                          <a:ea typeface="DengXian" charset="-122"/>
+                          <a:cs typeface="DengXian" charset="-122"/>
+                        </a:rPr>
+                        <a:t> </a:t>
+                      </a:r>
+                      <a:r>
+                        <a:rPr lang="en-US" altLang="zh-CN" sz="1600" dirty="0" smtClean="0">
+                          <a:latin typeface="DengXian" charset="-122"/>
+                          <a:ea typeface="DengXian" charset="-122"/>
+                          <a:cs typeface="DengXian" charset="-122"/>
+                        </a:rPr>
+                        <a:t>600362</a:t>
+                      </a:r>
+                      <a:endParaRPr lang="zh-CN" altLang="en-US" sz="1600" dirty="0">
+                        <a:latin typeface="DengXian" charset="-122"/>
+                        <a:ea typeface="DengXian" charset="-122"/>
+                        <a:cs typeface="DengXian" charset="-122"/>
+                      </a:endParaRPr>
+                    </a:p>
+                  </a:txBody>
+                  <a:tcPr anchor="ctr"/>
+                </a:tc>
+              </a:tr>
+              <a:tr h="725269">
+                <a:tc>
+                  <a:txBody>
+                    <a:bodyPr/>
+                    <a:lstStyle/>
+                    <a:p>
+                      <a:pPr algn="ctr"/>
+                      <a:r>
+                        <a:rPr lang="zh-CN" altLang="en-US" sz="1600" dirty="0" smtClean="0">
+                          <a:latin typeface="DengXian" charset="-122"/>
+                          <a:ea typeface="DengXian" charset="-122"/>
+                          <a:cs typeface="DengXian" charset="-122"/>
+                        </a:rPr>
+                        <a:t>铜陵有色</a:t>
+                      </a:r>
+                      <a:endParaRPr lang="zh-CN" altLang="en-US" sz="1600" dirty="0">
+                        <a:latin typeface="DengXian" charset="-122"/>
+                        <a:ea typeface="DengXian" charset="-122"/>
+                        <a:cs typeface="DengXian" charset="-122"/>
+                      </a:endParaRPr>
+                    </a:p>
+                  </a:txBody>
+                  <a:tcPr anchor="ctr"/>
+                </a:tc>
+                <a:tc>
+                  <a:txBody>
+                    <a:bodyPr/>
+                    <a:lstStyle/>
+                    <a:p>
+                      <a:pPr algn="ctr"/>
+                      <a:r>
+                        <a:rPr lang="en-US" altLang="zh-CN" sz="1600" smtClean="0">
+                          <a:latin typeface="DengXian" charset="-122"/>
+                          <a:ea typeface="DengXian" charset="-122"/>
+                          <a:cs typeface="DengXian" charset="-122"/>
+                        </a:rPr>
+                        <a:t>349</a:t>
+                      </a:r>
+                      <a:endParaRPr lang="zh-CN" altLang="en-US" sz="1600" dirty="0">
+                        <a:latin typeface="DengXian" charset="-122"/>
+                        <a:ea typeface="DengXian" charset="-122"/>
+                        <a:cs typeface="DengXian" charset="-122"/>
+                      </a:endParaRPr>
+                    </a:p>
+                  </a:txBody>
+                  <a:tcPr anchor="ctr"/>
+                </a:tc>
+                <a:tc>
+                  <a:txBody>
+                    <a:bodyPr/>
+                    <a:lstStyle/>
+                    <a:p>
+                      <a:pPr algn="ctr"/>
+                      <a:r>
+                        <a:rPr lang="zh-CN" altLang="en-US" sz="1600" dirty="0" smtClean="0">
+                          <a:latin typeface="DengXian" charset="-122"/>
+                          <a:ea typeface="DengXian" charset="-122"/>
+                          <a:cs typeface="DengXian" charset="-122"/>
+                        </a:rPr>
+                        <a:t>未上榜</a:t>
+                      </a:r>
+                      <a:endParaRPr lang="zh-CN" altLang="en-US" sz="1600" dirty="0">
+                        <a:latin typeface="DengXian" charset="-122"/>
+                        <a:ea typeface="DengXian" charset="-122"/>
+                        <a:cs typeface="DengXian" charset="-122"/>
+                      </a:endParaRPr>
+                    </a:p>
+                  </a:txBody>
+                  <a:tcPr anchor="ctr"/>
+                </a:tc>
+                <a:tc>
+                  <a:txBody>
+                    <a:bodyPr/>
+                    <a:lstStyle/>
+                    <a:p>
+                      <a:pPr algn="ctr"/>
+                      <a:r>
+                        <a:rPr lang="en-US" altLang="zh-CN" sz="1600" dirty="0" smtClean="0">
+                          <a:latin typeface="DengXian" charset="-122"/>
+                          <a:ea typeface="DengXian" charset="-122"/>
+                          <a:cs typeface="DengXian" charset="-122"/>
+                        </a:rPr>
+                        <a:t>866.74</a:t>
+                      </a:r>
+                      <a:endParaRPr lang="zh-CN" altLang="en-US" sz="1600" dirty="0">
+                        <a:latin typeface="DengXian" charset="-122"/>
+                        <a:ea typeface="DengXian" charset="-122"/>
+                        <a:cs typeface="DengXian" charset="-122"/>
+                      </a:endParaRPr>
+                    </a:p>
+                  </a:txBody>
+                  <a:tcPr anchor="ctr"/>
+                </a:tc>
+                <a:tc>
+                  <a:txBody>
+                    <a:bodyPr/>
+                    <a:lstStyle/>
+                    <a:p>
+                      <a:pPr algn="ctr"/>
+                      <a:r>
+                        <a:rPr lang="en-US" altLang="zh-CN" sz="1600" dirty="0" smtClean="0">
+                          <a:latin typeface="DengXian" charset="-122"/>
+                          <a:ea typeface="DengXian" charset="-122"/>
+                          <a:cs typeface="DengXian" charset="-122"/>
+                        </a:rPr>
+                        <a:t>1.8</a:t>
+                      </a:r>
+                      <a:endParaRPr lang="zh-CN" altLang="en-US" sz="1600" dirty="0">
+                        <a:latin typeface="DengXian" charset="-122"/>
+                        <a:ea typeface="DengXian" charset="-122"/>
+                        <a:cs typeface="DengXian" charset="-122"/>
+                      </a:endParaRPr>
+                    </a:p>
+                  </a:txBody>
+                  <a:tcPr anchor="ctr"/>
+                </a:tc>
+                <a:tc>
+                  <a:txBody>
+                    <a:bodyPr/>
+                    <a:lstStyle/>
+                    <a:p>
+                      <a:pPr algn="ctr"/>
+                      <a:r>
+                        <a:rPr lang="en-US" altLang="zh-CN" sz="1600" dirty="0" smtClean="0">
+                          <a:latin typeface="DengXian" charset="-122"/>
+                          <a:ea typeface="DengXian" charset="-122"/>
+                          <a:cs typeface="DengXian" charset="-122"/>
+                        </a:rPr>
+                        <a:t>1.29%</a:t>
+                      </a:r>
+                      <a:endParaRPr lang="zh-CN" altLang="en-US" sz="1600" dirty="0">
+                        <a:latin typeface="DengXian" charset="-122"/>
+                        <a:ea typeface="DengXian" charset="-122"/>
+                        <a:cs typeface="DengXian" charset="-122"/>
+                      </a:endParaRPr>
+                    </a:p>
+                  </a:txBody>
+                  <a:tcPr anchor="ctr"/>
+                </a:tc>
+                <a:tc>
+                  <a:txBody>
+                    <a:bodyPr/>
+                    <a:lstStyle/>
+                    <a:p>
+                      <a:pPr algn="ctr"/>
+                      <a:r>
+                        <a:rPr lang="zh-CN" altLang="en-US" sz="1600" dirty="0" smtClean="0">
+                          <a:latin typeface="DengXian" charset="-122"/>
+                          <a:ea typeface="DengXian" charset="-122"/>
+                          <a:cs typeface="DengXian" charset="-122"/>
+                        </a:rPr>
+                        <a:t>代码</a:t>
+                      </a:r>
+                      <a:r>
+                        <a:rPr lang="en-US" altLang="zh-CN" sz="1600" dirty="0" smtClean="0">
+                          <a:latin typeface="DengXian" charset="-122"/>
+                          <a:ea typeface="DengXian" charset="-122"/>
+                          <a:cs typeface="DengXian" charset="-122"/>
+                        </a:rPr>
+                        <a:t>:</a:t>
+                      </a:r>
+                      <a:r>
+                        <a:rPr lang="zh-CN" altLang="en-US" sz="1600" dirty="0" smtClean="0">
+                          <a:latin typeface="DengXian" charset="-122"/>
+                          <a:ea typeface="DengXian" charset="-122"/>
+                          <a:cs typeface="DengXian" charset="-122"/>
+                        </a:rPr>
+                        <a:t> </a:t>
+                      </a:r>
+                      <a:r>
+                        <a:rPr lang="en-US" altLang="zh-CN" sz="1600" dirty="0" smtClean="0">
+                          <a:latin typeface="DengXian" charset="-122"/>
+                          <a:ea typeface="DengXian" charset="-122"/>
+                          <a:cs typeface="DengXian" charset="-122"/>
+                        </a:rPr>
+                        <a:t>000630</a:t>
+                      </a:r>
+                      <a:endParaRPr lang="zh-CN" altLang="en-US" sz="1600" dirty="0">
+                        <a:latin typeface="DengXian" charset="-122"/>
+                        <a:ea typeface="DengXian" charset="-122"/>
+                        <a:cs typeface="DengXian" charset="-122"/>
+                      </a:endParaRPr>
+                    </a:p>
+                  </a:txBody>
+                  <a:tcPr anchor="ctr"/>
+                </a:tc>
+              </a:tr>
+              <a:tr h="725269">
+                <a:tc>
+                  <a:txBody>
+                    <a:bodyPr/>
+                    <a:lstStyle/>
+                    <a:p>
+                      <a:pPr algn="ctr"/>
+                      <a:r>
+                        <a:rPr lang="zh-CN" altLang="en-US" sz="1600" dirty="0" smtClean="0">
+                          <a:latin typeface="DengXian" charset="-122"/>
+                          <a:ea typeface="DengXian" charset="-122"/>
+                          <a:cs typeface="DengXian" charset="-122"/>
+                        </a:rPr>
+                        <a:t>紫金矿业</a:t>
+                      </a:r>
+                      <a:endParaRPr lang="zh-CN" altLang="en-US" sz="1600" dirty="0">
+                        <a:latin typeface="DengXian" charset="-122"/>
+                        <a:ea typeface="DengXian" charset="-122"/>
+                        <a:cs typeface="DengXian" charset="-122"/>
+                      </a:endParaRPr>
+                    </a:p>
+                  </a:txBody>
+                  <a:tcPr anchor="ctr"/>
+                </a:tc>
+                <a:tc>
+                  <a:txBody>
+                    <a:bodyPr/>
+                    <a:lstStyle/>
+                    <a:p>
+                      <a:pPr algn="ctr"/>
+                      <a:r>
+                        <a:rPr lang="en-US" altLang="zh-CN" sz="1600" smtClean="0">
+                          <a:latin typeface="DengXian" charset="-122"/>
+                          <a:ea typeface="DengXian" charset="-122"/>
+                          <a:cs typeface="DengXian" charset="-122"/>
+                        </a:rPr>
+                        <a:t>431</a:t>
+                      </a:r>
+                      <a:endParaRPr lang="zh-CN" altLang="en-US" sz="1600" dirty="0">
+                        <a:latin typeface="DengXian" charset="-122"/>
+                        <a:ea typeface="DengXian" charset="-122"/>
+                        <a:cs typeface="DengXian" charset="-122"/>
+                      </a:endParaRPr>
+                    </a:p>
+                  </a:txBody>
+                  <a:tcPr anchor="ctr"/>
+                </a:tc>
+                <a:tc>
+                  <a:txBody>
+                    <a:bodyPr/>
+                    <a:lstStyle/>
+                    <a:p>
+                      <a:pPr algn="ctr"/>
+                      <a:r>
+                        <a:rPr lang="zh-CN" altLang="en-US" sz="1600" dirty="0" smtClean="0">
+                          <a:latin typeface="DengXian" charset="-122"/>
+                          <a:ea typeface="DengXian" charset="-122"/>
+                          <a:cs typeface="DengXian" charset="-122"/>
+                        </a:rPr>
+                        <a:t>未上榜</a:t>
+                      </a:r>
+                      <a:endParaRPr lang="zh-CN" altLang="en-US" sz="1600" dirty="0">
+                        <a:latin typeface="DengXian" charset="-122"/>
+                        <a:ea typeface="DengXian" charset="-122"/>
+                        <a:cs typeface="DengXian" charset="-122"/>
+                      </a:endParaRPr>
+                    </a:p>
+                  </a:txBody>
+                  <a:tcPr anchor="ctr"/>
+                </a:tc>
+                <a:tc>
+                  <a:txBody>
+                    <a:bodyPr/>
+                    <a:lstStyle/>
+                    <a:p>
+                      <a:pPr algn="ctr"/>
+                      <a:r>
+                        <a:rPr lang="en-US" altLang="zh-CN" sz="1600" dirty="0" smtClean="0">
+                          <a:latin typeface="DengXian" charset="-122"/>
+                          <a:ea typeface="DengXian" charset="-122"/>
+                          <a:cs typeface="DengXian" charset="-122"/>
+                        </a:rPr>
+                        <a:t>788.51</a:t>
+                      </a:r>
+                      <a:endParaRPr lang="zh-CN" altLang="en-US" sz="1600" dirty="0">
+                        <a:latin typeface="DengXian" charset="-122"/>
+                        <a:ea typeface="DengXian" charset="-122"/>
+                        <a:cs typeface="DengXian" charset="-122"/>
+                      </a:endParaRPr>
+                    </a:p>
+                  </a:txBody>
+                  <a:tcPr anchor="ctr"/>
+                </a:tc>
+                <a:tc>
+                  <a:txBody>
+                    <a:bodyPr/>
+                    <a:lstStyle/>
+                    <a:p>
+                      <a:pPr algn="ctr"/>
+                      <a:r>
+                        <a:rPr lang="en-US" altLang="zh-CN" sz="1600" dirty="0" smtClean="0">
+                          <a:latin typeface="DengXian" charset="-122"/>
+                          <a:ea typeface="DengXian" charset="-122"/>
+                          <a:cs typeface="DengXian" charset="-122"/>
+                        </a:rPr>
+                        <a:t>18.40</a:t>
+                      </a:r>
+                      <a:endParaRPr lang="zh-CN" altLang="en-US" sz="1600" dirty="0">
+                        <a:latin typeface="DengXian" charset="-122"/>
+                        <a:ea typeface="DengXian" charset="-122"/>
+                        <a:cs typeface="DengXian" charset="-122"/>
+                      </a:endParaRPr>
+                    </a:p>
+                  </a:txBody>
+                  <a:tcPr anchor="ctr"/>
+                </a:tc>
+                <a:tc>
+                  <a:txBody>
+                    <a:bodyPr/>
+                    <a:lstStyle/>
+                    <a:p>
+                      <a:pPr algn="ctr"/>
+                      <a:r>
+                        <a:rPr lang="en-US" altLang="zh-CN" sz="1600" dirty="0" smtClean="0">
+                          <a:latin typeface="DengXian" charset="-122"/>
+                          <a:ea typeface="DengXian" charset="-122"/>
+                          <a:cs typeface="DengXian" charset="-122"/>
+                        </a:rPr>
+                        <a:t>6.66%</a:t>
+                      </a:r>
+                      <a:endParaRPr lang="zh-CN" altLang="en-US" sz="1600" dirty="0">
+                        <a:latin typeface="DengXian" charset="-122"/>
+                        <a:ea typeface="DengXian" charset="-122"/>
+                        <a:cs typeface="DengXian" charset="-122"/>
+                      </a:endParaRPr>
+                    </a:p>
+                  </a:txBody>
+                  <a:tcPr anchor="ctr"/>
+                </a:tc>
+                <a:tc>
+                  <a:txBody>
+                    <a:bodyPr/>
+                    <a:lstStyle/>
+                    <a:p>
+                      <a:pPr algn="ctr"/>
+                      <a:r>
+                        <a:rPr lang="zh-CN" altLang="en-US" sz="1600" dirty="0" smtClean="0">
+                          <a:latin typeface="DengXian" charset="-122"/>
+                          <a:ea typeface="DengXian" charset="-122"/>
+                          <a:cs typeface="DengXian" charset="-122"/>
+                        </a:rPr>
+                        <a:t>代码</a:t>
+                      </a:r>
+                      <a:r>
+                        <a:rPr lang="en-US" altLang="zh-CN" sz="1600" dirty="0" smtClean="0">
+                          <a:latin typeface="DengXian" charset="-122"/>
+                          <a:ea typeface="DengXian" charset="-122"/>
+                          <a:cs typeface="DengXian" charset="-122"/>
+                        </a:rPr>
+                        <a:t>:</a:t>
+                      </a:r>
+                      <a:r>
+                        <a:rPr lang="zh-CN" altLang="en-US" sz="1600" dirty="0" smtClean="0">
+                          <a:latin typeface="DengXian" charset="-122"/>
+                          <a:ea typeface="DengXian" charset="-122"/>
+                          <a:cs typeface="DengXian" charset="-122"/>
+                        </a:rPr>
+                        <a:t> </a:t>
+                      </a:r>
+                      <a:r>
+                        <a:rPr lang="en-US" altLang="zh-CN" sz="1600" dirty="0" smtClean="0">
+                          <a:latin typeface="DengXian" charset="-122"/>
+                          <a:ea typeface="DengXian" charset="-122"/>
+                          <a:cs typeface="DengXian" charset="-122"/>
+                        </a:rPr>
+                        <a:t>601899</a:t>
+                      </a:r>
+                      <a:endParaRPr lang="zh-CN" altLang="en-US" sz="1600" dirty="0">
+                        <a:latin typeface="DengXian" charset="-122"/>
+                        <a:ea typeface="DengXian" charset="-122"/>
+                        <a:cs typeface="DengXian" charset="-122"/>
+                      </a:endParaRPr>
+                    </a:p>
+                  </a:txBody>
+                  <a:tcPr anchor="ctr"/>
+                </a:tc>
+              </a:tr>
+              <a:tr h="725269">
+                <a:tc>
+                  <a:txBody>
+                    <a:bodyPr/>
+                    <a:lstStyle/>
+                    <a:p>
+                      <a:pPr algn="ctr"/>
+                      <a:r>
+                        <a:rPr lang="zh-CN" altLang="en-US" sz="1600" dirty="0" smtClean="0">
+                          <a:latin typeface="DengXian" charset="-122"/>
+                          <a:ea typeface="DengXian" charset="-122"/>
+                          <a:cs typeface="DengXian" charset="-122"/>
+                        </a:rPr>
+                        <a:t>云南铜业</a:t>
+                      </a:r>
+                      <a:endParaRPr lang="zh-CN" altLang="en-US" sz="1600" dirty="0">
+                        <a:latin typeface="DengXian" charset="-122"/>
+                        <a:ea typeface="DengXian" charset="-122"/>
+                        <a:cs typeface="DengXian" charset="-122"/>
+                      </a:endParaRPr>
+                    </a:p>
+                  </a:txBody>
+                  <a:tcPr anchor="ctr"/>
+                </a:tc>
+                <a:tc>
+                  <a:txBody>
+                    <a:bodyPr/>
+                    <a:lstStyle/>
+                    <a:p>
+                      <a:pPr algn="ctr"/>
+                      <a:r>
+                        <a:rPr lang="en-US" altLang="zh-CN" sz="1600" smtClean="0">
+                          <a:latin typeface="DengXian" charset="-122"/>
+                          <a:ea typeface="DengXian" charset="-122"/>
+                          <a:cs typeface="DengXian" charset="-122"/>
+                        </a:rPr>
+                        <a:t>493</a:t>
+                      </a:r>
+                      <a:endParaRPr lang="zh-CN" altLang="en-US" sz="1600" dirty="0">
+                        <a:latin typeface="DengXian" charset="-122"/>
+                        <a:ea typeface="DengXian" charset="-122"/>
+                        <a:cs typeface="DengXian" charset="-122"/>
+                      </a:endParaRPr>
+                    </a:p>
+                  </a:txBody>
+                  <a:tcPr anchor="ctr"/>
+                </a:tc>
+                <a:tc>
+                  <a:txBody>
+                    <a:bodyPr/>
+                    <a:lstStyle/>
+                    <a:p>
+                      <a:pPr algn="ctr"/>
+                      <a:r>
+                        <a:rPr lang="zh-CN" altLang="en-US" sz="1600" dirty="0" smtClean="0">
+                          <a:latin typeface="DengXian" charset="-122"/>
+                          <a:ea typeface="DengXian" charset="-122"/>
+                          <a:cs typeface="DengXian" charset="-122"/>
+                        </a:rPr>
+                        <a:t>未上榜</a:t>
+                      </a:r>
+                      <a:endParaRPr lang="zh-CN" altLang="en-US" sz="1600" dirty="0">
+                        <a:latin typeface="DengXian" charset="-122"/>
+                        <a:ea typeface="DengXian" charset="-122"/>
+                        <a:cs typeface="DengXian" charset="-122"/>
+                      </a:endParaRPr>
+                    </a:p>
+                  </a:txBody>
+                  <a:tcPr anchor="ctr"/>
+                </a:tc>
+                <a:tc>
+                  <a:txBody>
+                    <a:bodyPr/>
+                    <a:lstStyle/>
+                    <a:p>
+                      <a:pPr algn="ctr"/>
+                      <a:r>
+                        <a:rPr lang="en-US" altLang="zh-CN" sz="1600" dirty="0" smtClean="0">
+                          <a:latin typeface="DengXian" charset="-122"/>
+                          <a:ea typeface="DengXian" charset="-122"/>
+                          <a:cs typeface="DengXian" charset="-122"/>
+                        </a:rPr>
+                        <a:t>591.95</a:t>
+                      </a:r>
+                      <a:endParaRPr lang="zh-CN" altLang="en-US" sz="1600" dirty="0">
+                        <a:latin typeface="DengXian" charset="-122"/>
+                        <a:ea typeface="DengXian" charset="-122"/>
+                        <a:cs typeface="DengXian" charset="-122"/>
+                      </a:endParaRPr>
+                    </a:p>
+                  </a:txBody>
+                  <a:tcPr anchor="ctr"/>
+                </a:tc>
+                <a:tc>
+                  <a:txBody>
+                    <a:bodyPr/>
+                    <a:lstStyle/>
+                    <a:p>
+                      <a:pPr algn="ctr"/>
+                      <a:r>
+                        <a:rPr lang="en-US" altLang="zh-CN" sz="1600" dirty="0" smtClean="0">
+                          <a:latin typeface="DengXian" charset="-122"/>
+                          <a:ea typeface="DengXian" charset="-122"/>
+                          <a:cs typeface="DengXian" charset="-122"/>
+                        </a:rPr>
+                        <a:t>2.03</a:t>
+                      </a:r>
+                      <a:endParaRPr lang="zh-CN" altLang="en-US" sz="1600" dirty="0">
+                        <a:latin typeface="DengXian" charset="-122"/>
+                        <a:ea typeface="DengXian" charset="-122"/>
+                        <a:cs typeface="DengXian" charset="-122"/>
+                      </a:endParaRPr>
+                    </a:p>
+                  </a:txBody>
+                  <a:tcPr anchor="ctr"/>
+                </a:tc>
+                <a:tc>
+                  <a:txBody>
+                    <a:bodyPr/>
+                    <a:lstStyle/>
+                    <a:p>
+                      <a:pPr algn="ctr"/>
+                      <a:r>
+                        <a:rPr lang="en-US" altLang="zh-CN" sz="1600" dirty="0" smtClean="0">
+                          <a:latin typeface="DengXian" charset="-122"/>
+                          <a:ea typeface="DengXian" charset="-122"/>
+                          <a:cs typeface="DengXian" charset="-122"/>
+                        </a:rPr>
+                        <a:t>3.75%</a:t>
+                      </a:r>
+                      <a:endParaRPr lang="zh-CN" altLang="en-US" sz="1600" dirty="0">
+                        <a:latin typeface="DengXian" charset="-122"/>
+                        <a:ea typeface="DengXian" charset="-122"/>
+                        <a:cs typeface="DengXian" charset="-122"/>
+                      </a:endParaRPr>
+                    </a:p>
+                  </a:txBody>
+                  <a:tcPr anchor="ctr"/>
+                </a:tc>
+                <a:tc>
+                  <a:txBody>
+                    <a:bodyPr/>
+                    <a:lstStyle/>
+                    <a:p>
+                      <a:pPr algn="ctr"/>
+                      <a:r>
+                        <a:rPr lang="zh-CN" altLang="en-US" sz="1600" dirty="0" smtClean="0">
+                          <a:latin typeface="DengXian" charset="-122"/>
+                          <a:ea typeface="DengXian" charset="-122"/>
+                          <a:cs typeface="DengXian" charset="-122"/>
+                        </a:rPr>
+                        <a:t>代码</a:t>
+                      </a:r>
+                      <a:r>
+                        <a:rPr lang="en-US" altLang="zh-CN" sz="1600" dirty="0" smtClean="0">
+                          <a:latin typeface="DengXian" charset="-122"/>
+                          <a:ea typeface="DengXian" charset="-122"/>
+                          <a:cs typeface="DengXian" charset="-122"/>
+                        </a:rPr>
+                        <a:t>:</a:t>
+                      </a:r>
+                      <a:r>
+                        <a:rPr lang="zh-CN" altLang="en-US" sz="1600" dirty="0" smtClean="0">
+                          <a:latin typeface="DengXian" charset="-122"/>
+                          <a:ea typeface="DengXian" charset="-122"/>
+                          <a:cs typeface="DengXian" charset="-122"/>
+                        </a:rPr>
+                        <a:t> </a:t>
+                      </a:r>
+                      <a:r>
+                        <a:rPr lang="en-US" altLang="zh-CN" sz="1600" dirty="0" smtClean="0">
+                          <a:latin typeface="DengXian" charset="-122"/>
+                          <a:ea typeface="DengXian" charset="-122"/>
+                          <a:cs typeface="DengXian" charset="-122"/>
+                        </a:rPr>
+                        <a:t>000878</a:t>
+                      </a:r>
+                      <a:endParaRPr lang="zh-CN" altLang="en-US" sz="1600" dirty="0">
+                        <a:latin typeface="DengXian" charset="-122"/>
+                        <a:ea typeface="DengXian" charset="-122"/>
+                        <a:cs typeface="DengXian" charset="-122"/>
+                      </a:endParaRPr>
+                    </a:p>
+                  </a:txBody>
+                  <a:tcPr anchor="ctr"/>
+                </a:tc>
+              </a:tr>
+            </a:tbl>
+          </a:graphicData>
+        </a:graphic>
+      </p:graphicFrame>
+    </p:spTree>
+    <p:extLst>
+      <p:ext uri="{BB962C8B-B14F-4D97-AF65-F5344CB8AC3E}">
+        <p14:creationId xmlns:p14="http://schemas.microsoft.com/office/powerpoint/2010/main" val="209456097"/>
+      </p:ext>
+    </p:extLst>
+  </p:cSld>
+  <p:clrMapOvr>
+    <a:masterClrMapping/>
+  </p:clrMapOvr>
+  <p:transition spd="med"/>
+</p:sld>
+</file>
+
+<file path=ppt/slides/slide23.xml><?xml version="1.0" encoding="utf-8"?>
+<p:sld xmlns:a="http://schemas.openxmlformats.org/drawingml/2006/main" xmlns:r="http://schemas.openxmlformats.org/officeDocument/2006/relationships" xmlns:p="http://schemas.openxmlformats.org/presentationml/2006/main">
+  <p:cSld>
+    <p:spTree>
+      <p:nvGrpSpPr>
+        <p:cNvPr id="1" name=""/>
+        <p:cNvGrpSpPr/>
+        <p:nvPr/>
+      </p:nvGrpSpPr>
+      <p:grpSpPr>
+        <a:xfrm>
+          <a:off x="0" y="0"/>
+          <a:ext cx="0" cy="0"/>
+          <a:chOff x="0" y="0"/>
+          <a:chExt cx="0" cy="0"/>
+        </a:xfrm>
+      </p:grpSpPr>
+      <p:sp>
+        <p:nvSpPr>
+          <p:cNvPr id="124" name="正威集团简介及发展历程"/>
+          <p:cNvSpPr txBox="1">
+            <a:spLocks noGrp="1"/>
+          </p:cNvSpPr>
+          <p:nvPr>
+            <p:ph type="ctrTitle"/>
+          </p:nvPr>
+        </p:nvSpPr>
+        <p:spPr>
+          <a:prstGeom prst="rect">
+            <a:avLst/>
+          </a:prstGeom>
+        </p:spPr>
+        <p:txBody>
+          <a:bodyPr/>
+          <a:lstStyle/>
+          <a:p>
+            <a:r>
+              <a:rPr lang="zh-CN" altLang="en-US" dirty="0" smtClean="0">
+                <a:latin typeface="DengXian" charset="-122"/>
+                <a:ea typeface="DengXian" charset="-122"/>
+                <a:cs typeface="DengXian" charset="-122"/>
+              </a:rPr>
+              <a:t>正威集团未来计划</a:t>
+            </a:r>
+            <a:endParaRPr dirty="0">
+              <a:latin typeface="DengXian" charset="-122"/>
+              <a:ea typeface="DengXian" charset="-122"/>
+              <a:cs typeface="DengXian" charset="-122"/>
+            </a:endParaRPr>
+          </a:p>
+        </p:txBody>
+      </p:sp>
+      <p:sp>
+        <p:nvSpPr>
+          <p:cNvPr id="125" name="历时20余年,实现从0到3300亿的蜕变."/>
+          <p:cNvSpPr txBox="1">
+            <a:spLocks noGrp="1"/>
+          </p:cNvSpPr>
+          <p:nvPr>
+            <p:ph type="subTitle" sz="quarter" idx="1"/>
+          </p:nvPr>
+        </p:nvSpPr>
+        <p:spPr>
+          <a:prstGeom prst="rect">
+            <a:avLst/>
+          </a:prstGeom>
+        </p:spPr>
+        <p:txBody>
+          <a:bodyPr/>
+          <a:lstStyle/>
+          <a:p>
+            <a:pPr>
+              <a:defRPr>
+                <a:effectLst/>
+              </a:defRPr>
+            </a:pPr>
+            <a:r>
+              <a:rPr lang="en-US" altLang="zh-CN" dirty="0" smtClean="0">
+                <a:latin typeface="DengXian" charset="-122"/>
+                <a:ea typeface="DengXian" charset="-122"/>
+                <a:cs typeface="DengXian" charset="-122"/>
+              </a:rPr>
+              <a:t>2017</a:t>
+            </a:r>
+            <a:r>
+              <a:rPr lang="zh-CN" altLang="en-US" dirty="0" smtClean="0">
+                <a:latin typeface="DengXian" charset="-122"/>
+                <a:ea typeface="DengXian" charset="-122"/>
+                <a:cs typeface="DengXian" charset="-122"/>
+              </a:rPr>
+              <a:t>年启动上市</a:t>
+            </a:r>
+            <a:r>
+              <a:rPr lang="en-US" altLang="zh-CN" dirty="0" smtClean="0">
+                <a:latin typeface="DengXian" charset="-122"/>
+                <a:ea typeface="DengXian" charset="-122"/>
+                <a:cs typeface="DengXian" charset="-122"/>
+              </a:rPr>
+              <a:t>,</a:t>
+            </a:r>
+            <a:r>
+              <a:rPr lang="zh-CN" altLang="en-US" dirty="0" smtClean="0">
+                <a:latin typeface="DengXian" charset="-122"/>
+                <a:ea typeface="DengXian" charset="-122"/>
+                <a:cs typeface="DengXian" charset="-122"/>
+              </a:rPr>
+              <a:t> 营收超万亿</a:t>
+            </a:r>
+            <a:r>
+              <a:rPr lang="en-US" altLang="zh-CN" dirty="0" smtClean="0">
+                <a:latin typeface="DengXian" charset="-122"/>
+                <a:ea typeface="DengXian" charset="-122"/>
+                <a:cs typeface="DengXian" charset="-122"/>
+              </a:rPr>
+              <a:t>,</a:t>
+            </a:r>
+            <a:r>
+              <a:rPr lang="zh-CN" altLang="en-US" dirty="0" smtClean="0">
+                <a:latin typeface="DengXian" charset="-122"/>
+                <a:ea typeface="DengXian" charset="-122"/>
+                <a:cs typeface="DengXian" charset="-122"/>
+              </a:rPr>
+              <a:t> 世界</a:t>
+            </a:r>
+            <a:r>
+              <a:rPr lang="en-US" altLang="zh-CN" dirty="0" smtClean="0">
+                <a:latin typeface="DengXian" charset="-122"/>
+                <a:ea typeface="DengXian" charset="-122"/>
+                <a:cs typeface="DengXian" charset="-122"/>
+              </a:rPr>
+              <a:t>50</a:t>
+            </a:r>
+            <a:r>
+              <a:rPr lang="zh-CN" altLang="en-US" dirty="0" smtClean="0">
+                <a:latin typeface="DengXian" charset="-122"/>
+                <a:ea typeface="DengXian" charset="-122"/>
+                <a:cs typeface="DengXian" charset="-122"/>
+              </a:rPr>
+              <a:t>强</a:t>
+            </a:r>
+            <a:r>
+              <a:rPr lang="en-US" altLang="zh-CN" dirty="0" smtClean="0">
+                <a:latin typeface="DengXian" charset="-122"/>
+                <a:ea typeface="DengXian" charset="-122"/>
+                <a:cs typeface="DengXian" charset="-122"/>
+              </a:rPr>
+              <a:t>,</a:t>
+            </a:r>
+            <a:r>
+              <a:rPr lang="zh-CN" altLang="en-US" dirty="0">
+                <a:latin typeface="DengXian" charset="-122"/>
+                <a:ea typeface="DengXian" charset="-122"/>
+                <a:cs typeface="DengXian" charset="-122"/>
+              </a:rPr>
+              <a:t> </a:t>
+            </a:r>
+            <a:r>
+              <a:rPr lang="zh-CN" altLang="en-US" dirty="0" smtClean="0">
+                <a:latin typeface="DengXian" charset="-122"/>
+                <a:ea typeface="DengXian" charset="-122"/>
+                <a:cs typeface="DengXian" charset="-122"/>
+              </a:rPr>
+              <a:t>在全球拥有定价权</a:t>
+            </a:r>
+            <a:r>
+              <a:rPr lang="en-US" altLang="zh-CN" dirty="0" smtClean="0">
+                <a:latin typeface="DengXian" charset="-122"/>
+                <a:ea typeface="DengXian" charset="-122"/>
+                <a:cs typeface="DengXian" charset="-122"/>
+              </a:rPr>
+              <a:t>.</a:t>
+            </a:r>
+            <a:r>
+              <a:rPr lang="zh-CN" altLang="en-US" dirty="0" smtClean="0">
+                <a:latin typeface="DengXian" charset="-122"/>
+                <a:ea typeface="DengXian" charset="-122"/>
+                <a:cs typeface="DengXian" charset="-122"/>
+              </a:rPr>
+              <a:t> </a:t>
+            </a:r>
+            <a:endParaRPr dirty="0">
+              <a:latin typeface="DengXian" charset="-122"/>
+              <a:ea typeface="DengXian" charset="-122"/>
+              <a:cs typeface="DengXian" charset="-122"/>
+            </a:endParaRPr>
+          </a:p>
+        </p:txBody>
+      </p:sp>
+    </p:spTree>
+    <p:extLst>
+      <p:ext uri="{BB962C8B-B14F-4D97-AF65-F5344CB8AC3E}">
+        <p14:creationId xmlns:p14="http://schemas.microsoft.com/office/powerpoint/2010/main" val="423389427"/>
+      </p:ext>
+    </p:extLst>
+  </p:cSld>
+  <p:clrMapOvr>
+    <a:masterClrMapping/>
+  </p:clrMapOvr>
+  <p:transition spd="med"/>
+  <p:timing>
+    <p:tnLst>
+      <p:par>
+        <p:cTn id="1" dur="indefinite" restart="never" nodeType="tmRoot"/>
+      </p:par>
+    </p:tnLst>
+  </p:timing>
+</p:sld>
+</file>
+
+<file path=ppt/slides/slide24.xml><?xml version="1.0" encoding="utf-8"?>
+<p:sld xmlns:a="http://schemas.openxmlformats.org/drawingml/2006/main" xmlns:r="http://schemas.openxmlformats.org/officeDocument/2006/relationships" xmlns:p="http://schemas.openxmlformats.org/presentationml/2006/main">
+  <p:cSld>
+    <p:spTree>
+      <p:nvGrpSpPr>
+        <p:cNvPr id="1" name=""/>
+        <p:cNvGrpSpPr/>
+        <p:nvPr/>
+      </p:nvGrpSpPr>
+      <p:grpSpPr>
+        <a:xfrm>
+          <a:off x="0" y="0"/>
+          <a:ext cx="0" cy="0"/>
+          <a:chOff x="0" y="0"/>
+          <a:chExt cx="0" cy="0"/>
+        </a:xfrm>
+      </p:grpSpPr>
+      <p:sp>
+        <p:nvSpPr>
+          <p:cNvPr id="2" name="标题 1"/>
+          <p:cNvSpPr>
+            <a:spLocks noGrp="1"/>
+          </p:cNvSpPr>
+          <p:nvPr>
+            <p:ph type="title"/>
+          </p:nvPr>
+        </p:nvSpPr>
+        <p:spPr/>
+        <p:txBody>
+          <a:bodyPr/>
+          <a:lstStyle/>
+          <a:p>
+            <a:r>
+              <a:rPr kumimoji="1" lang="zh-CN" altLang="en-US" dirty="0" smtClean="0">
+                <a:latin typeface="DengXian" charset="-122"/>
+                <a:ea typeface="DengXian" charset="-122"/>
+                <a:cs typeface="DengXian" charset="-122"/>
+              </a:rPr>
+              <a:t>业务前景</a:t>
+            </a:r>
+            <a:endParaRPr kumimoji="1" lang="zh-CN" altLang="en-US" dirty="0">
+              <a:latin typeface="DengXian" charset="-122"/>
+              <a:ea typeface="DengXian" charset="-122"/>
+              <a:cs typeface="DengXian" charset="-122"/>
+            </a:endParaRPr>
+          </a:p>
+        </p:txBody>
+      </p:sp>
+      <p:sp>
+        <p:nvSpPr>
+          <p:cNvPr id="3" name="文本占位符 2"/>
+          <p:cNvSpPr>
+            <a:spLocks noGrp="1"/>
+          </p:cNvSpPr>
+          <p:nvPr>
+            <p:ph type="body" idx="1"/>
+          </p:nvPr>
+        </p:nvSpPr>
+        <p:spPr>
+          <a:xfrm>
+            <a:off x="787400" y="2768599"/>
+            <a:ext cx="11430000" cy="6866719"/>
+          </a:xfrm>
+        </p:spPr>
+        <p:txBody>
+          <a:bodyPr>
+            <a:normAutofit fontScale="92500"/>
+          </a:bodyPr>
+          <a:lstStyle/>
+          <a:p>
+            <a:r>
+              <a:rPr kumimoji="1" lang="zh-CN" altLang="en-US" dirty="0" smtClean="0">
+                <a:latin typeface="DengXian" charset="-122"/>
+                <a:ea typeface="DengXian" charset="-122"/>
+                <a:cs typeface="DengXian" charset="-122"/>
+              </a:rPr>
+              <a:t>中国的铜矿保有量仅占全球</a:t>
+            </a:r>
+            <a:r>
+              <a:rPr kumimoji="1" lang="en-US" altLang="zh-CN" dirty="0" smtClean="0">
+                <a:latin typeface="DengXian" charset="-122"/>
+                <a:ea typeface="DengXian" charset="-122"/>
+                <a:cs typeface="DengXian" charset="-122"/>
+              </a:rPr>
+              <a:t>72000</a:t>
+            </a:r>
+            <a:r>
+              <a:rPr kumimoji="1" lang="zh-CN" altLang="en-US" dirty="0" smtClean="0">
+                <a:latin typeface="DengXian" charset="-122"/>
+                <a:ea typeface="DengXian" charset="-122"/>
+                <a:cs typeface="DengXian" charset="-122"/>
+              </a:rPr>
+              <a:t>万吨的</a:t>
+            </a:r>
+            <a:r>
+              <a:rPr kumimoji="1" lang="en-US" altLang="zh-CN" dirty="0" smtClean="0">
+                <a:latin typeface="DengXian" charset="-122"/>
+                <a:ea typeface="DengXian" charset="-122"/>
+                <a:cs typeface="DengXian" charset="-122"/>
+              </a:rPr>
+              <a:t>4%</a:t>
+            </a:r>
+            <a:r>
+              <a:rPr kumimoji="1" lang="zh-CN" altLang="en-US" dirty="0" smtClean="0">
+                <a:latin typeface="DengXian" charset="-122"/>
+                <a:ea typeface="DengXian" charset="-122"/>
+                <a:cs typeface="DengXian" charset="-122"/>
+              </a:rPr>
+              <a:t>左右</a:t>
+            </a:r>
+            <a:r>
+              <a:rPr kumimoji="1" lang="en-US" altLang="zh-CN" dirty="0" smtClean="0">
+                <a:latin typeface="DengXian" charset="-122"/>
+                <a:ea typeface="DengXian" charset="-122"/>
+                <a:cs typeface="DengXian" charset="-122"/>
+              </a:rPr>
+              <a:t>,</a:t>
+            </a:r>
+            <a:r>
+              <a:rPr kumimoji="1" lang="zh-CN" altLang="en-US" dirty="0" smtClean="0">
+                <a:latin typeface="DengXian" charset="-122"/>
+                <a:ea typeface="DengXian" charset="-122"/>
+                <a:cs typeface="DengXian" charset="-122"/>
+              </a:rPr>
+              <a:t> 但是中国消费市场占全球供应份额的</a:t>
+            </a:r>
+            <a:r>
+              <a:rPr kumimoji="1" lang="en-US" altLang="zh-CN" dirty="0" smtClean="0">
+                <a:solidFill>
+                  <a:srgbClr val="FF0000"/>
+                </a:solidFill>
+                <a:latin typeface="DengXian" charset="-122"/>
+                <a:ea typeface="DengXian" charset="-122"/>
+                <a:cs typeface="DengXian" charset="-122"/>
+              </a:rPr>
+              <a:t>40%</a:t>
+            </a:r>
+            <a:r>
+              <a:rPr kumimoji="1" lang="zh-CN" altLang="en-US" dirty="0" smtClean="0">
+                <a:latin typeface="DengXian" charset="-122"/>
+                <a:ea typeface="DengXian" charset="-122"/>
+                <a:cs typeface="DengXian" charset="-122"/>
+              </a:rPr>
+              <a:t>左右</a:t>
+            </a:r>
+            <a:r>
+              <a:rPr kumimoji="1" lang="en-US" altLang="zh-CN" dirty="0" smtClean="0">
+                <a:latin typeface="DengXian" charset="-122"/>
+                <a:ea typeface="DengXian" charset="-122"/>
+                <a:cs typeface="DengXian" charset="-122"/>
+              </a:rPr>
+              <a:t>.</a:t>
+            </a:r>
+            <a:r>
+              <a:rPr kumimoji="1" lang="zh-CN" altLang="en-US" dirty="0" smtClean="0">
+                <a:latin typeface="DengXian" charset="-122"/>
+                <a:ea typeface="DengXian" charset="-122"/>
+                <a:cs typeface="DengXian" charset="-122"/>
+              </a:rPr>
+              <a:t>中国的铜进口量位居世界第一</a:t>
+            </a:r>
+            <a:r>
+              <a:rPr kumimoji="1" lang="en-US" altLang="zh-CN" dirty="0" smtClean="0">
+                <a:latin typeface="DengXian" charset="-122"/>
+                <a:ea typeface="DengXian" charset="-122"/>
+                <a:cs typeface="DengXian" charset="-122"/>
+              </a:rPr>
+              <a:t>.</a:t>
+            </a:r>
+            <a:r>
+              <a:rPr kumimoji="1" lang="zh-CN" altLang="en-US" dirty="0" smtClean="0">
+                <a:latin typeface="DengXian" charset="-122"/>
+                <a:ea typeface="DengXian" charset="-122"/>
+                <a:cs typeface="DengXian" charset="-122"/>
+              </a:rPr>
+              <a:t> 正威国际集团希望在未来能够占到世界份额的</a:t>
+            </a:r>
+            <a:r>
+              <a:rPr kumimoji="1" lang="en-US" altLang="zh-CN" dirty="0" smtClean="0">
+                <a:solidFill>
+                  <a:srgbClr val="FF0000"/>
+                </a:solidFill>
+                <a:latin typeface="DengXian" charset="-122"/>
+                <a:ea typeface="DengXian" charset="-122"/>
+                <a:cs typeface="DengXian" charset="-122"/>
+              </a:rPr>
+              <a:t>12%</a:t>
+            </a:r>
+            <a:r>
+              <a:rPr kumimoji="1" lang="zh-CN" altLang="en-US" dirty="0" smtClean="0">
+                <a:latin typeface="DengXian" charset="-122"/>
+                <a:ea typeface="DengXian" charset="-122"/>
+                <a:cs typeface="DengXian" charset="-122"/>
+              </a:rPr>
+              <a:t>左右</a:t>
+            </a:r>
+            <a:r>
+              <a:rPr kumimoji="1" lang="en-US" altLang="zh-CN" dirty="0" smtClean="0">
+                <a:latin typeface="DengXian" charset="-122"/>
+                <a:ea typeface="DengXian" charset="-122"/>
+                <a:cs typeface="DengXian" charset="-122"/>
+              </a:rPr>
+              <a:t>.</a:t>
+            </a:r>
+            <a:r>
+              <a:rPr kumimoji="1" lang="zh-CN" altLang="en-US" dirty="0" smtClean="0">
+                <a:latin typeface="DengXian" charset="-122"/>
+                <a:ea typeface="DengXian" charset="-122"/>
+                <a:cs typeface="DengXian" charset="-122"/>
+              </a:rPr>
+              <a:t> 以此改变中国铜商在世界上缺少话语权的局面</a:t>
+            </a:r>
+            <a:r>
+              <a:rPr kumimoji="1" lang="en-US" altLang="zh-CN" dirty="0" smtClean="0">
+                <a:latin typeface="DengXian" charset="-122"/>
+                <a:ea typeface="DengXian" charset="-122"/>
+                <a:cs typeface="DengXian" charset="-122"/>
+              </a:rPr>
+              <a:t>.</a:t>
+            </a:r>
+          </a:p>
+          <a:p>
+            <a:r>
+              <a:rPr kumimoji="1" lang="zh-CN" altLang="en-US" dirty="0" smtClean="0">
+                <a:latin typeface="DengXian" charset="-122"/>
+                <a:ea typeface="DengXian" charset="-122"/>
+                <a:cs typeface="DengXian" charset="-122"/>
+              </a:rPr>
+              <a:t>在高新科技领域</a:t>
+            </a:r>
+            <a:r>
+              <a:rPr kumimoji="1" lang="en-US" altLang="zh-CN" dirty="0" smtClean="0">
+                <a:latin typeface="DengXian" charset="-122"/>
+                <a:ea typeface="DengXian" charset="-122"/>
+                <a:cs typeface="DengXian" charset="-122"/>
+              </a:rPr>
+              <a:t>,</a:t>
+            </a:r>
+            <a:r>
+              <a:rPr kumimoji="1" lang="zh-CN" altLang="en-US" dirty="0" smtClean="0">
+                <a:latin typeface="DengXian" charset="-122"/>
+                <a:ea typeface="DengXian" charset="-122"/>
+                <a:cs typeface="DengXian" charset="-122"/>
+              </a:rPr>
+              <a:t> 正威国际集团涉足的是国家大力扶持的</a:t>
+            </a:r>
+            <a:r>
+              <a:rPr kumimoji="1" lang="zh-CN" altLang="en-US" dirty="0" smtClean="0">
+                <a:solidFill>
+                  <a:srgbClr val="FF0000"/>
+                </a:solidFill>
+                <a:latin typeface="DengXian" charset="-122"/>
+                <a:ea typeface="DengXian" charset="-122"/>
+                <a:cs typeface="DengXian" charset="-122"/>
+              </a:rPr>
+              <a:t>半导体和高新材料</a:t>
+            </a:r>
+            <a:r>
+              <a:rPr kumimoji="1" lang="zh-CN" altLang="en-US" dirty="0" smtClean="0">
+                <a:latin typeface="DengXian" charset="-122"/>
+                <a:ea typeface="DengXian" charset="-122"/>
+                <a:cs typeface="DengXian" charset="-122"/>
+              </a:rPr>
+              <a:t>领域产业链</a:t>
+            </a:r>
+            <a:r>
+              <a:rPr kumimoji="1" lang="en-US" altLang="zh-CN" dirty="0" smtClean="0">
+                <a:latin typeface="DengXian" charset="-122"/>
+                <a:ea typeface="DengXian" charset="-122"/>
+                <a:cs typeface="DengXian" charset="-122"/>
+              </a:rPr>
+              <a:t>.</a:t>
+            </a:r>
+            <a:r>
+              <a:rPr kumimoji="1" lang="zh-CN" altLang="en-US" dirty="0" smtClean="0">
+                <a:latin typeface="DengXian" charset="-122"/>
+                <a:ea typeface="DengXian" charset="-122"/>
+                <a:cs typeface="DengXian" charset="-122"/>
+              </a:rPr>
+              <a:t> 这两个产业</a:t>
+            </a:r>
+            <a:r>
+              <a:rPr kumimoji="1" lang="en-US" altLang="zh-CN" dirty="0" smtClean="0">
+                <a:latin typeface="DengXian" charset="-122"/>
+                <a:ea typeface="DengXian" charset="-122"/>
+                <a:cs typeface="DengXian" charset="-122"/>
+              </a:rPr>
+              <a:t>,</a:t>
+            </a:r>
+            <a:r>
+              <a:rPr kumimoji="1" lang="zh-CN" altLang="en-US" dirty="0" smtClean="0">
+                <a:latin typeface="DengXian" charset="-122"/>
+                <a:ea typeface="DengXian" charset="-122"/>
+                <a:cs typeface="DengXian" charset="-122"/>
+              </a:rPr>
+              <a:t> 国家都面临着缺乏高端核心技术和严重依赖进口的问题</a:t>
+            </a:r>
+            <a:r>
+              <a:rPr kumimoji="1" lang="en-US" altLang="zh-CN" dirty="0" smtClean="0">
+                <a:latin typeface="DengXian" charset="-122"/>
+                <a:ea typeface="DengXian" charset="-122"/>
+                <a:cs typeface="DengXian" charset="-122"/>
+              </a:rPr>
+              <a:t>.</a:t>
+            </a:r>
+            <a:r>
+              <a:rPr kumimoji="1" lang="zh-CN" altLang="en-US" dirty="0" smtClean="0">
+                <a:latin typeface="DengXian" charset="-122"/>
+                <a:ea typeface="DengXian" charset="-122"/>
+                <a:cs typeface="DengXian" charset="-122"/>
+              </a:rPr>
+              <a:t> 正威国际集团的目标是实现</a:t>
+            </a:r>
+            <a:r>
+              <a:rPr kumimoji="1" lang="zh-CN" altLang="en-US" dirty="0" smtClean="0">
+                <a:solidFill>
+                  <a:srgbClr val="FF0000"/>
+                </a:solidFill>
+                <a:latin typeface="DengXian" charset="-122"/>
+                <a:ea typeface="DengXian" charset="-122"/>
+                <a:cs typeface="DengXian" charset="-122"/>
+              </a:rPr>
+              <a:t>实业报国</a:t>
+            </a:r>
+            <a:r>
+              <a:rPr kumimoji="1" lang="en-US" altLang="zh-CN" dirty="0" smtClean="0">
+                <a:latin typeface="DengXian" charset="-122"/>
+                <a:ea typeface="DengXian" charset="-122"/>
+                <a:cs typeface="DengXian" charset="-122"/>
+              </a:rPr>
+              <a:t>,</a:t>
+            </a:r>
+            <a:r>
+              <a:rPr kumimoji="1" lang="zh-CN" altLang="en-US" dirty="0" smtClean="0">
+                <a:latin typeface="DengXian" charset="-122"/>
+                <a:ea typeface="DengXian" charset="-122"/>
+                <a:cs typeface="DengXian" charset="-122"/>
+              </a:rPr>
+              <a:t> </a:t>
+            </a:r>
+            <a:r>
+              <a:rPr kumimoji="1" lang="zh-CN" altLang="en-US" dirty="0" smtClean="0">
+                <a:solidFill>
+                  <a:schemeClr val="tx1"/>
+                </a:solidFill>
+                <a:latin typeface="DengXian" charset="-122"/>
+                <a:ea typeface="DengXian" charset="-122"/>
+                <a:cs typeface="DengXian" charset="-122"/>
+              </a:rPr>
+              <a:t>解决国家级行业层面的迫切需求</a:t>
+            </a:r>
+            <a:r>
+              <a:rPr kumimoji="1" lang="en-US" altLang="zh-CN" dirty="0" smtClean="0">
+                <a:solidFill>
+                  <a:schemeClr val="tx1"/>
+                </a:solidFill>
+                <a:latin typeface="DengXian" charset="-122"/>
+                <a:ea typeface="DengXian" charset="-122"/>
+                <a:cs typeface="DengXian" charset="-122"/>
+              </a:rPr>
+              <a:t>.</a:t>
+            </a:r>
+          </a:p>
+          <a:p>
+            <a:r>
+              <a:rPr kumimoji="1" lang="zh-CN" altLang="en-US" dirty="0" smtClean="0">
+                <a:latin typeface="DengXian" charset="-122"/>
+                <a:ea typeface="DengXian" charset="-122"/>
+                <a:cs typeface="DengXian" charset="-122"/>
+              </a:rPr>
+              <a:t>在文化创意领域</a:t>
+            </a:r>
+            <a:r>
+              <a:rPr kumimoji="1" lang="en-US" altLang="zh-CN" dirty="0" smtClean="0">
+                <a:latin typeface="DengXian" charset="-122"/>
+                <a:ea typeface="DengXian" charset="-122"/>
+                <a:cs typeface="DengXian" charset="-122"/>
+              </a:rPr>
+              <a:t>,</a:t>
+            </a:r>
+            <a:r>
+              <a:rPr kumimoji="1" lang="zh-CN" altLang="en-US" dirty="0" smtClean="0">
+                <a:latin typeface="DengXian" charset="-122"/>
+                <a:ea typeface="DengXian" charset="-122"/>
+                <a:cs typeface="DengXian" charset="-122"/>
+              </a:rPr>
+              <a:t> 王文银认为投资文化产业</a:t>
+            </a:r>
+            <a:r>
+              <a:rPr kumimoji="1" lang="en-US" altLang="zh-CN" dirty="0" smtClean="0">
+                <a:latin typeface="DengXian" charset="-122"/>
+                <a:ea typeface="DengXian" charset="-122"/>
+                <a:cs typeface="DengXian" charset="-122"/>
+              </a:rPr>
+              <a:t>,</a:t>
+            </a:r>
+            <a:r>
+              <a:rPr kumimoji="1" lang="zh-CN" altLang="en-US" dirty="0" smtClean="0">
+                <a:latin typeface="DengXian" charset="-122"/>
+                <a:ea typeface="DengXian" charset="-122"/>
+                <a:cs typeface="DengXian" charset="-122"/>
+              </a:rPr>
+              <a:t> 将在未来为正威国际集团带来超过</a:t>
+            </a:r>
+            <a:r>
+              <a:rPr kumimoji="1" lang="en-US" altLang="zh-CN" dirty="0" smtClean="0">
+                <a:solidFill>
+                  <a:srgbClr val="FF0000"/>
+                </a:solidFill>
+                <a:latin typeface="DengXian" charset="-122"/>
+                <a:ea typeface="DengXian" charset="-122"/>
+                <a:cs typeface="DengXian" charset="-122"/>
+              </a:rPr>
+              <a:t>130</a:t>
+            </a:r>
+            <a:r>
+              <a:rPr kumimoji="1" lang="zh-CN" altLang="en-US" dirty="0" smtClean="0">
+                <a:solidFill>
+                  <a:srgbClr val="FF0000"/>
+                </a:solidFill>
+                <a:latin typeface="DengXian" charset="-122"/>
+                <a:ea typeface="DengXian" charset="-122"/>
+                <a:cs typeface="DengXian" charset="-122"/>
+              </a:rPr>
+              <a:t>亿</a:t>
+            </a:r>
+            <a:r>
+              <a:rPr kumimoji="1" lang="zh-CN" altLang="en-US" dirty="0" smtClean="0">
+                <a:latin typeface="DengXian" charset="-122"/>
+                <a:ea typeface="DengXian" charset="-122"/>
+                <a:cs typeface="DengXian" charset="-122"/>
+              </a:rPr>
+              <a:t>的营业额</a:t>
+            </a:r>
+            <a:r>
+              <a:rPr kumimoji="1" lang="en-US" altLang="zh-CN" dirty="0">
+                <a:latin typeface="DengXian" charset="-122"/>
+                <a:ea typeface="DengXian" charset="-122"/>
+                <a:cs typeface="DengXian" charset="-122"/>
+              </a:rPr>
+              <a:t>.</a:t>
+            </a:r>
+            <a:endParaRPr kumimoji="1" lang="en-US" altLang="zh-CN" dirty="0" smtClean="0">
+              <a:latin typeface="DengXian" charset="-122"/>
+              <a:ea typeface="DengXian" charset="-122"/>
+              <a:cs typeface="DengXian" charset="-122"/>
+            </a:endParaRPr>
+          </a:p>
+        </p:txBody>
+      </p:sp>
+    </p:spTree>
+    <p:extLst>
+      <p:ext uri="{BB962C8B-B14F-4D97-AF65-F5344CB8AC3E}">
+        <p14:creationId xmlns:p14="http://schemas.microsoft.com/office/powerpoint/2010/main" val="1393305075"/>
+      </p:ext>
+    </p:extLst>
+  </p:cSld>
+  <p:clrMapOvr>
+    <a:masterClrMapping/>
+  </p:clrMapOvr>
+  <p:transition spd="med"/>
+</p:sld>
+</file>
+
+<file path=ppt/slides/slide25.xml><?xml version="1.0" encoding="utf-8"?>
+<p:sld xmlns:a="http://schemas.openxmlformats.org/drawingml/2006/main" xmlns:r="http://schemas.openxmlformats.org/officeDocument/2006/relationships" xmlns:p="http://schemas.openxmlformats.org/presentationml/2006/main">
+  <p:cSld>
+    <p:spTree>
+      <p:nvGrpSpPr>
+        <p:cNvPr id="1" name=""/>
+        <p:cNvGrpSpPr/>
+        <p:nvPr/>
+      </p:nvGrpSpPr>
+      <p:grpSpPr>
+        <a:xfrm>
+          <a:off x="0" y="0"/>
+          <a:ext cx="0" cy="0"/>
+          <a:chOff x="0" y="0"/>
+          <a:chExt cx="0" cy="0"/>
+        </a:xfrm>
+      </p:grpSpPr>
+      <p:sp>
+        <p:nvSpPr>
+          <p:cNvPr id="2" name="标题 1"/>
+          <p:cNvSpPr>
+            <a:spLocks noGrp="1"/>
+          </p:cNvSpPr>
+          <p:nvPr>
+            <p:ph type="title"/>
+          </p:nvPr>
+        </p:nvSpPr>
+        <p:spPr/>
+        <p:txBody>
+          <a:bodyPr/>
+          <a:lstStyle/>
+          <a:p>
+            <a:r>
+              <a:rPr kumimoji="1" lang="zh-CN" altLang="en-US" dirty="0" smtClean="0">
+                <a:latin typeface="DengXian" charset="-122"/>
+                <a:ea typeface="DengXian" charset="-122"/>
+                <a:cs typeface="DengXian" charset="-122"/>
+              </a:rPr>
+              <a:t>企业目标</a:t>
+            </a:r>
+            <a:endParaRPr kumimoji="1" lang="zh-CN" altLang="en-US" dirty="0">
+              <a:latin typeface="DengXian" charset="-122"/>
+              <a:ea typeface="DengXian" charset="-122"/>
+              <a:cs typeface="DengXian" charset="-122"/>
+            </a:endParaRPr>
+          </a:p>
+        </p:txBody>
+      </p:sp>
+      <p:sp>
+        <p:nvSpPr>
+          <p:cNvPr id="3" name="文本占位符 2"/>
+          <p:cNvSpPr>
+            <a:spLocks noGrp="1"/>
+          </p:cNvSpPr>
+          <p:nvPr>
+            <p:ph type="body" idx="1"/>
+          </p:nvPr>
+        </p:nvSpPr>
+        <p:spPr/>
+        <p:txBody>
+          <a:bodyPr/>
+          <a:lstStyle/>
+          <a:p>
+            <a:r>
+              <a:rPr kumimoji="1" lang="zh-CN" altLang="en-US" dirty="0" smtClean="0">
+                <a:latin typeface="DengXian" charset="-122"/>
+                <a:ea typeface="DengXian" charset="-122"/>
+                <a:cs typeface="DengXian" charset="-122"/>
+              </a:rPr>
+              <a:t>营业收入超过</a:t>
+            </a:r>
+            <a:r>
+              <a:rPr kumimoji="1" lang="zh-CN" altLang="en-US" dirty="0" smtClean="0">
+                <a:solidFill>
+                  <a:srgbClr val="FF0000"/>
+                </a:solidFill>
+                <a:latin typeface="DengXian" charset="-122"/>
+                <a:ea typeface="DengXian" charset="-122"/>
+                <a:cs typeface="DengXian" charset="-122"/>
+              </a:rPr>
+              <a:t>万亿</a:t>
+            </a:r>
+            <a:r>
+              <a:rPr kumimoji="1" lang="en-US" altLang="zh-CN" dirty="0" smtClean="0">
+                <a:latin typeface="DengXian" charset="-122"/>
+                <a:ea typeface="DengXian" charset="-122"/>
+                <a:cs typeface="DengXian" charset="-122"/>
+              </a:rPr>
+              <a:t>.</a:t>
+            </a:r>
+            <a:r>
+              <a:rPr kumimoji="1" lang="zh-CN" altLang="en-US" dirty="0" smtClean="0">
+                <a:latin typeface="DengXian" charset="-122"/>
+                <a:ea typeface="DengXian" charset="-122"/>
+                <a:cs typeface="DengXian" charset="-122"/>
+              </a:rPr>
+              <a:t> 按照目前</a:t>
+            </a:r>
+            <a:r>
+              <a:rPr kumimoji="1" lang="en-US" altLang="zh-CN" dirty="0" smtClean="0">
+                <a:latin typeface="DengXian" charset="-122"/>
+                <a:ea typeface="DengXian" charset="-122"/>
+                <a:cs typeface="DengXian" charset="-122"/>
+              </a:rPr>
+              <a:t>3300</a:t>
+            </a:r>
+            <a:r>
+              <a:rPr kumimoji="1" lang="zh-CN" altLang="en-US" dirty="0" smtClean="0">
+                <a:latin typeface="DengXian" charset="-122"/>
+                <a:ea typeface="DengXian" charset="-122"/>
+                <a:cs typeface="DengXian" charset="-122"/>
+              </a:rPr>
+              <a:t>亿的营收</a:t>
+            </a:r>
+            <a:r>
+              <a:rPr kumimoji="1" lang="en-US" altLang="zh-CN" dirty="0" smtClean="0">
+                <a:latin typeface="DengXian" charset="-122"/>
+                <a:ea typeface="DengXian" charset="-122"/>
+                <a:cs typeface="DengXian" charset="-122"/>
+              </a:rPr>
+              <a:t>,</a:t>
+            </a:r>
+            <a:r>
+              <a:rPr kumimoji="1" lang="zh-CN" altLang="en-US" dirty="0" smtClean="0">
+                <a:latin typeface="DengXian" charset="-122"/>
+                <a:ea typeface="DengXian" charset="-122"/>
+                <a:cs typeface="DengXian" charset="-122"/>
+              </a:rPr>
+              <a:t> 还需要再打造两个正威</a:t>
+            </a:r>
+            <a:r>
+              <a:rPr kumimoji="1" lang="en-US" altLang="zh-CN" dirty="0" smtClean="0">
+                <a:latin typeface="DengXian" charset="-122"/>
+                <a:ea typeface="DengXian" charset="-122"/>
+                <a:cs typeface="DengXian" charset="-122"/>
+              </a:rPr>
+              <a:t>.</a:t>
+            </a:r>
+          </a:p>
+          <a:p>
+            <a:r>
+              <a:rPr kumimoji="1" lang="zh-CN" altLang="en-US" dirty="0" smtClean="0">
+                <a:latin typeface="DengXian" charset="-122"/>
+                <a:ea typeface="DengXian" charset="-122"/>
+                <a:cs typeface="DengXian" charset="-122"/>
+              </a:rPr>
+              <a:t>进入世界</a:t>
+            </a:r>
+            <a:r>
+              <a:rPr kumimoji="1" lang="en-US" altLang="zh-CN" dirty="0" smtClean="0">
+                <a:latin typeface="DengXian" charset="-122"/>
+                <a:ea typeface="DengXian" charset="-122"/>
+                <a:cs typeface="DengXian" charset="-122"/>
+              </a:rPr>
+              <a:t>50</a:t>
+            </a:r>
+            <a:r>
+              <a:rPr kumimoji="1" lang="zh-CN" altLang="en-US" dirty="0" smtClean="0">
+                <a:latin typeface="DengXian" charset="-122"/>
+                <a:ea typeface="DengXian" charset="-122"/>
+                <a:cs typeface="DengXian" charset="-122"/>
+              </a:rPr>
+              <a:t>强</a:t>
+            </a:r>
+            <a:r>
+              <a:rPr kumimoji="1" lang="en-US" altLang="zh-CN" dirty="0" smtClean="0">
+                <a:latin typeface="DengXian" charset="-122"/>
+                <a:ea typeface="DengXian" charset="-122"/>
+                <a:cs typeface="DengXian" charset="-122"/>
+              </a:rPr>
+              <a:t>. 2017</a:t>
+            </a:r>
+            <a:r>
+              <a:rPr kumimoji="1" lang="zh-CN" altLang="en-US" dirty="0" smtClean="0">
+                <a:latin typeface="DengXian" charset="-122"/>
+                <a:ea typeface="DengXian" charset="-122"/>
+                <a:cs typeface="DengXian" charset="-122"/>
+              </a:rPr>
+              <a:t>年世界</a:t>
+            </a:r>
+            <a:r>
+              <a:rPr kumimoji="1" lang="en-US" altLang="zh-CN" dirty="0" smtClean="0">
+                <a:latin typeface="DengXian" charset="-122"/>
+                <a:ea typeface="DengXian" charset="-122"/>
+                <a:cs typeface="DengXian" charset="-122"/>
+              </a:rPr>
+              <a:t>50</a:t>
+            </a:r>
+            <a:r>
+              <a:rPr kumimoji="1" lang="zh-CN" altLang="en-US" dirty="0" smtClean="0">
+                <a:latin typeface="DengXian" charset="-122"/>
+                <a:ea typeface="DengXian" charset="-122"/>
+                <a:cs typeface="DengXian" charset="-122"/>
+              </a:rPr>
+              <a:t>强的营业收入门槛为</a:t>
+            </a:r>
+            <a:r>
+              <a:rPr kumimoji="1" lang="en-US" altLang="zh-CN" dirty="0" smtClean="0">
+                <a:latin typeface="DengXian" charset="-122"/>
+                <a:ea typeface="DengXian" charset="-122"/>
+                <a:cs typeface="DengXian" charset="-122"/>
+              </a:rPr>
+              <a:t>105127.5</a:t>
+            </a:r>
+            <a:r>
+              <a:rPr kumimoji="1" lang="zh-CN" altLang="en-US" dirty="0" smtClean="0">
+                <a:latin typeface="DengXian" charset="-122"/>
+                <a:ea typeface="DengXian" charset="-122"/>
+                <a:cs typeface="DengXian" charset="-122"/>
+              </a:rPr>
+              <a:t>百万美元</a:t>
+            </a:r>
+            <a:r>
+              <a:rPr kumimoji="1" lang="en-US" altLang="zh-CN" dirty="0" smtClean="0">
+                <a:latin typeface="DengXian" charset="-122"/>
+                <a:ea typeface="DengXian" charset="-122"/>
+                <a:cs typeface="DengXian" charset="-122"/>
+              </a:rPr>
+              <a:t>,</a:t>
+            </a:r>
+            <a:r>
+              <a:rPr kumimoji="1" lang="zh-CN" altLang="en-US" dirty="0" smtClean="0">
+                <a:latin typeface="DengXian" charset="-122"/>
+                <a:ea typeface="DengXian" charset="-122"/>
+                <a:cs typeface="DengXian" charset="-122"/>
+              </a:rPr>
+              <a:t> 约合人民币</a:t>
+            </a:r>
+            <a:r>
+              <a:rPr kumimoji="1" lang="en-US" altLang="zh-CN" dirty="0" smtClean="0">
+                <a:solidFill>
+                  <a:srgbClr val="FF0000"/>
+                </a:solidFill>
+                <a:latin typeface="DengXian" charset="-122"/>
+                <a:ea typeface="DengXian" charset="-122"/>
+                <a:cs typeface="DengXian" charset="-122"/>
+              </a:rPr>
+              <a:t>6937</a:t>
+            </a:r>
+            <a:r>
+              <a:rPr kumimoji="1" lang="zh-CN" altLang="en-US" dirty="0" smtClean="0">
+                <a:solidFill>
+                  <a:srgbClr val="FF0000"/>
+                </a:solidFill>
+                <a:latin typeface="DengXian" charset="-122"/>
+                <a:ea typeface="DengXian" charset="-122"/>
+                <a:cs typeface="DengXian" charset="-122"/>
+              </a:rPr>
+              <a:t>亿元</a:t>
+            </a:r>
+            <a:r>
+              <a:rPr kumimoji="1" lang="en-US" altLang="zh-CN" dirty="0" smtClean="0">
+                <a:latin typeface="DengXian" charset="-122"/>
+                <a:ea typeface="DengXian" charset="-122"/>
+                <a:cs typeface="DengXian" charset="-122"/>
+              </a:rPr>
+              <a:t>.</a:t>
+            </a:r>
+          </a:p>
+          <a:p>
+            <a:r>
+              <a:rPr kumimoji="1" lang="zh-CN" altLang="en-US" dirty="0" smtClean="0">
+                <a:latin typeface="DengXian" charset="-122"/>
+                <a:ea typeface="DengXian" charset="-122"/>
+                <a:cs typeface="DengXian" charset="-122"/>
+              </a:rPr>
+              <a:t>在全球拥有定价权</a:t>
+            </a:r>
+            <a:r>
+              <a:rPr kumimoji="1" lang="en-US" altLang="zh-CN" dirty="0" smtClean="0">
+                <a:latin typeface="DengXian" charset="-122"/>
+                <a:ea typeface="DengXian" charset="-122"/>
+                <a:cs typeface="DengXian" charset="-122"/>
+              </a:rPr>
+              <a:t>.</a:t>
+            </a:r>
+          </a:p>
+          <a:p>
+            <a:r>
+              <a:rPr kumimoji="1" lang="en-US" altLang="zh-CN" dirty="0" smtClean="0">
+                <a:latin typeface="DengXian" charset="-122"/>
+                <a:ea typeface="DengXian" charset="-122"/>
+                <a:cs typeface="DengXian" charset="-122"/>
+              </a:rPr>
+              <a:t>2017</a:t>
+            </a:r>
+            <a:r>
+              <a:rPr kumimoji="1" lang="zh-CN" altLang="en-US" dirty="0" smtClean="0">
+                <a:latin typeface="DengXian" charset="-122"/>
+                <a:ea typeface="DengXian" charset="-122"/>
+                <a:cs typeface="DengXian" charset="-122"/>
+              </a:rPr>
+              <a:t>年启动上市</a:t>
+            </a:r>
+            <a:r>
+              <a:rPr kumimoji="1" lang="en-US" altLang="zh-CN" dirty="0" smtClean="0">
+                <a:latin typeface="DengXian" charset="-122"/>
+                <a:ea typeface="DengXian" charset="-122"/>
+                <a:cs typeface="DengXian" charset="-122"/>
+              </a:rPr>
+              <a:t>,</a:t>
+            </a:r>
+            <a:r>
+              <a:rPr kumimoji="1" lang="zh-CN" altLang="en-US" dirty="0" smtClean="0">
+                <a:latin typeface="DengXian" charset="-122"/>
+                <a:ea typeface="DengXian" charset="-122"/>
+                <a:cs typeface="DengXian" charset="-122"/>
+              </a:rPr>
+              <a:t> 通过分别在</a:t>
+            </a:r>
+            <a:r>
+              <a:rPr kumimoji="1" lang="en-US" altLang="zh-CN" dirty="0" smtClean="0">
+                <a:latin typeface="DengXian" charset="-122"/>
+                <a:ea typeface="DengXian" charset="-122"/>
+                <a:cs typeface="DengXian" charset="-122"/>
+              </a:rPr>
+              <a:t>A</a:t>
+            </a:r>
+            <a:r>
+              <a:rPr kumimoji="1" lang="zh-CN" altLang="en-US" dirty="0" smtClean="0">
+                <a:latin typeface="DengXian" charset="-122"/>
+                <a:ea typeface="DengXian" charset="-122"/>
+                <a:cs typeface="DengXian" charset="-122"/>
+              </a:rPr>
+              <a:t>股市场和港股市场并购一家公司</a:t>
+            </a:r>
+            <a:r>
+              <a:rPr kumimoji="1" lang="en-US" altLang="zh-CN" dirty="0" smtClean="0">
+                <a:latin typeface="DengXian" charset="-122"/>
+                <a:ea typeface="DengXian" charset="-122"/>
+                <a:cs typeface="DengXian" charset="-122"/>
+              </a:rPr>
+              <a:t>,</a:t>
+            </a:r>
+            <a:r>
+              <a:rPr kumimoji="1" lang="zh-CN" altLang="en-US" dirty="0" smtClean="0">
+                <a:latin typeface="DengXian" charset="-122"/>
+                <a:ea typeface="DengXian" charset="-122"/>
+                <a:cs typeface="DengXian" charset="-122"/>
+              </a:rPr>
+              <a:t> 向其注入优质资产的方式上市</a:t>
+            </a:r>
+            <a:r>
+              <a:rPr kumimoji="1" lang="en-US" altLang="zh-CN" dirty="0" smtClean="0">
+                <a:latin typeface="DengXian" charset="-122"/>
+                <a:ea typeface="DengXian" charset="-122"/>
+                <a:cs typeface="DengXian" charset="-122"/>
+              </a:rPr>
+              <a:t>.</a:t>
+            </a:r>
+            <a:endParaRPr kumimoji="1" lang="zh-CN" altLang="en-US" dirty="0">
+              <a:latin typeface="DengXian" charset="-122"/>
+              <a:ea typeface="DengXian" charset="-122"/>
+              <a:cs typeface="DengXian" charset="-122"/>
+            </a:endParaRPr>
+          </a:p>
+        </p:txBody>
+      </p:sp>
+    </p:spTree>
+    <p:extLst>
+      <p:ext uri="{BB962C8B-B14F-4D97-AF65-F5344CB8AC3E}">
+        <p14:creationId xmlns:p14="http://schemas.microsoft.com/office/powerpoint/2010/main" val="691238897"/>
+      </p:ext>
+    </p:extLst>
+  </p:cSld>
+  <p:clrMapOvr>
+    <a:masterClrMapping/>
+  </p:clrMapOvr>
+  <p:transition spd="med"/>
 </p:sld>
 </file>
 
@@ -9452,7 +15946,26 @@
                 <a:ea typeface="DengXian" charset="-122"/>
                 <a:cs typeface="DengXian" charset="-122"/>
               </a:rPr>
-              <a:t>同时, 集团近年来大力发展产业投资与科技智慧园区开发,战略投资与财务投资, 交易平台等业务, 在金属新材料领域位列世界第一.</a:t>
+              <a:t>同时, 集团近年来大力发展产业投资与科技智慧园区开发,战略投资与财务投资, 交易平台等业务, 在</a:t>
+            </a:r>
+            <a:r>
+              <a:rPr dirty="0">
+                <a:solidFill>
+                  <a:srgbClr val="FF0000"/>
+                </a:solidFill>
+                <a:latin typeface="DengXian" charset="-122"/>
+                <a:ea typeface="DengXian" charset="-122"/>
+                <a:cs typeface="DengXian" charset="-122"/>
+              </a:rPr>
+              <a:t>金属新材料领域位列世界第一</a:t>
+            </a:r>
+            <a:r>
+              <a:rPr dirty="0">
+                <a:latin typeface="DengXian" charset="-122"/>
+                <a:ea typeface="DengXian" charset="-122"/>
+                <a:cs typeface="DengXian" charset="-122"/>
+              </a:rPr>
+              <a:t>.</a:t>
             </a:r>
           </a:p>
           <a:p>
@@ -9552,7 +16065,7 @@
           <a:lstStyle/>
           <a:p>
             <a:r>
-              <a:rPr>
+              <a:rPr dirty="0">
                 <a:latin typeface="DengXian" charset="-122"/>
                 <a:ea typeface="DengXian" charset="-122"/>
                 <a:cs typeface="DengXian" charset="-122"/>
@@ -10002,7 +16515,7 @@
               </a:defRPr>
             </a:pPr>
             <a:r>
-              <a:rPr>
+              <a:rPr dirty="0">
                 <a:latin typeface="DengXian" charset="-122"/>
                 <a:ea typeface="DengXian" charset="-122"/>
                 <a:cs typeface="DengXian" charset="-122"/>
@@ -10010,7 +16523,7 @@
               <a:t>成立</a:t>
             </a:r>
             <a:r>
-              <a:rPr b="1">
+              <a:rPr b="1" dirty="0">
                 <a:latin typeface="DengXian" charset="-122"/>
                 <a:ea typeface="DengXian" charset="-122"/>
                 <a:cs typeface="DengXian" charset="-122"/>
@@ -10019,12 +16532,23 @@
               <a:t>正威科技(深圳)有限公司; 建立深圳精密控制线缆产业园</a:t>
             </a:r>
             <a:r>
-              <a:rPr>
-                <a:latin typeface="DengXian" charset="-122"/>
-                <a:ea typeface="DengXian" charset="-122"/>
-                <a:cs typeface="DengXian" charset="-122"/>
-              </a:rPr>
-              <a:t>, 巩固了行业领先地位</a:t>
+              <a:rPr dirty="0">
+                <a:latin typeface="DengXian" charset="-122"/>
+                <a:ea typeface="DengXian" charset="-122"/>
+                <a:cs typeface="DengXian" charset="-122"/>
+              </a:rPr>
+              <a:t>, 巩固了</a:t>
+            </a:r>
+            <a:r>
+              <a:rPr dirty="0">
+                <a:solidFill>
+                  <a:srgbClr val="FF0000"/>
+                </a:solidFill>
+                <a:latin typeface="DengXian" charset="-122"/>
+                <a:ea typeface="DengXian" charset="-122"/>
+                <a:cs typeface="DengXian" charset="-122"/>
+              </a:rPr>
+              <a:t>行业领先地位</a:t>
             </a:r>
           </a:p>
         </p:txBody>
@@ -10106,7 +16630,7 @@
               </a:defRPr>
             </a:pPr>
             <a:r>
-              <a:rPr b="0">
+              <a:rPr b="0" dirty="0">
                 <a:latin typeface="DengXian" charset="-122"/>
                 <a:ea typeface="DengXian" charset="-122"/>
                 <a:cs typeface="DengXian" charset="-122"/>
@@ -10115,7 +16639,7 @@
               <a:t>建立</a:t>
             </a:r>
             <a:r>
-              <a:rPr>
+              <a:rPr dirty="0">
                 <a:latin typeface="DengXian" charset="-122"/>
                 <a:ea typeface="DengXian" charset="-122"/>
                 <a:cs typeface="DengXian" charset="-122"/>
@@ -10123,7 +16647,10 @@
               <a:t>江西赣州铜,钨采选冶及精深加工产业园, </a:t>
             </a:r>
             <a:r>
-              <a:rPr b="0">
+              <a:rPr b="0" dirty="0">
+                <a:solidFill>
+                  <a:srgbClr val="FF0000"/>
+                </a:solidFill>
                 <a:latin typeface="DengXian" charset="-122"/>
                 <a:ea typeface="DengXian" charset="-122"/>
                 <a:cs typeface="DengXian" charset="-122"/>
@@ -10303,7 +16830,7 @@
               <a:defRPr sz="1500"/>
             </a:pPr>
             <a:r>
-              <a:rPr>
+              <a:rPr dirty="0">
                 <a:latin typeface="DengXian" charset="-122"/>
                 <a:ea typeface="DengXian" charset="-122"/>
                 <a:cs typeface="DengXian" charset="-122"/>
@@ -10311,7 +16838,7 @@
               <a:t>创立</a:t>
             </a:r>
             <a:r>
-              <a:rPr b="1">
+              <a:rPr b="1" dirty="0">
                 <a:latin typeface="DengXian" charset="-122"/>
                 <a:ea typeface="DengXian" charset="-122"/>
                 <a:cs typeface="DengXian" charset="-122"/>
@@ -10320,12 +16847,23 @@
               <a:t>AWIN INTERNATIONAL LIMITED</a:t>
             </a:r>
             <a:r>
-              <a:rPr>
-                <a:latin typeface="DengXian" charset="-122"/>
-                <a:ea typeface="DengXian" charset="-122"/>
-                <a:cs typeface="DengXian" charset="-122"/>
-              </a:rPr>
-              <a:t>, 正式进军欧洲市场</a:t>
+              <a:rPr dirty="0">
+                <a:latin typeface="DengXian" charset="-122"/>
+                <a:ea typeface="DengXian" charset="-122"/>
+                <a:cs typeface="DengXian" charset="-122"/>
+              </a:rPr>
+              <a:t>, 正式进军</a:t>
+            </a:r>
+            <a:r>
+              <a:rPr dirty="0">
+                <a:solidFill>
+                  <a:srgbClr val="FF0000"/>
+                </a:solidFill>
+                <a:latin typeface="DengXian" charset="-122"/>
+                <a:ea typeface="DengXian" charset="-122"/>
+                <a:cs typeface="DengXian" charset="-122"/>
+              </a:rPr>
+              <a:t>欧洲市场</a:t>
             </a:r>
           </a:p>
         </p:txBody>
@@ -10403,7 +16941,7 @@
               </a:defRPr>
             </a:pPr>
             <a:r>
-              <a:rPr>
+              <a:rPr dirty="0">
                 <a:latin typeface="DengXian" charset="-122"/>
                 <a:ea typeface="DengXian" charset="-122"/>
                 <a:cs typeface="DengXian" charset="-122"/>
@@ -10411,7 +16949,7 @@
               <a:t>成立</a:t>
             </a:r>
             <a:r>
-              <a:rPr b="1">
+              <a:rPr b="1" dirty="0">
                 <a:latin typeface="DengXian" charset="-122"/>
                 <a:ea typeface="DengXian" charset="-122"/>
                 <a:cs typeface="DengXian" charset="-122"/>
@@ -10420,7 +16958,7 @@
               <a:t>全威(铜陵)铜业科技有限公司</a:t>
             </a:r>
             <a:r>
-              <a:rPr>
+              <a:rPr dirty="0">
                 <a:latin typeface="DengXian" charset="-122"/>
                 <a:ea typeface="DengXian" charset="-122"/>
                 <a:cs typeface="DengXian" charset="-122"/>
@@ -10428,7 +16966,7 @@
               <a:t>, 建立</a:t>
             </a:r>
             <a:r>
-              <a:rPr b="1">
+              <a:rPr b="1" dirty="0">
                 <a:latin typeface="DengXian" charset="-122"/>
                 <a:ea typeface="DengXian" charset="-122"/>
                 <a:cs typeface="DengXian" charset="-122"/>
@@ -10437,7 +16975,7 @@
               <a:t>安徽铜陵铜制造产业园</a:t>
             </a:r>
             <a:r>
-              <a:rPr>
+              <a:rPr dirty="0">
                 <a:latin typeface="DengXian" charset="-122"/>
                 <a:ea typeface="DengXian" charset="-122"/>
                 <a:cs typeface="DengXian" charset="-122"/>
@@ -10445,7 +16983,10 @@
               <a:t>, </a:t>
             </a:r>
             <a:r>
-              <a:rPr b="1">
+              <a:rPr b="1" dirty="0">
+                <a:solidFill>
+                  <a:srgbClr val="FF0000"/>
+                </a:solidFill>
                 <a:latin typeface="DengXian" charset="-122"/>
                 <a:ea typeface="DengXian" charset="-122"/>
                 <a:cs typeface="DengXian" charset="-122"/>
@@ -10454,7 +16995,10 @@
               <a:t>完成有色金属全产业链整合</a:t>
             </a:r>
             <a:r>
-              <a:rPr>
+              <a:rPr dirty="0">
+                <a:solidFill>
+                  <a:srgbClr val="FF0000"/>
+                </a:solidFill>
                 <a:latin typeface="DengXian" charset="-122"/>
                 <a:ea typeface="DengXian" charset="-122"/>
                 <a:cs typeface="DengXian" charset="-122"/>
@@ -10586,7 +17130,7 @@
               </a:defRPr>
             </a:pPr>
             <a:r>
-              <a:rPr>
+              <a:rPr dirty="0">
                 <a:latin typeface="DengXian" charset="-122"/>
                 <a:ea typeface="DengXian" charset="-122"/>
                 <a:cs typeface="DengXian" charset="-122"/>
@@ -10594,7 +17138,7 @@
               <a:t>正式收购</a:t>
             </a:r>
             <a:r>
-              <a:rPr b="1">
+              <a:rPr b="1" dirty="0">
                 <a:latin typeface="DengXian" charset="-122"/>
                 <a:ea typeface="DengXian" charset="-122"/>
                 <a:cs typeface="DengXian" charset="-122"/>
@@ -10603,7 +17147,7 @@
               <a:t>安庆汉玉石材有限公司</a:t>
             </a:r>
             <a:r>
-              <a:rPr>
+              <a:rPr dirty="0">
                 <a:latin typeface="DengXian" charset="-122"/>
                 <a:ea typeface="DengXian" charset="-122"/>
                 <a:cs typeface="DengXian" charset="-122"/>
@@ -10611,7 +17155,10 @@
               <a:t>, 立志打造</a:t>
             </a:r>
             <a:r>
-              <a:rPr b="1">
+              <a:rPr b="1" dirty="0">
+                <a:solidFill>
+                  <a:srgbClr val="FF0000"/>
+                </a:solidFill>
                 <a:latin typeface="DengXian" charset="-122"/>
                 <a:ea typeface="DengXian" charset="-122"/>
                 <a:cs typeface="DengXian" charset="-122"/>
@@ -10748,7 +17295,7 @@
               </a:defRPr>
             </a:pPr>
             <a:r>
-              <a:rPr>
+              <a:rPr dirty="0">
                 <a:latin typeface="DengXian" charset="-122"/>
                 <a:ea typeface="DengXian" charset="-122"/>
                 <a:cs typeface="DengXian" charset="-122"/>
@@ -10756,16 +17303,31 @@
               <a:t>正威中华芯都半导体产业园</a:t>
             </a:r>
             <a:r>
-              <a:rPr b="0">
+              <a:rPr b="0" dirty="0">
                 <a:latin typeface="DengXian" charset="-122"/>
                 <a:ea typeface="DengXian" charset="-122"/>
                 <a:cs typeface="DengXian" charset="-122"/>
                 <a:sym typeface="Helvetica Neue Light"/>
               </a:rPr>
-              <a:t>破土动工, 涉足</a:t>
-            </a:r>
-            <a:r>
-              <a:rPr>
+              <a:t>破土动工, </a:t>
+            </a:r>
+            <a:r>
+              <a:rPr b="0" dirty="0">
+                <a:solidFill>
+                  <a:srgbClr val="FF0000"/>
+                </a:solidFill>
+                <a:latin typeface="DengXian" charset="-122"/>
+                <a:ea typeface="DengXian" charset="-122"/>
+                <a:cs typeface="DengXian" charset="-122"/>
+                <a:sym typeface="Helvetica Neue Light"/>
+              </a:rPr>
+              <a:t>涉足</a:t>
+            </a:r>
+            <a:r>
+              <a:rPr dirty="0">
+                <a:solidFill>
+                  <a:srgbClr val="FF0000"/>
+                </a:solidFill>
                 <a:latin typeface="DengXian" charset="-122"/>
                 <a:ea typeface="DengXian" charset="-122"/>
                 <a:cs typeface="DengXian" charset="-122"/>
@@ -10846,7 +17408,7 @@
               <a:defRPr sz="1500"/>
             </a:pPr>
             <a:r>
-              <a:rPr b="1">
+              <a:rPr b="1" dirty="0">
                 <a:latin typeface="DengXian" charset="-122"/>
                 <a:ea typeface="DengXian" charset="-122"/>
                 <a:cs typeface="DengXian" charset="-122"/>
@@ -10855,7 +17417,7 @@
               <a:t>中国(营口)聚酰亚胺高新材料产业基地</a:t>
             </a:r>
             <a:r>
-              <a:rPr>
+              <a:rPr dirty="0">
                 <a:latin typeface="DengXian" charset="-122"/>
                 <a:ea typeface="DengXian" charset="-122"/>
                 <a:cs typeface="DengXian" charset="-122"/>
@@ -10863,7 +17425,10 @@
               <a:t>开工奠基, 正式进军</a:t>
             </a:r>
             <a:r>
-              <a:rPr b="1">
+              <a:rPr b="1" dirty="0">
+                <a:solidFill>
+                  <a:srgbClr val="FF0000"/>
+                </a:solidFill>
                 <a:latin typeface="DengXian" charset="-122"/>
                 <a:ea typeface="DengXian" charset="-122"/>
                 <a:cs typeface="DengXian" charset="-122"/>
@@ -12316,7 +18881,7 @@
         </p:spPr>
         <p:txBody>
           <a:bodyPr>
-            <a:normAutofit lnSpcReduction="10000"/>
+            <a:normAutofit fontScale="92500"/>
           </a:bodyPr>
           <a:lstStyle/>
           <a:p>
@@ -12394,7 +18959,26 @@
                 <a:ea typeface="DengXian" charset="-122"/>
                 <a:cs typeface="DengXian" charset="-122"/>
               </a:rPr>
-              <a:t>位, 2016年福布斯中国富豪榜排行第6位</a:t>
+              <a:t>位, 2016年福布斯中国富豪榜排行第</a:t>
+            </a:r>
+            <a:r>
+              <a:rPr dirty="0">
+                <a:solidFill>
+                  <a:srgbClr val="FF0000"/>
+                </a:solidFill>
+                <a:latin typeface="DengXian" charset="-122"/>
+                <a:ea typeface="DengXian" charset="-122"/>
+                <a:cs typeface="DengXian" charset="-122"/>
+              </a:rPr>
+              <a:t>6</a:t>
+            </a:r>
+            <a:r>
+              <a:rPr dirty="0">
+                <a:latin typeface="DengXian" charset="-122"/>
+                <a:ea typeface="DengXian" charset="-122"/>
+                <a:cs typeface="DengXian" charset="-122"/>
+              </a:rPr>
+              <a:t>位</a:t>
             </a:r>
             <a:r>
               <a:rPr dirty="0" smtClean="0">
@@ -12561,7 +19145,23 @@
                 <a:ea typeface="DengXian" charset="-122"/>
                 <a:cs typeface="DengXian" charset="-122"/>
               </a:rPr>
-              <a:t> 他也成为了大家眼中的世界铜王</a:t>
+              <a:t> 在全球拥有</a:t>
+            </a:r>
+            <a:r>
+              <a:rPr lang="en-US" altLang="zh-CN" dirty="0" smtClean="0">
+                <a:latin typeface="DengXian" charset="-122"/>
+                <a:ea typeface="DengXian" charset="-122"/>
+                <a:cs typeface="DengXian" charset="-122"/>
+              </a:rPr>
+              <a:t>10</a:t>
+            </a:r>
+            <a:r>
+              <a:rPr lang="zh-CN" altLang="en-US" dirty="0" smtClean="0">
+                <a:latin typeface="DengXian" charset="-122"/>
+                <a:ea typeface="DengXian" charset="-122"/>
+                <a:cs typeface="DengXian" charset="-122"/>
+              </a:rPr>
+              <a:t>多座铜矿的他也成为了大家眼中的世界铜王</a:t>
             </a:r>
             <a:r>
               <a:rPr lang="en-US" altLang="zh-CN" dirty="0" smtClean="0">
